--- a/IT002-OOP/Slide thực hành/Shape.pptx
+++ b/IT002-OOP/Slide thực hành/Shape.pptx
@@ -8,8 +8,6 @@
     <p:sldId id="269" r:id="rId2"/>
     <p:sldId id="271" r:id="rId3"/>
     <p:sldId id="273" r:id="rId4"/>
-    <p:sldId id="272" r:id="rId5"/>
-    <p:sldId id="274" r:id="rId6"/>
   </p:sldIdLst>
   <p:sldSz cx="12192000" cy="6858000"/>
   <p:notesSz cx="6858000" cy="9144000"/>
@@ -108,6 +106,11 @@
       </a:defRPr>
     </a:lvl9pPr>
   </p:defaultTextStyle>
+  <p:extLst>
+    <p:ext uri="{EFAFB233-063F-42B5-8137-9DF3F51BA10A}">
+      <p15:sldGuideLst xmlns:p15="http://schemas.microsoft.com/office/powerpoint/2012/main"/>
+    </p:ext>
+  </p:extLst>
 </p:presentation>
 </file>
 
@@ -259,7 +262,7 @@
           <a:lstStyle/>
           <a:p>
             <a:fld id="{762C2333-3078-944A-A44E-E5507A73A40C}" type="datetimeFigureOut">
-              <a:t>09/05/2023</a:t>
+              <a:t>10/06/2023</a:t>
             </a:fld>
             <a:endParaRPr lang="en-VN"/>
           </a:p>
@@ -457,7 +460,7 @@
           <a:lstStyle/>
           <a:p>
             <a:fld id="{762C2333-3078-944A-A44E-E5507A73A40C}" type="datetimeFigureOut">
-              <a:t>09/05/2023</a:t>
+              <a:t>10/06/2023</a:t>
             </a:fld>
             <a:endParaRPr lang="en-VN"/>
           </a:p>
@@ -665,7 +668,7 @@
           <a:lstStyle/>
           <a:p>
             <a:fld id="{762C2333-3078-944A-A44E-E5507A73A40C}" type="datetimeFigureOut">
-              <a:t>09/05/2023</a:t>
+              <a:t>10/06/2023</a:t>
             </a:fld>
             <a:endParaRPr lang="en-VN"/>
           </a:p>
@@ -863,7 +866,7 @@
           <a:lstStyle/>
           <a:p>
             <a:fld id="{762C2333-3078-944A-A44E-E5507A73A40C}" type="datetimeFigureOut">
-              <a:t>09/05/2023</a:t>
+              <a:t>10/06/2023</a:t>
             </a:fld>
             <a:endParaRPr lang="en-VN"/>
           </a:p>
@@ -1137,7 +1140,7 @@
           <a:lstStyle/>
           <a:p>
             <a:fld id="{762C2333-3078-944A-A44E-E5507A73A40C}" type="datetimeFigureOut">
-              <a:t>09/05/2023</a:t>
+              <a:t>10/06/2023</a:t>
             </a:fld>
             <a:endParaRPr lang="en-VN"/>
           </a:p>
@@ -1403,7 +1406,7 @@
           <a:lstStyle/>
           <a:p>
             <a:fld id="{762C2333-3078-944A-A44E-E5507A73A40C}" type="datetimeFigureOut">
-              <a:t>09/05/2023</a:t>
+              <a:t>10/06/2023</a:t>
             </a:fld>
             <a:endParaRPr lang="en-VN"/>
           </a:p>
@@ -1816,7 +1819,7 @@
           <a:lstStyle/>
           <a:p>
             <a:fld id="{762C2333-3078-944A-A44E-E5507A73A40C}" type="datetimeFigureOut">
-              <a:t>09/05/2023</a:t>
+              <a:t>10/06/2023</a:t>
             </a:fld>
             <a:endParaRPr lang="en-VN"/>
           </a:p>
@@ -1956,7 +1959,7 @@
           <a:lstStyle/>
           <a:p>
             <a:fld id="{762C2333-3078-944A-A44E-E5507A73A40C}" type="datetimeFigureOut">
-              <a:t>09/05/2023</a:t>
+              <a:t>10/06/2023</a:t>
             </a:fld>
             <a:endParaRPr lang="en-VN"/>
           </a:p>
@@ -2067,7 +2070,7 @@
           <a:lstStyle/>
           <a:p>
             <a:fld id="{762C2333-3078-944A-A44E-E5507A73A40C}" type="datetimeFigureOut">
-              <a:t>09/05/2023</a:t>
+              <a:t>10/06/2023</a:t>
             </a:fld>
             <a:endParaRPr lang="en-VN"/>
           </a:p>
@@ -2378,7 +2381,7 @@
           <a:lstStyle/>
           <a:p>
             <a:fld id="{762C2333-3078-944A-A44E-E5507A73A40C}" type="datetimeFigureOut">
-              <a:t>09/05/2023</a:t>
+              <a:t>10/06/2023</a:t>
             </a:fld>
             <a:endParaRPr lang="en-VN"/>
           </a:p>
@@ -2665,7 +2668,7 @@
           <a:lstStyle/>
           <a:p>
             <a:fld id="{762C2333-3078-944A-A44E-E5507A73A40C}" type="datetimeFigureOut">
-              <a:t>09/05/2023</a:t>
+              <a:t>10/06/2023</a:t>
             </a:fld>
             <a:endParaRPr lang="en-VN"/>
           </a:p>
@@ -2906,7 +2909,7 @@
           </a:lstStyle>
           <a:p>
             <a:fld id="{762C2333-3078-944A-A44E-E5507A73A40C}" type="datetimeFigureOut">
-              <a:t>09/05/2023</a:t>
+              <a:t>10/06/2023</a:t>
             </a:fld>
             <a:endParaRPr lang="en-VN"/>
           </a:p>
@@ -13654,5902 +13657,6 @@
 </p:sld>
 </file>
 
-<file path=ppt/slides/slide4.xml><?xml version="1.0" encoding="utf-8"?>
-<p:sld xmlns:a="http://schemas.openxmlformats.org/drawingml/2006/main" xmlns:r="http://schemas.openxmlformats.org/officeDocument/2006/relationships" xmlns:p="http://schemas.openxmlformats.org/presentationml/2006/main">
-  <p:cSld>
-    <p:spTree>
-      <p:nvGrpSpPr>
-        <p:cNvPr id="1" name=""/>
-        <p:cNvGrpSpPr/>
-        <p:nvPr/>
-      </p:nvGrpSpPr>
-      <p:grpSpPr>
-        <a:xfrm>
-          <a:off x="0" y="0"/>
-          <a:ext cx="0" cy="0"/>
-          <a:chOff x="0" y="0"/>
-          <a:chExt cx="0" cy="0"/>
-        </a:xfrm>
-      </p:grpSpPr>
-      <p:sp>
-        <p:nvSpPr>
-          <p:cNvPr id="5" name="Oval 4">
-            <a:extLst>
-              <a:ext uri="{FF2B5EF4-FFF2-40B4-BE49-F238E27FC236}">
-                <a16:creationId xmlns:a16="http://schemas.microsoft.com/office/drawing/2014/main" id="{D1332F9C-862D-F36B-9457-124EC3543083}"/>
-              </a:ext>
-            </a:extLst>
-          </p:cNvPr>
-          <p:cNvSpPr/>
-          <p:nvPr/>
-        </p:nvSpPr>
-        <p:spPr>
-          <a:xfrm>
-            <a:off x="1474830" y="1795791"/>
-            <a:ext cx="805542" cy="805542"/>
-          </a:xfrm>
-          <a:prstGeom prst="ellipse">
-            <a:avLst/>
-          </a:prstGeom>
-          <a:noFill/>
-          <a:ln>
-            <a:solidFill>
-              <a:srgbClr val="0070C0"/>
-            </a:solidFill>
-          </a:ln>
-        </p:spPr>
-        <p:style>
-          <a:lnRef idx="2">
-            <a:schemeClr val="accent1">
-              <a:shade val="50000"/>
-            </a:schemeClr>
-          </a:lnRef>
-          <a:fillRef idx="1">
-            <a:schemeClr val="accent1"/>
-          </a:fillRef>
-          <a:effectRef idx="0">
-            <a:schemeClr val="accent1"/>
-          </a:effectRef>
-          <a:fontRef idx="minor">
-            <a:schemeClr val="lt1"/>
-          </a:fontRef>
-        </p:style>
-        <p:txBody>
-          <a:bodyPr rtlCol="0" anchor="ctr"/>
-          <a:lstStyle/>
-          <a:p>
-            <a:pPr algn="ctr"/>
-            <a:r>
-              <a:rPr lang="en-VN" sz="1000">
-                <a:solidFill>
-                  <a:schemeClr val="tx1"/>
-                </a:solidFill>
-              </a:rPr>
-              <a:t>ID: 1, type: 2, x: 0, y: 0</a:t>
-            </a:r>
-          </a:p>
-        </p:txBody>
-      </p:sp>
-      <p:sp>
-        <p:nvSpPr>
-          <p:cNvPr id="6" name="Rectangle 5">
-            <a:extLst>
-              <a:ext uri="{FF2B5EF4-FFF2-40B4-BE49-F238E27FC236}">
-                <a16:creationId xmlns:a16="http://schemas.microsoft.com/office/drawing/2014/main" id="{3AF50914-FDF2-78D7-FA05-A3F9D092DF84}"/>
-              </a:ext>
-            </a:extLst>
-          </p:cNvPr>
-          <p:cNvSpPr/>
-          <p:nvPr/>
-        </p:nvSpPr>
-        <p:spPr>
-          <a:xfrm>
-            <a:off x="1193486" y="352436"/>
-            <a:ext cx="1480457" cy="1084126"/>
-          </a:xfrm>
-          <a:prstGeom prst="rect">
-            <a:avLst/>
-          </a:prstGeom>
-          <a:noFill/>
-          <a:ln>
-            <a:solidFill>
-              <a:schemeClr val="tx1"/>
-            </a:solidFill>
-          </a:ln>
-        </p:spPr>
-        <p:style>
-          <a:lnRef idx="2">
-            <a:schemeClr val="accent1">
-              <a:shade val="50000"/>
-            </a:schemeClr>
-          </a:lnRef>
-          <a:fillRef idx="1">
-            <a:schemeClr val="accent1"/>
-          </a:fillRef>
-          <a:effectRef idx="0">
-            <a:schemeClr val="accent1"/>
-          </a:effectRef>
-          <a:fontRef idx="minor">
-            <a:schemeClr val="lt1"/>
-          </a:fontRef>
-        </p:style>
-        <p:txBody>
-          <a:bodyPr rtlCol="0" anchor="ctr"/>
-          <a:lstStyle/>
-          <a:p>
-            <a:r>
-              <a:rPr lang="en-VN" sz="1000">
-                <a:solidFill>
-                  <a:schemeClr val="tx1"/>
-                </a:solidFill>
-              </a:rPr>
-              <a:t>ID: 1, W: 5, x: 2, y: 2</a:t>
-            </a:r>
-          </a:p>
-          <a:p>
-            <a:r>
-              <a:rPr lang="en-VN" sz="1000">
-                <a:solidFill>
-                  <a:schemeClr val="tx1"/>
-                </a:solidFill>
-              </a:rPr>
-              <a:t>ID: 2, W: 4, x: 1, y: 2</a:t>
-            </a:r>
-          </a:p>
-          <a:p>
-            <a:r>
-              <a:rPr lang="en-VN" sz="1000">
-                <a:solidFill>
-                  <a:schemeClr val="tx1"/>
-                </a:solidFill>
-              </a:rPr>
-              <a:t>ID: 3, W: 4, x: 3, y: 3</a:t>
-            </a:r>
-          </a:p>
-          <a:p>
-            <a:r>
-              <a:rPr lang="en-VN" sz="1000">
-                <a:solidFill>
-                  <a:schemeClr val="tx1"/>
-                </a:solidFill>
-              </a:rPr>
-              <a:t>ID: 4, W: 4, x: -2, y: -2</a:t>
-            </a:r>
-          </a:p>
-          <a:p>
-            <a:r>
-              <a:rPr lang="en-VN" sz="1000">
-                <a:solidFill>
-                  <a:schemeClr val="tx1"/>
-                </a:solidFill>
-              </a:rPr>
-              <a:t>ID: 5, W: 5, x: -2, y: 3</a:t>
-            </a:r>
-          </a:p>
-          <a:p>
-            <a:r>
-              <a:rPr lang="en-VN" sz="1000">
-                <a:solidFill>
-                  <a:schemeClr val="tx1"/>
-                </a:solidFill>
-              </a:rPr>
-              <a:t>ID: 6, W: 7, x: 2, y: 2 </a:t>
-            </a:r>
-          </a:p>
-        </p:txBody>
-      </p:sp>
-      <p:sp>
-        <p:nvSpPr>
-          <p:cNvPr id="7" name="Rectangle 6">
-            <a:extLst>
-              <a:ext uri="{FF2B5EF4-FFF2-40B4-BE49-F238E27FC236}">
-                <a16:creationId xmlns:a16="http://schemas.microsoft.com/office/drawing/2014/main" id="{943C3ECD-B868-9AC9-8C23-E30D84BDE9CE}"/>
-              </a:ext>
-            </a:extLst>
-          </p:cNvPr>
-          <p:cNvSpPr/>
-          <p:nvPr/>
-        </p:nvSpPr>
-        <p:spPr>
-          <a:xfrm>
-            <a:off x="190314" y="3036761"/>
-            <a:ext cx="859972" cy="881743"/>
-          </a:xfrm>
-          <a:prstGeom prst="rect">
-            <a:avLst/>
-          </a:prstGeom>
-          <a:noFill/>
-          <a:ln>
-            <a:solidFill>
-              <a:srgbClr val="0070C0"/>
-            </a:solidFill>
-          </a:ln>
-        </p:spPr>
-        <p:style>
-          <a:lnRef idx="2">
-            <a:schemeClr val="accent1">
-              <a:shade val="50000"/>
-            </a:schemeClr>
-          </a:lnRef>
-          <a:fillRef idx="1">
-            <a:schemeClr val="accent1"/>
-          </a:fillRef>
-          <a:effectRef idx="0">
-            <a:schemeClr val="accent1"/>
-          </a:effectRef>
-          <a:fontRef idx="minor">
-            <a:schemeClr val="lt1"/>
-          </a:fontRef>
-        </p:style>
-        <p:txBody>
-          <a:bodyPr rtlCol="0" anchor="ctr"/>
-          <a:lstStyle/>
-          <a:p>
-            <a:pPr algn="ctr"/>
-            <a:r>
-              <a:rPr lang="en-VN" sz="1000">
-                <a:solidFill>
-                  <a:schemeClr val="tx1"/>
-                </a:solidFill>
-              </a:rPr>
-              <a:t>ID: 1, RAM: 8, CPU: 3.2, x: 1, y: 2. </a:t>
-            </a:r>
-          </a:p>
-        </p:txBody>
-      </p:sp>
-      <p:sp>
-        <p:nvSpPr>
-          <p:cNvPr id="8" name="Rectangle 7">
-            <a:extLst>
-              <a:ext uri="{FF2B5EF4-FFF2-40B4-BE49-F238E27FC236}">
-                <a16:creationId xmlns:a16="http://schemas.microsoft.com/office/drawing/2014/main" id="{2B72B732-59D1-4572-5667-F7FDA3EACA4B}"/>
-              </a:ext>
-            </a:extLst>
-          </p:cNvPr>
-          <p:cNvSpPr/>
-          <p:nvPr/>
-        </p:nvSpPr>
-        <p:spPr>
-          <a:xfrm>
-            <a:off x="1213571" y="3036761"/>
-            <a:ext cx="859972" cy="881743"/>
-          </a:xfrm>
-          <a:prstGeom prst="rect">
-            <a:avLst/>
-          </a:prstGeom>
-          <a:noFill/>
-          <a:ln>
-            <a:solidFill>
-              <a:srgbClr val="0070C0"/>
-            </a:solidFill>
-          </a:ln>
-        </p:spPr>
-        <p:style>
-          <a:lnRef idx="2">
-            <a:schemeClr val="accent1">
-              <a:shade val="50000"/>
-            </a:schemeClr>
-          </a:lnRef>
-          <a:fillRef idx="1">
-            <a:schemeClr val="accent1"/>
-          </a:fillRef>
-          <a:effectRef idx="0">
-            <a:schemeClr val="accent1"/>
-          </a:effectRef>
-          <a:fontRef idx="minor">
-            <a:schemeClr val="lt1"/>
-          </a:fontRef>
-        </p:style>
-        <p:txBody>
-          <a:bodyPr rtlCol="0" anchor="ctr"/>
-          <a:lstStyle/>
-          <a:p>
-            <a:pPr algn="ctr"/>
-            <a:r>
-              <a:rPr lang="en-VN" sz="1000">
-                <a:solidFill>
-                  <a:schemeClr val="tx1"/>
-                </a:solidFill>
-              </a:rPr>
-              <a:t>ID: 2, RAM: 4, CPU: 3.2, x: 1, y: 1. </a:t>
-            </a:r>
-          </a:p>
-        </p:txBody>
-      </p:sp>
-      <p:sp>
-        <p:nvSpPr>
-          <p:cNvPr id="9" name="Rectangle 8">
-            <a:extLst>
-              <a:ext uri="{FF2B5EF4-FFF2-40B4-BE49-F238E27FC236}">
-                <a16:creationId xmlns:a16="http://schemas.microsoft.com/office/drawing/2014/main" id="{A5FACB75-E001-BED2-17E5-71EC6CF278DC}"/>
-              </a:ext>
-            </a:extLst>
-          </p:cNvPr>
-          <p:cNvSpPr/>
-          <p:nvPr/>
-        </p:nvSpPr>
-        <p:spPr>
-          <a:xfrm>
-            <a:off x="2236828" y="3036762"/>
-            <a:ext cx="859972" cy="881743"/>
-          </a:xfrm>
-          <a:prstGeom prst="rect">
-            <a:avLst/>
-          </a:prstGeom>
-          <a:noFill/>
-          <a:ln>
-            <a:solidFill>
-              <a:srgbClr val="0070C0"/>
-            </a:solidFill>
-          </a:ln>
-        </p:spPr>
-        <p:style>
-          <a:lnRef idx="2">
-            <a:schemeClr val="accent1">
-              <a:shade val="50000"/>
-            </a:schemeClr>
-          </a:lnRef>
-          <a:fillRef idx="1">
-            <a:schemeClr val="accent1"/>
-          </a:fillRef>
-          <a:effectRef idx="0">
-            <a:schemeClr val="accent1"/>
-          </a:effectRef>
-          <a:fontRef idx="minor">
-            <a:schemeClr val="lt1"/>
-          </a:fontRef>
-        </p:style>
-        <p:txBody>
-          <a:bodyPr rtlCol="0" anchor="ctr"/>
-          <a:lstStyle/>
-          <a:p>
-            <a:pPr algn="ctr"/>
-            <a:r>
-              <a:rPr lang="en-VN" sz="1000">
-                <a:solidFill>
-                  <a:schemeClr val="tx1"/>
-                </a:solidFill>
-              </a:rPr>
-              <a:t>ID: 3, RAM: 4, CPU: 2, x: 1, y: -1. </a:t>
-            </a:r>
-          </a:p>
-        </p:txBody>
-      </p:sp>
-      <p:sp>
-        <p:nvSpPr>
-          <p:cNvPr id="10" name="Oval 9">
-            <a:extLst>
-              <a:ext uri="{FF2B5EF4-FFF2-40B4-BE49-F238E27FC236}">
-                <a16:creationId xmlns:a16="http://schemas.microsoft.com/office/drawing/2014/main" id="{D3AF3FE0-647E-B3C8-D80B-16E5A975B44F}"/>
-              </a:ext>
-            </a:extLst>
-          </p:cNvPr>
-          <p:cNvSpPr/>
-          <p:nvPr/>
-        </p:nvSpPr>
-        <p:spPr>
-          <a:xfrm>
-            <a:off x="3450585" y="3074861"/>
-            <a:ext cx="805542" cy="805542"/>
-          </a:xfrm>
-          <a:prstGeom prst="ellipse">
-            <a:avLst/>
-          </a:prstGeom>
-          <a:noFill/>
-          <a:ln>
-            <a:solidFill>
-              <a:schemeClr val="accent2"/>
-            </a:solidFill>
-          </a:ln>
-        </p:spPr>
-        <p:style>
-          <a:lnRef idx="2">
-            <a:schemeClr val="accent1">
-              <a:shade val="50000"/>
-            </a:schemeClr>
-          </a:lnRef>
-          <a:fillRef idx="1">
-            <a:schemeClr val="accent1"/>
-          </a:fillRef>
-          <a:effectRef idx="0">
-            <a:schemeClr val="accent1"/>
-          </a:effectRef>
-          <a:fontRef idx="minor">
-            <a:schemeClr val="lt1"/>
-          </a:fontRef>
-        </p:style>
-        <p:txBody>
-          <a:bodyPr rtlCol="0" anchor="ctr"/>
-          <a:lstStyle/>
-          <a:p>
-            <a:pPr algn="ctr"/>
-            <a:r>
-              <a:rPr lang="en-VN" sz="1000">
-                <a:solidFill>
-                  <a:schemeClr val="tx1"/>
-                </a:solidFill>
-              </a:rPr>
-              <a:t>ID: 2, type: 3, x: 2, y: 2</a:t>
-            </a:r>
-          </a:p>
-        </p:txBody>
-      </p:sp>
-      <p:sp>
-        <p:nvSpPr>
-          <p:cNvPr id="11" name="Oval 10">
-            <a:extLst>
-              <a:ext uri="{FF2B5EF4-FFF2-40B4-BE49-F238E27FC236}">
-                <a16:creationId xmlns:a16="http://schemas.microsoft.com/office/drawing/2014/main" id="{E615B86B-886F-61A5-0CC9-DFA798950213}"/>
-              </a:ext>
-            </a:extLst>
-          </p:cNvPr>
-          <p:cNvSpPr/>
-          <p:nvPr/>
-        </p:nvSpPr>
-        <p:spPr>
-          <a:xfrm>
-            <a:off x="4533715" y="3074861"/>
-            <a:ext cx="805542" cy="805542"/>
-          </a:xfrm>
-          <a:prstGeom prst="ellipse">
-            <a:avLst/>
-          </a:prstGeom>
-          <a:noFill/>
-          <a:ln>
-            <a:solidFill>
-              <a:schemeClr val="accent6"/>
-            </a:solidFill>
-          </a:ln>
-        </p:spPr>
-        <p:style>
-          <a:lnRef idx="2">
-            <a:schemeClr val="accent1">
-              <a:shade val="50000"/>
-            </a:schemeClr>
-          </a:lnRef>
-          <a:fillRef idx="1">
-            <a:schemeClr val="accent1"/>
-          </a:fillRef>
-          <a:effectRef idx="0">
-            <a:schemeClr val="accent1"/>
-          </a:effectRef>
-          <a:fontRef idx="minor">
-            <a:schemeClr val="lt1"/>
-          </a:fontRef>
-        </p:style>
-        <p:txBody>
-          <a:bodyPr rtlCol="0" anchor="ctr"/>
-          <a:lstStyle/>
-          <a:p>
-            <a:pPr algn="ctr"/>
-            <a:r>
-              <a:rPr lang="en-VN" sz="1000">
-                <a:solidFill>
-                  <a:schemeClr val="tx1"/>
-                </a:solidFill>
-              </a:rPr>
-              <a:t>ID: 3, type: 1, x: -2, y: -2</a:t>
-            </a:r>
-          </a:p>
-        </p:txBody>
-      </p:sp>
-      <p:cxnSp>
-        <p:nvCxnSpPr>
-          <p:cNvPr id="13" name="Straight Arrow Connector 12">
-            <a:extLst>
-              <a:ext uri="{FF2B5EF4-FFF2-40B4-BE49-F238E27FC236}">
-                <a16:creationId xmlns:a16="http://schemas.microsoft.com/office/drawing/2014/main" id="{E69DEB16-3E89-9CDA-45C0-3A7411B47142}"/>
-              </a:ext>
-            </a:extLst>
-          </p:cNvPr>
-          <p:cNvCxnSpPr>
-            <a:stCxn id="5" idx="4"/>
-            <a:endCxn id="7" idx="0"/>
-          </p:cNvCxnSpPr>
-          <p:nvPr/>
-        </p:nvCxnSpPr>
-        <p:spPr>
-          <a:xfrm flipH="1">
-            <a:off x="620300" y="2601333"/>
-            <a:ext cx="1257301" cy="435428"/>
-          </a:xfrm>
-          <a:prstGeom prst="straightConnector1">
-            <a:avLst/>
-          </a:prstGeom>
-          <a:ln>
-            <a:tailEnd type="triangle"/>
-          </a:ln>
-        </p:spPr>
-        <p:style>
-          <a:lnRef idx="1">
-            <a:schemeClr val="dk1"/>
-          </a:lnRef>
-          <a:fillRef idx="0">
-            <a:schemeClr val="dk1"/>
-          </a:fillRef>
-          <a:effectRef idx="0">
-            <a:schemeClr val="dk1"/>
-          </a:effectRef>
-          <a:fontRef idx="minor">
-            <a:schemeClr val="tx1"/>
-          </a:fontRef>
-        </p:style>
-      </p:cxnSp>
-      <p:cxnSp>
-        <p:nvCxnSpPr>
-          <p:cNvPr id="14" name="Straight Arrow Connector 13">
-            <a:extLst>
-              <a:ext uri="{FF2B5EF4-FFF2-40B4-BE49-F238E27FC236}">
-                <a16:creationId xmlns:a16="http://schemas.microsoft.com/office/drawing/2014/main" id="{77D8CF27-2725-E83F-5102-51FCEA409842}"/>
-              </a:ext>
-            </a:extLst>
-          </p:cNvPr>
-          <p:cNvCxnSpPr>
-            <a:cxnSpLocks/>
-            <a:stCxn id="5" idx="4"/>
-            <a:endCxn id="8" idx="0"/>
-          </p:cNvCxnSpPr>
-          <p:nvPr/>
-        </p:nvCxnSpPr>
-        <p:spPr>
-          <a:xfrm flipH="1">
-            <a:off x="1643557" y="2601333"/>
-            <a:ext cx="234044" cy="435428"/>
-          </a:xfrm>
-          <a:prstGeom prst="straightConnector1">
-            <a:avLst/>
-          </a:prstGeom>
-          <a:ln>
-            <a:tailEnd type="triangle"/>
-          </a:ln>
-        </p:spPr>
-        <p:style>
-          <a:lnRef idx="1">
-            <a:schemeClr val="dk1"/>
-          </a:lnRef>
-          <a:fillRef idx="0">
-            <a:schemeClr val="dk1"/>
-          </a:fillRef>
-          <a:effectRef idx="0">
-            <a:schemeClr val="dk1"/>
-          </a:effectRef>
-          <a:fontRef idx="minor">
-            <a:schemeClr val="tx1"/>
-          </a:fontRef>
-        </p:style>
-      </p:cxnSp>
-      <p:cxnSp>
-        <p:nvCxnSpPr>
-          <p:cNvPr id="17" name="Straight Arrow Connector 16">
-            <a:extLst>
-              <a:ext uri="{FF2B5EF4-FFF2-40B4-BE49-F238E27FC236}">
-                <a16:creationId xmlns:a16="http://schemas.microsoft.com/office/drawing/2014/main" id="{67DC617D-09A0-2F1B-6014-E49C6326E233}"/>
-              </a:ext>
-            </a:extLst>
-          </p:cNvPr>
-          <p:cNvCxnSpPr>
-            <a:cxnSpLocks/>
-            <a:stCxn id="5" idx="4"/>
-            <a:endCxn id="9" idx="0"/>
-          </p:cNvCxnSpPr>
-          <p:nvPr/>
-        </p:nvCxnSpPr>
-        <p:spPr>
-          <a:xfrm>
-            <a:off x="1877601" y="2601333"/>
-            <a:ext cx="789213" cy="435429"/>
-          </a:xfrm>
-          <a:prstGeom prst="straightConnector1">
-            <a:avLst/>
-          </a:prstGeom>
-          <a:ln>
-            <a:tailEnd type="triangle"/>
-          </a:ln>
-        </p:spPr>
-        <p:style>
-          <a:lnRef idx="1">
-            <a:schemeClr val="dk1"/>
-          </a:lnRef>
-          <a:fillRef idx="0">
-            <a:schemeClr val="dk1"/>
-          </a:fillRef>
-          <a:effectRef idx="0">
-            <a:schemeClr val="dk1"/>
-          </a:effectRef>
-          <a:fontRef idx="minor">
-            <a:schemeClr val="tx1"/>
-          </a:fontRef>
-        </p:style>
-      </p:cxnSp>
-      <p:cxnSp>
-        <p:nvCxnSpPr>
-          <p:cNvPr id="20" name="Straight Arrow Connector 19">
-            <a:extLst>
-              <a:ext uri="{FF2B5EF4-FFF2-40B4-BE49-F238E27FC236}">
-                <a16:creationId xmlns:a16="http://schemas.microsoft.com/office/drawing/2014/main" id="{28D5FD58-56E1-A945-1325-47C43F595F49}"/>
-              </a:ext>
-            </a:extLst>
-          </p:cNvPr>
-          <p:cNvCxnSpPr>
-            <a:cxnSpLocks/>
-            <a:stCxn id="5" idx="4"/>
-            <a:endCxn id="10" idx="0"/>
-          </p:cNvCxnSpPr>
-          <p:nvPr/>
-        </p:nvCxnSpPr>
-        <p:spPr>
-          <a:xfrm>
-            <a:off x="1877601" y="2601333"/>
-            <a:ext cx="1975755" cy="473528"/>
-          </a:xfrm>
-          <a:prstGeom prst="straightConnector1">
-            <a:avLst/>
-          </a:prstGeom>
-          <a:ln>
-            <a:tailEnd type="triangle"/>
-          </a:ln>
-        </p:spPr>
-        <p:style>
-          <a:lnRef idx="1">
-            <a:schemeClr val="dk1"/>
-          </a:lnRef>
-          <a:fillRef idx="0">
-            <a:schemeClr val="dk1"/>
-          </a:fillRef>
-          <a:effectRef idx="0">
-            <a:schemeClr val="dk1"/>
-          </a:effectRef>
-          <a:fontRef idx="minor">
-            <a:schemeClr val="tx1"/>
-          </a:fontRef>
-        </p:style>
-      </p:cxnSp>
-      <p:cxnSp>
-        <p:nvCxnSpPr>
-          <p:cNvPr id="23" name="Straight Arrow Connector 22">
-            <a:extLst>
-              <a:ext uri="{FF2B5EF4-FFF2-40B4-BE49-F238E27FC236}">
-                <a16:creationId xmlns:a16="http://schemas.microsoft.com/office/drawing/2014/main" id="{29C998F6-FDE1-3E4E-FA72-C36A3EC1B8C1}"/>
-              </a:ext>
-            </a:extLst>
-          </p:cNvPr>
-          <p:cNvCxnSpPr>
-            <a:cxnSpLocks/>
-            <a:stCxn id="5" idx="4"/>
-            <a:endCxn id="11" idx="0"/>
-          </p:cNvCxnSpPr>
-          <p:nvPr/>
-        </p:nvCxnSpPr>
-        <p:spPr>
-          <a:xfrm>
-            <a:off x="1877601" y="2601333"/>
-            <a:ext cx="3058885" cy="473528"/>
-          </a:xfrm>
-          <a:prstGeom prst="straightConnector1">
-            <a:avLst/>
-          </a:prstGeom>
-          <a:ln>
-            <a:tailEnd type="triangle"/>
-          </a:ln>
-        </p:spPr>
-        <p:style>
-          <a:lnRef idx="1">
-            <a:schemeClr val="dk1"/>
-          </a:lnRef>
-          <a:fillRef idx="0">
-            <a:schemeClr val="dk1"/>
-          </a:fillRef>
-          <a:effectRef idx="0">
-            <a:schemeClr val="dk1"/>
-          </a:effectRef>
-          <a:fontRef idx="minor">
-            <a:schemeClr val="tx1"/>
-          </a:fontRef>
-        </p:style>
-      </p:cxnSp>
-      <p:sp>
-        <p:nvSpPr>
-          <p:cNvPr id="26" name="Rectangle 25">
-            <a:extLst>
-              <a:ext uri="{FF2B5EF4-FFF2-40B4-BE49-F238E27FC236}">
-                <a16:creationId xmlns:a16="http://schemas.microsoft.com/office/drawing/2014/main" id="{BDFA30B0-BE17-48D3-517D-A0385858F2CD}"/>
-              </a:ext>
-            </a:extLst>
-          </p:cNvPr>
-          <p:cNvSpPr/>
-          <p:nvPr/>
-        </p:nvSpPr>
-        <p:spPr>
-          <a:xfrm>
-            <a:off x="2706324" y="5126818"/>
-            <a:ext cx="859972" cy="881743"/>
-          </a:xfrm>
-          <a:prstGeom prst="rect">
-            <a:avLst/>
-          </a:prstGeom>
-          <a:noFill/>
-          <a:ln>
-            <a:solidFill>
-              <a:schemeClr val="accent2"/>
-            </a:solidFill>
-          </a:ln>
-        </p:spPr>
-        <p:style>
-          <a:lnRef idx="2">
-            <a:schemeClr val="accent1">
-              <a:shade val="50000"/>
-            </a:schemeClr>
-          </a:lnRef>
-          <a:fillRef idx="1">
-            <a:schemeClr val="accent1"/>
-          </a:fillRef>
-          <a:effectRef idx="0">
-            <a:schemeClr val="accent1"/>
-          </a:effectRef>
-          <a:fontRef idx="minor">
-            <a:schemeClr val="lt1"/>
-          </a:fontRef>
-        </p:style>
-        <p:txBody>
-          <a:bodyPr rtlCol="0" anchor="ctr"/>
-          <a:lstStyle/>
-          <a:p>
-            <a:pPr algn="ctr"/>
-            <a:r>
-              <a:rPr lang="en-VN" sz="1000">
-                <a:solidFill>
-                  <a:schemeClr val="tx1"/>
-                </a:solidFill>
-              </a:rPr>
-              <a:t>ID: 4, RAM: 4, CPU: 2, x: 4, y: 4. </a:t>
-            </a:r>
-          </a:p>
-        </p:txBody>
-      </p:sp>
-      <p:sp>
-        <p:nvSpPr>
-          <p:cNvPr id="27" name="Rectangle 26">
-            <a:extLst>
-              <a:ext uri="{FF2B5EF4-FFF2-40B4-BE49-F238E27FC236}">
-                <a16:creationId xmlns:a16="http://schemas.microsoft.com/office/drawing/2014/main" id="{FFA73DD0-F7BC-BD09-073E-59C7325BFF7F}"/>
-              </a:ext>
-            </a:extLst>
-          </p:cNvPr>
-          <p:cNvSpPr/>
-          <p:nvPr/>
-        </p:nvSpPr>
-        <p:spPr>
-          <a:xfrm>
-            <a:off x="3729581" y="5126818"/>
-            <a:ext cx="859972" cy="881743"/>
-          </a:xfrm>
-          <a:prstGeom prst="rect">
-            <a:avLst/>
-          </a:prstGeom>
-          <a:noFill/>
-          <a:ln>
-            <a:solidFill>
-              <a:schemeClr val="accent2"/>
-            </a:solidFill>
-          </a:ln>
-        </p:spPr>
-        <p:style>
-          <a:lnRef idx="2">
-            <a:schemeClr val="accent1">
-              <a:shade val="50000"/>
-            </a:schemeClr>
-          </a:lnRef>
-          <a:fillRef idx="1">
-            <a:schemeClr val="accent1"/>
-          </a:fillRef>
-          <a:effectRef idx="0">
-            <a:schemeClr val="accent1"/>
-          </a:effectRef>
-          <a:fontRef idx="minor">
-            <a:schemeClr val="lt1"/>
-          </a:fontRef>
-        </p:style>
-        <p:txBody>
-          <a:bodyPr rtlCol="0" anchor="ctr"/>
-          <a:lstStyle/>
-          <a:p>
-            <a:pPr algn="ctr"/>
-            <a:r>
-              <a:rPr lang="en-VN" sz="1000">
-                <a:solidFill>
-                  <a:schemeClr val="tx1"/>
-                </a:solidFill>
-              </a:rPr>
-              <a:t>ID: 5, RAM: 4, CPU: 2, x: 4, y: 3. </a:t>
-            </a:r>
-          </a:p>
-        </p:txBody>
-      </p:sp>
-      <p:sp>
-        <p:nvSpPr>
-          <p:cNvPr id="29" name="Rectangle 28">
-            <a:extLst>
-              <a:ext uri="{FF2B5EF4-FFF2-40B4-BE49-F238E27FC236}">
-                <a16:creationId xmlns:a16="http://schemas.microsoft.com/office/drawing/2014/main" id="{192323FC-A841-B302-8C7D-BA8B86E61CD2}"/>
-              </a:ext>
-            </a:extLst>
-          </p:cNvPr>
-          <p:cNvSpPr/>
-          <p:nvPr/>
-        </p:nvSpPr>
-        <p:spPr>
-          <a:xfrm>
-            <a:off x="4721495" y="5126818"/>
-            <a:ext cx="859972" cy="881743"/>
-          </a:xfrm>
-          <a:prstGeom prst="rect">
-            <a:avLst/>
-          </a:prstGeom>
-          <a:noFill/>
-          <a:ln>
-            <a:solidFill>
-              <a:schemeClr val="accent6"/>
-            </a:solidFill>
-          </a:ln>
-        </p:spPr>
-        <p:style>
-          <a:lnRef idx="2">
-            <a:schemeClr val="accent1">
-              <a:shade val="50000"/>
-            </a:schemeClr>
-          </a:lnRef>
-          <a:fillRef idx="1">
-            <a:schemeClr val="accent1"/>
-          </a:fillRef>
-          <a:effectRef idx="0">
-            <a:schemeClr val="accent1"/>
-          </a:effectRef>
-          <a:fontRef idx="minor">
-            <a:schemeClr val="lt1"/>
-          </a:fontRef>
-        </p:style>
-        <p:txBody>
-          <a:bodyPr rtlCol="0" anchor="ctr"/>
-          <a:lstStyle/>
-          <a:p>
-            <a:pPr algn="ctr"/>
-            <a:r>
-              <a:rPr lang="en-VN" sz="1000">
-                <a:solidFill>
-                  <a:schemeClr val="tx1"/>
-                </a:solidFill>
-              </a:rPr>
-              <a:t>ID: 6, RAM: 4, CPU: 2, x: -3, y: -2. </a:t>
-            </a:r>
-          </a:p>
-        </p:txBody>
-      </p:sp>
-      <p:sp>
-        <p:nvSpPr>
-          <p:cNvPr id="30" name="Rectangle 29">
-            <a:extLst>
-              <a:ext uri="{FF2B5EF4-FFF2-40B4-BE49-F238E27FC236}">
-                <a16:creationId xmlns:a16="http://schemas.microsoft.com/office/drawing/2014/main" id="{FD79CD48-930A-8B64-B468-B37E92E9C0A4}"/>
-              </a:ext>
-            </a:extLst>
-          </p:cNvPr>
-          <p:cNvSpPr/>
-          <p:nvPr/>
-        </p:nvSpPr>
-        <p:spPr>
-          <a:xfrm>
-            <a:off x="5744752" y="5126818"/>
-            <a:ext cx="859972" cy="881743"/>
-          </a:xfrm>
-          <a:prstGeom prst="rect">
-            <a:avLst/>
-          </a:prstGeom>
-          <a:noFill/>
-          <a:ln>
-            <a:solidFill>
-              <a:schemeClr val="accent6"/>
-            </a:solidFill>
-          </a:ln>
-        </p:spPr>
-        <p:style>
-          <a:lnRef idx="2">
-            <a:schemeClr val="accent1">
-              <a:shade val="50000"/>
-            </a:schemeClr>
-          </a:lnRef>
-          <a:fillRef idx="1">
-            <a:schemeClr val="accent1"/>
-          </a:fillRef>
-          <a:effectRef idx="0">
-            <a:schemeClr val="accent1"/>
-          </a:effectRef>
-          <a:fontRef idx="minor">
-            <a:schemeClr val="lt1"/>
-          </a:fontRef>
-        </p:style>
-        <p:txBody>
-          <a:bodyPr rtlCol="0" anchor="ctr"/>
-          <a:lstStyle/>
-          <a:p>
-            <a:pPr algn="ctr"/>
-            <a:r>
-              <a:rPr lang="en-VN" sz="1000">
-                <a:solidFill>
-                  <a:schemeClr val="tx1"/>
-                </a:solidFill>
-              </a:rPr>
-              <a:t>ID: 7, RAM: 4, CPU: 2, x: -3, y: -3. </a:t>
-            </a:r>
-          </a:p>
-        </p:txBody>
-      </p:sp>
-      <p:cxnSp>
-        <p:nvCxnSpPr>
-          <p:cNvPr id="31" name="Straight Arrow Connector 30">
-            <a:extLst>
-              <a:ext uri="{FF2B5EF4-FFF2-40B4-BE49-F238E27FC236}">
-                <a16:creationId xmlns:a16="http://schemas.microsoft.com/office/drawing/2014/main" id="{A4C43641-F61F-D6A4-2792-752AB50963D6}"/>
-              </a:ext>
-            </a:extLst>
-          </p:cNvPr>
-          <p:cNvCxnSpPr>
-            <a:cxnSpLocks/>
-            <a:stCxn id="10" idx="4"/>
-            <a:endCxn id="26" idx="0"/>
-          </p:cNvCxnSpPr>
-          <p:nvPr/>
-        </p:nvCxnSpPr>
-        <p:spPr>
-          <a:xfrm flipH="1">
-            <a:off x="3136310" y="3880403"/>
-            <a:ext cx="717046" cy="1246415"/>
-          </a:xfrm>
-          <a:prstGeom prst="straightConnector1">
-            <a:avLst/>
-          </a:prstGeom>
-          <a:ln>
-            <a:tailEnd type="triangle"/>
-          </a:ln>
-        </p:spPr>
-        <p:style>
-          <a:lnRef idx="1">
-            <a:schemeClr val="dk1"/>
-          </a:lnRef>
-          <a:fillRef idx="0">
-            <a:schemeClr val="dk1"/>
-          </a:fillRef>
-          <a:effectRef idx="0">
-            <a:schemeClr val="dk1"/>
-          </a:effectRef>
-          <a:fontRef idx="minor">
-            <a:schemeClr val="tx1"/>
-          </a:fontRef>
-        </p:style>
-      </p:cxnSp>
-      <p:cxnSp>
-        <p:nvCxnSpPr>
-          <p:cNvPr id="34" name="Straight Arrow Connector 33">
-            <a:extLst>
-              <a:ext uri="{FF2B5EF4-FFF2-40B4-BE49-F238E27FC236}">
-                <a16:creationId xmlns:a16="http://schemas.microsoft.com/office/drawing/2014/main" id="{C6F6389E-D460-46E2-7214-7E4FD07F6C3F}"/>
-              </a:ext>
-            </a:extLst>
-          </p:cNvPr>
-          <p:cNvCxnSpPr>
-            <a:cxnSpLocks/>
-            <a:stCxn id="10" idx="4"/>
-            <a:endCxn id="27" idx="0"/>
-          </p:cNvCxnSpPr>
-          <p:nvPr/>
-        </p:nvCxnSpPr>
-        <p:spPr>
-          <a:xfrm>
-            <a:off x="3853356" y="3880403"/>
-            <a:ext cx="306211" cy="1246415"/>
-          </a:xfrm>
-          <a:prstGeom prst="straightConnector1">
-            <a:avLst/>
-          </a:prstGeom>
-          <a:ln>
-            <a:tailEnd type="triangle"/>
-          </a:ln>
-        </p:spPr>
-        <p:style>
-          <a:lnRef idx="1">
-            <a:schemeClr val="dk1"/>
-          </a:lnRef>
-          <a:fillRef idx="0">
-            <a:schemeClr val="dk1"/>
-          </a:fillRef>
-          <a:effectRef idx="0">
-            <a:schemeClr val="dk1"/>
-          </a:effectRef>
-          <a:fontRef idx="minor">
-            <a:schemeClr val="tx1"/>
-          </a:fontRef>
-        </p:style>
-      </p:cxnSp>
-      <p:cxnSp>
-        <p:nvCxnSpPr>
-          <p:cNvPr id="40" name="Straight Arrow Connector 39">
-            <a:extLst>
-              <a:ext uri="{FF2B5EF4-FFF2-40B4-BE49-F238E27FC236}">
-                <a16:creationId xmlns:a16="http://schemas.microsoft.com/office/drawing/2014/main" id="{9BC00FA3-436F-97FC-3B87-BEFF745ADFB8}"/>
-              </a:ext>
-            </a:extLst>
-          </p:cNvPr>
-          <p:cNvCxnSpPr>
-            <a:cxnSpLocks/>
-            <a:stCxn id="11" idx="4"/>
-            <a:endCxn id="29" idx="0"/>
-          </p:cNvCxnSpPr>
-          <p:nvPr/>
-        </p:nvCxnSpPr>
-        <p:spPr>
-          <a:xfrm>
-            <a:off x="4936486" y="3880403"/>
-            <a:ext cx="214995" cy="1246415"/>
-          </a:xfrm>
-          <a:prstGeom prst="straightConnector1">
-            <a:avLst/>
-          </a:prstGeom>
-          <a:ln>
-            <a:tailEnd type="triangle"/>
-          </a:ln>
-        </p:spPr>
-        <p:style>
-          <a:lnRef idx="1">
-            <a:schemeClr val="dk1"/>
-          </a:lnRef>
-          <a:fillRef idx="0">
-            <a:schemeClr val="dk1"/>
-          </a:fillRef>
-          <a:effectRef idx="0">
-            <a:schemeClr val="dk1"/>
-          </a:effectRef>
-          <a:fontRef idx="minor">
-            <a:schemeClr val="tx1"/>
-          </a:fontRef>
-        </p:style>
-      </p:cxnSp>
-      <p:cxnSp>
-        <p:nvCxnSpPr>
-          <p:cNvPr id="43" name="Straight Arrow Connector 42">
-            <a:extLst>
-              <a:ext uri="{FF2B5EF4-FFF2-40B4-BE49-F238E27FC236}">
-                <a16:creationId xmlns:a16="http://schemas.microsoft.com/office/drawing/2014/main" id="{8B55F56D-1331-49D0-F521-61113428FDDD}"/>
-              </a:ext>
-            </a:extLst>
-          </p:cNvPr>
-          <p:cNvCxnSpPr>
-            <a:cxnSpLocks/>
-            <a:stCxn id="11" idx="4"/>
-            <a:endCxn id="30" idx="0"/>
-          </p:cNvCxnSpPr>
-          <p:nvPr/>
-        </p:nvCxnSpPr>
-        <p:spPr>
-          <a:xfrm>
-            <a:off x="4936486" y="3880403"/>
-            <a:ext cx="1238252" cy="1246415"/>
-          </a:xfrm>
-          <a:prstGeom prst="straightConnector1">
-            <a:avLst/>
-          </a:prstGeom>
-          <a:ln>
-            <a:tailEnd type="triangle"/>
-          </a:ln>
-        </p:spPr>
-        <p:style>
-          <a:lnRef idx="1">
-            <a:schemeClr val="dk1"/>
-          </a:lnRef>
-          <a:fillRef idx="0">
-            <a:schemeClr val="dk1"/>
-          </a:fillRef>
-          <a:effectRef idx="0">
-            <a:schemeClr val="dk1"/>
-          </a:effectRef>
-          <a:fontRef idx="minor">
-            <a:schemeClr val="tx1"/>
-          </a:fontRef>
-        </p:style>
-      </p:cxnSp>
-      <p:graphicFrame>
-        <p:nvGraphicFramePr>
-          <p:cNvPr id="49" name="Table 49">
-            <a:extLst>
-              <a:ext uri="{FF2B5EF4-FFF2-40B4-BE49-F238E27FC236}">
-                <a16:creationId xmlns:a16="http://schemas.microsoft.com/office/drawing/2014/main" id="{8295B251-0A77-2296-16DF-278E418EB098}"/>
-              </a:ext>
-            </a:extLst>
-          </p:cNvPr>
-          <p:cNvGraphicFramePr>
-            <a:graphicFrameLocks noGrp="1"/>
-          </p:cNvGraphicFramePr>
-          <p:nvPr/>
-        </p:nvGraphicFramePr>
-        <p:xfrm>
-          <a:off x="5650814" y="254446"/>
-          <a:ext cx="4189185" cy="3623732"/>
-        </p:xfrm>
-        <a:graphic>
-          <a:graphicData uri="http://schemas.openxmlformats.org/drawingml/2006/table">
-            <a:tbl>
-              <a:tblPr firstRow="1" bandRow="1">
-                <a:tableStyleId>{5C22544A-7EE6-4342-B048-85BDC9FD1C3A}</a:tableStyleId>
-              </a:tblPr>
-              <a:tblGrid>
-                <a:gridCol w="598455">
-                  <a:extLst>
-                    <a:ext uri="{9D8B030D-6E8A-4147-A177-3AD203B41FA5}">
-                      <a16:colId xmlns:a16="http://schemas.microsoft.com/office/drawing/2014/main" val="2992394163"/>
-                    </a:ext>
-                  </a:extLst>
-                </a:gridCol>
-                <a:gridCol w="598455">
-                  <a:extLst>
-                    <a:ext uri="{9D8B030D-6E8A-4147-A177-3AD203B41FA5}">
-                      <a16:colId xmlns:a16="http://schemas.microsoft.com/office/drawing/2014/main" val="2607214153"/>
-                    </a:ext>
-                  </a:extLst>
-                </a:gridCol>
-                <a:gridCol w="598455">
-                  <a:extLst>
-                    <a:ext uri="{9D8B030D-6E8A-4147-A177-3AD203B41FA5}">
-                      <a16:colId xmlns:a16="http://schemas.microsoft.com/office/drawing/2014/main" val="1984781517"/>
-                    </a:ext>
-                  </a:extLst>
-                </a:gridCol>
-                <a:gridCol w="598455">
-                  <a:extLst>
-                    <a:ext uri="{9D8B030D-6E8A-4147-A177-3AD203B41FA5}">
-                      <a16:colId xmlns:a16="http://schemas.microsoft.com/office/drawing/2014/main" val="122136404"/>
-                    </a:ext>
-                  </a:extLst>
-                </a:gridCol>
-                <a:gridCol w="598455">
-                  <a:extLst>
-                    <a:ext uri="{9D8B030D-6E8A-4147-A177-3AD203B41FA5}">
-                      <a16:colId xmlns:a16="http://schemas.microsoft.com/office/drawing/2014/main" val="1676966385"/>
-                    </a:ext>
-                  </a:extLst>
-                </a:gridCol>
-                <a:gridCol w="598455">
-                  <a:extLst>
-                    <a:ext uri="{9D8B030D-6E8A-4147-A177-3AD203B41FA5}">
-                      <a16:colId xmlns:a16="http://schemas.microsoft.com/office/drawing/2014/main" val="2961088966"/>
-                    </a:ext>
-                  </a:extLst>
-                </a:gridCol>
-                <a:gridCol w="598455">
-                  <a:extLst>
-                    <a:ext uri="{9D8B030D-6E8A-4147-A177-3AD203B41FA5}">
-                      <a16:colId xmlns:a16="http://schemas.microsoft.com/office/drawing/2014/main" val="3376474514"/>
-                    </a:ext>
-                  </a:extLst>
-                </a:gridCol>
-              </a:tblGrid>
-              <a:tr h="517676">
-                <a:tc>
-                  <a:txBody>
-                    <a:bodyPr/>
-                    <a:lstStyle/>
-                    <a:p>
-                      <a:endParaRPr lang="en-VN"/>
-                    </a:p>
-                  </a:txBody>
-                  <a:tcPr>
-                    <a:lnL w="12700" cap="flat" cmpd="sng" algn="ctr">
-                      <a:solidFill>
-                        <a:schemeClr val="tx1"/>
-                      </a:solidFill>
-                      <a:prstDash val="solid"/>
-                      <a:round/>
-                      <a:headEnd type="none" w="med" len="med"/>
-                      <a:tailEnd type="none" w="med" len="med"/>
-                    </a:lnL>
-                    <a:lnR w="12700" cap="flat" cmpd="sng" algn="ctr">
-                      <a:solidFill>
-                        <a:schemeClr val="tx1"/>
-                      </a:solidFill>
-                      <a:prstDash val="solid"/>
-                      <a:round/>
-                      <a:headEnd type="none" w="med" len="med"/>
-                      <a:tailEnd type="none" w="med" len="med"/>
-                    </a:lnR>
-                    <a:lnT w="12700" cap="flat" cmpd="sng" algn="ctr">
-                      <a:solidFill>
-                        <a:schemeClr val="tx1"/>
-                      </a:solidFill>
-                      <a:prstDash val="solid"/>
-                      <a:round/>
-                      <a:headEnd type="none" w="med" len="med"/>
-                      <a:tailEnd type="none" w="med" len="med"/>
-                    </a:lnT>
-                    <a:lnB w="12700" cap="flat" cmpd="sng" algn="ctr">
-                      <a:solidFill>
-                        <a:schemeClr val="tx1"/>
-                      </a:solidFill>
-                      <a:prstDash val="solid"/>
-                      <a:round/>
-                      <a:headEnd type="none" w="med" len="med"/>
-                      <a:tailEnd type="none" w="med" len="med"/>
-                    </a:lnB>
-                    <a:noFill/>
-                  </a:tcPr>
-                </a:tc>
-                <a:tc>
-                  <a:txBody>
-                    <a:bodyPr/>
-                    <a:lstStyle/>
-                    <a:p>
-                      <a:endParaRPr lang="en-VN"/>
-                    </a:p>
-                  </a:txBody>
-                  <a:tcPr>
-                    <a:lnL w="12700" cap="flat" cmpd="sng" algn="ctr">
-                      <a:solidFill>
-                        <a:schemeClr val="tx1"/>
-                      </a:solidFill>
-                      <a:prstDash val="solid"/>
-                      <a:round/>
-                      <a:headEnd type="none" w="med" len="med"/>
-                      <a:tailEnd type="none" w="med" len="med"/>
-                    </a:lnL>
-                    <a:lnR w="12700" cap="flat" cmpd="sng" algn="ctr">
-                      <a:solidFill>
-                        <a:schemeClr val="tx1"/>
-                      </a:solidFill>
-                      <a:prstDash val="solid"/>
-                      <a:round/>
-                      <a:headEnd type="none" w="med" len="med"/>
-                      <a:tailEnd type="none" w="med" len="med"/>
-                    </a:lnR>
-                    <a:lnT w="12700" cap="flat" cmpd="sng" algn="ctr">
-                      <a:solidFill>
-                        <a:schemeClr val="tx1"/>
-                      </a:solidFill>
-                      <a:prstDash val="solid"/>
-                      <a:round/>
-                      <a:headEnd type="none" w="med" len="med"/>
-                      <a:tailEnd type="none" w="med" len="med"/>
-                    </a:lnT>
-                    <a:lnB w="12700" cap="flat" cmpd="sng" algn="ctr">
-                      <a:solidFill>
-                        <a:schemeClr val="tx1"/>
-                      </a:solidFill>
-                      <a:prstDash val="solid"/>
-                      <a:round/>
-                      <a:headEnd type="none" w="med" len="med"/>
-                      <a:tailEnd type="none" w="med" len="med"/>
-                    </a:lnB>
-                    <a:noFill/>
-                  </a:tcPr>
-                </a:tc>
-                <a:tc>
-                  <a:txBody>
-                    <a:bodyPr/>
-                    <a:lstStyle/>
-                    <a:p>
-                      <a:endParaRPr lang="en-VN"/>
-                    </a:p>
-                  </a:txBody>
-                  <a:tcPr>
-                    <a:lnL w="12700" cap="flat" cmpd="sng" algn="ctr">
-                      <a:solidFill>
-                        <a:schemeClr val="tx1"/>
-                      </a:solidFill>
-                      <a:prstDash val="solid"/>
-                      <a:round/>
-                      <a:headEnd type="none" w="med" len="med"/>
-                      <a:tailEnd type="none" w="med" len="med"/>
-                    </a:lnL>
-                    <a:lnR w="12700" cap="flat" cmpd="sng" algn="ctr">
-                      <a:solidFill>
-                        <a:schemeClr val="tx1"/>
-                      </a:solidFill>
-                      <a:prstDash val="solid"/>
-                      <a:round/>
-                      <a:headEnd type="none" w="med" len="med"/>
-                      <a:tailEnd type="none" w="med" len="med"/>
-                    </a:lnR>
-                    <a:lnT w="12700" cap="flat" cmpd="sng" algn="ctr">
-                      <a:solidFill>
-                        <a:schemeClr val="tx1"/>
-                      </a:solidFill>
-                      <a:prstDash val="solid"/>
-                      <a:round/>
-                      <a:headEnd type="none" w="med" len="med"/>
-                      <a:tailEnd type="none" w="med" len="med"/>
-                    </a:lnT>
-                    <a:lnB w="12700" cap="flat" cmpd="sng" algn="ctr">
-                      <a:solidFill>
-                        <a:schemeClr val="tx1"/>
-                      </a:solidFill>
-                      <a:prstDash val="solid"/>
-                      <a:round/>
-                      <a:headEnd type="none" w="med" len="med"/>
-                      <a:tailEnd type="none" w="med" len="med"/>
-                    </a:lnB>
-                    <a:noFill/>
-                  </a:tcPr>
-                </a:tc>
-                <a:tc>
-                  <a:txBody>
-                    <a:bodyPr/>
-                    <a:lstStyle/>
-                    <a:p>
-                      <a:endParaRPr lang="en-VN"/>
-                    </a:p>
-                  </a:txBody>
-                  <a:tcPr>
-                    <a:lnL w="12700" cap="flat" cmpd="sng" algn="ctr">
-                      <a:solidFill>
-                        <a:schemeClr val="tx1"/>
-                      </a:solidFill>
-                      <a:prstDash val="solid"/>
-                      <a:round/>
-                      <a:headEnd type="none" w="med" len="med"/>
-                      <a:tailEnd type="none" w="med" len="med"/>
-                    </a:lnL>
-                    <a:lnR w="12700" cap="flat" cmpd="sng" algn="ctr">
-                      <a:solidFill>
-                        <a:schemeClr val="tx1"/>
-                      </a:solidFill>
-                      <a:prstDash val="solid"/>
-                      <a:round/>
-                      <a:headEnd type="none" w="med" len="med"/>
-                      <a:tailEnd type="none" w="med" len="med"/>
-                    </a:lnR>
-                    <a:lnT w="12700" cap="flat" cmpd="sng" algn="ctr">
-                      <a:solidFill>
-                        <a:schemeClr val="tx1"/>
-                      </a:solidFill>
-                      <a:prstDash val="solid"/>
-                      <a:round/>
-                      <a:headEnd type="none" w="med" len="med"/>
-                      <a:tailEnd type="none" w="med" len="med"/>
-                    </a:lnT>
-                    <a:lnB w="12700" cap="flat" cmpd="sng" algn="ctr">
-                      <a:solidFill>
-                        <a:schemeClr val="tx1"/>
-                      </a:solidFill>
-                      <a:prstDash val="solid"/>
-                      <a:round/>
-                      <a:headEnd type="none" w="med" len="med"/>
-                      <a:tailEnd type="none" w="med" len="med"/>
-                    </a:lnB>
-                    <a:noFill/>
-                  </a:tcPr>
-                </a:tc>
-                <a:tc>
-                  <a:txBody>
-                    <a:bodyPr/>
-                    <a:lstStyle/>
-                    <a:p>
-                      <a:endParaRPr lang="en-VN"/>
-                    </a:p>
-                  </a:txBody>
-                  <a:tcPr>
-                    <a:lnL w="12700" cap="flat" cmpd="sng" algn="ctr">
-                      <a:solidFill>
-                        <a:schemeClr val="tx1"/>
-                      </a:solidFill>
-                      <a:prstDash val="solid"/>
-                      <a:round/>
-                      <a:headEnd type="none" w="med" len="med"/>
-                      <a:tailEnd type="none" w="med" len="med"/>
-                    </a:lnL>
-                    <a:lnR w="12700" cap="flat" cmpd="sng" algn="ctr">
-                      <a:solidFill>
-                        <a:schemeClr val="tx1"/>
-                      </a:solidFill>
-                      <a:prstDash val="solid"/>
-                      <a:round/>
-                      <a:headEnd type="none" w="med" len="med"/>
-                      <a:tailEnd type="none" w="med" len="med"/>
-                    </a:lnR>
-                    <a:lnT w="12700" cap="flat" cmpd="sng" algn="ctr">
-                      <a:solidFill>
-                        <a:schemeClr val="tx1"/>
-                      </a:solidFill>
-                      <a:prstDash val="solid"/>
-                      <a:round/>
-                      <a:headEnd type="none" w="med" len="med"/>
-                      <a:tailEnd type="none" w="med" len="med"/>
-                    </a:lnT>
-                    <a:lnB w="12700" cap="flat" cmpd="sng" algn="ctr">
-                      <a:solidFill>
-                        <a:schemeClr val="tx1"/>
-                      </a:solidFill>
-                      <a:prstDash val="solid"/>
-                      <a:round/>
-                      <a:headEnd type="none" w="med" len="med"/>
-                      <a:tailEnd type="none" w="med" len="med"/>
-                    </a:lnB>
-                    <a:noFill/>
-                  </a:tcPr>
-                </a:tc>
-                <a:tc>
-                  <a:txBody>
-                    <a:bodyPr/>
-                    <a:lstStyle/>
-                    <a:p>
-                      <a:endParaRPr lang="en-VN"/>
-                    </a:p>
-                  </a:txBody>
-                  <a:tcPr>
-                    <a:lnL w="12700" cap="flat" cmpd="sng" algn="ctr">
-                      <a:solidFill>
-                        <a:schemeClr val="tx1"/>
-                      </a:solidFill>
-                      <a:prstDash val="solid"/>
-                      <a:round/>
-                      <a:headEnd type="none" w="med" len="med"/>
-                      <a:tailEnd type="none" w="med" len="med"/>
-                    </a:lnL>
-                    <a:lnR w="12700" cap="flat" cmpd="sng" algn="ctr">
-                      <a:solidFill>
-                        <a:schemeClr val="tx1"/>
-                      </a:solidFill>
-                      <a:prstDash val="solid"/>
-                      <a:round/>
-                      <a:headEnd type="none" w="med" len="med"/>
-                      <a:tailEnd type="none" w="med" len="med"/>
-                    </a:lnR>
-                    <a:lnT w="12700" cap="flat" cmpd="sng" algn="ctr">
-                      <a:solidFill>
-                        <a:schemeClr val="tx1"/>
-                      </a:solidFill>
-                      <a:prstDash val="solid"/>
-                      <a:round/>
-                      <a:headEnd type="none" w="med" len="med"/>
-                      <a:tailEnd type="none" w="med" len="med"/>
-                    </a:lnT>
-                    <a:lnB w="12700" cap="flat" cmpd="sng" algn="ctr">
-                      <a:solidFill>
-                        <a:schemeClr val="tx1"/>
-                      </a:solidFill>
-                      <a:prstDash val="solid"/>
-                      <a:round/>
-                      <a:headEnd type="none" w="med" len="med"/>
-                      <a:tailEnd type="none" w="med" len="med"/>
-                    </a:lnB>
-                    <a:noFill/>
-                  </a:tcPr>
-                </a:tc>
-                <a:tc>
-                  <a:txBody>
-                    <a:bodyPr/>
-                    <a:lstStyle/>
-                    <a:p>
-                      <a:endParaRPr lang="en-VN"/>
-                    </a:p>
-                  </a:txBody>
-                  <a:tcPr>
-                    <a:lnL w="12700" cap="flat" cmpd="sng" algn="ctr">
-                      <a:solidFill>
-                        <a:schemeClr val="tx1"/>
-                      </a:solidFill>
-                      <a:prstDash val="solid"/>
-                      <a:round/>
-                      <a:headEnd type="none" w="med" len="med"/>
-                      <a:tailEnd type="none" w="med" len="med"/>
-                    </a:lnL>
-                    <a:lnR w="12700" cap="flat" cmpd="sng" algn="ctr">
-                      <a:solidFill>
-                        <a:schemeClr val="tx1"/>
-                      </a:solidFill>
-                      <a:prstDash val="solid"/>
-                      <a:round/>
-                      <a:headEnd type="none" w="med" len="med"/>
-                      <a:tailEnd type="none" w="med" len="med"/>
-                    </a:lnR>
-                    <a:lnT w="12700" cap="flat" cmpd="sng" algn="ctr">
-                      <a:solidFill>
-                        <a:schemeClr val="tx1"/>
-                      </a:solidFill>
-                      <a:prstDash val="solid"/>
-                      <a:round/>
-                      <a:headEnd type="none" w="med" len="med"/>
-                      <a:tailEnd type="none" w="med" len="med"/>
-                    </a:lnT>
-                    <a:lnB w="12700" cap="flat" cmpd="sng" algn="ctr">
-                      <a:solidFill>
-                        <a:schemeClr val="tx1"/>
-                      </a:solidFill>
-                      <a:prstDash val="solid"/>
-                      <a:round/>
-                      <a:headEnd type="none" w="med" len="med"/>
-                      <a:tailEnd type="none" w="med" len="med"/>
-                    </a:lnB>
-                    <a:noFill/>
-                  </a:tcPr>
-                </a:tc>
-                <a:extLst>
-                  <a:ext uri="{0D108BD9-81ED-4DB2-BD59-A6C34878D82A}">
-                    <a16:rowId xmlns:a16="http://schemas.microsoft.com/office/drawing/2014/main" val="3150452259"/>
-                  </a:ext>
-                </a:extLst>
-              </a:tr>
-              <a:tr h="517676">
-                <a:tc>
-                  <a:txBody>
-                    <a:bodyPr/>
-                    <a:lstStyle/>
-                    <a:p>
-                      <a:endParaRPr lang="en-VN"/>
-                    </a:p>
-                  </a:txBody>
-                  <a:tcPr>
-                    <a:lnL w="12700" cap="flat" cmpd="sng" algn="ctr">
-                      <a:solidFill>
-                        <a:schemeClr val="tx1"/>
-                      </a:solidFill>
-                      <a:prstDash val="solid"/>
-                      <a:round/>
-                      <a:headEnd type="none" w="med" len="med"/>
-                      <a:tailEnd type="none" w="med" len="med"/>
-                    </a:lnL>
-                    <a:lnR w="12700" cap="flat" cmpd="sng" algn="ctr">
-                      <a:solidFill>
-                        <a:schemeClr val="tx1"/>
-                      </a:solidFill>
-                      <a:prstDash val="solid"/>
-                      <a:round/>
-                      <a:headEnd type="none" w="med" len="med"/>
-                      <a:tailEnd type="none" w="med" len="med"/>
-                    </a:lnR>
-                    <a:lnT w="12700" cap="flat" cmpd="sng" algn="ctr">
-                      <a:solidFill>
-                        <a:schemeClr val="tx1"/>
-                      </a:solidFill>
-                      <a:prstDash val="solid"/>
-                      <a:round/>
-                      <a:headEnd type="none" w="med" len="med"/>
-                      <a:tailEnd type="none" w="med" len="med"/>
-                    </a:lnT>
-                    <a:lnB w="12700" cap="flat" cmpd="sng" algn="ctr">
-                      <a:solidFill>
-                        <a:schemeClr val="tx1"/>
-                      </a:solidFill>
-                      <a:prstDash val="solid"/>
-                      <a:round/>
-                      <a:headEnd type="none" w="med" len="med"/>
-                      <a:tailEnd type="none" w="med" len="med"/>
-                    </a:lnB>
-                    <a:noFill/>
-                  </a:tcPr>
-                </a:tc>
-                <a:tc>
-                  <a:txBody>
-                    <a:bodyPr/>
-                    <a:lstStyle/>
-                    <a:p>
-                      <a:endParaRPr lang="en-VN"/>
-                    </a:p>
-                  </a:txBody>
-                  <a:tcPr>
-                    <a:lnL w="12700" cap="flat" cmpd="sng" algn="ctr">
-                      <a:solidFill>
-                        <a:schemeClr val="tx1"/>
-                      </a:solidFill>
-                      <a:prstDash val="solid"/>
-                      <a:round/>
-                      <a:headEnd type="none" w="med" len="med"/>
-                      <a:tailEnd type="none" w="med" len="med"/>
-                    </a:lnL>
-                    <a:lnR w="12700" cap="flat" cmpd="sng" algn="ctr">
-                      <a:solidFill>
-                        <a:schemeClr val="tx1"/>
-                      </a:solidFill>
-                      <a:prstDash val="solid"/>
-                      <a:round/>
-                      <a:headEnd type="none" w="med" len="med"/>
-                      <a:tailEnd type="none" w="med" len="med"/>
-                    </a:lnR>
-                    <a:lnT w="12700" cap="flat" cmpd="sng" algn="ctr">
-                      <a:solidFill>
-                        <a:schemeClr val="tx1"/>
-                      </a:solidFill>
-                      <a:prstDash val="solid"/>
-                      <a:round/>
-                      <a:headEnd type="none" w="med" len="med"/>
-                      <a:tailEnd type="none" w="med" len="med"/>
-                    </a:lnT>
-                    <a:lnB w="12700" cap="flat" cmpd="sng" algn="ctr">
-                      <a:solidFill>
-                        <a:schemeClr val="tx1"/>
-                      </a:solidFill>
-                      <a:prstDash val="solid"/>
-                      <a:round/>
-                      <a:headEnd type="none" w="med" len="med"/>
-                      <a:tailEnd type="none" w="med" len="med"/>
-                    </a:lnB>
-                    <a:noFill/>
-                  </a:tcPr>
-                </a:tc>
-                <a:tc>
-                  <a:txBody>
-                    <a:bodyPr/>
-                    <a:lstStyle/>
-                    <a:p>
-                      <a:endParaRPr lang="en-VN"/>
-                    </a:p>
-                  </a:txBody>
-                  <a:tcPr>
-                    <a:lnL w="12700" cap="flat" cmpd="sng" algn="ctr">
-                      <a:solidFill>
-                        <a:schemeClr val="tx1"/>
-                      </a:solidFill>
-                      <a:prstDash val="solid"/>
-                      <a:round/>
-                      <a:headEnd type="none" w="med" len="med"/>
-                      <a:tailEnd type="none" w="med" len="med"/>
-                    </a:lnL>
-                    <a:lnR w="12700" cap="flat" cmpd="sng" algn="ctr">
-                      <a:solidFill>
-                        <a:schemeClr val="tx1"/>
-                      </a:solidFill>
-                      <a:prstDash val="solid"/>
-                      <a:round/>
-                      <a:headEnd type="none" w="med" len="med"/>
-                      <a:tailEnd type="none" w="med" len="med"/>
-                    </a:lnR>
-                    <a:lnT w="12700" cap="flat" cmpd="sng" algn="ctr">
-                      <a:solidFill>
-                        <a:schemeClr val="tx1"/>
-                      </a:solidFill>
-                      <a:prstDash val="solid"/>
-                      <a:round/>
-                      <a:headEnd type="none" w="med" len="med"/>
-                      <a:tailEnd type="none" w="med" len="med"/>
-                    </a:lnT>
-                    <a:lnB w="12700" cap="flat" cmpd="sng" algn="ctr">
-                      <a:solidFill>
-                        <a:schemeClr val="tx1"/>
-                      </a:solidFill>
-                      <a:prstDash val="solid"/>
-                      <a:round/>
-                      <a:headEnd type="none" w="med" len="med"/>
-                      <a:tailEnd type="none" w="med" len="med"/>
-                    </a:lnB>
-                    <a:noFill/>
-                  </a:tcPr>
-                </a:tc>
-                <a:tc>
-                  <a:txBody>
-                    <a:bodyPr/>
-                    <a:lstStyle/>
-                    <a:p>
-                      <a:endParaRPr lang="en-VN"/>
-                    </a:p>
-                  </a:txBody>
-                  <a:tcPr>
-                    <a:lnL w="12700" cap="flat" cmpd="sng" algn="ctr">
-                      <a:solidFill>
-                        <a:schemeClr val="tx1"/>
-                      </a:solidFill>
-                      <a:prstDash val="solid"/>
-                      <a:round/>
-                      <a:headEnd type="none" w="med" len="med"/>
-                      <a:tailEnd type="none" w="med" len="med"/>
-                    </a:lnL>
-                    <a:lnR w="12700" cap="flat" cmpd="sng" algn="ctr">
-                      <a:solidFill>
-                        <a:schemeClr val="tx1"/>
-                      </a:solidFill>
-                      <a:prstDash val="solid"/>
-                      <a:round/>
-                      <a:headEnd type="none" w="med" len="med"/>
-                      <a:tailEnd type="none" w="med" len="med"/>
-                    </a:lnR>
-                    <a:lnT w="12700" cap="flat" cmpd="sng" algn="ctr">
-                      <a:solidFill>
-                        <a:schemeClr val="tx1"/>
-                      </a:solidFill>
-                      <a:prstDash val="solid"/>
-                      <a:round/>
-                      <a:headEnd type="none" w="med" len="med"/>
-                      <a:tailEnd type="none" w="med" len="med"/>
-                    </a:lnT>
-                    <a:lnB w="12700" cap="flat" cmpd="sng" algn="ctr">
-                      <a:solidFill>
-                        <a:schemeClr val="tx1"/>
-                      </a:solidFill>
-                      <a:prstDash val="solid"/>
-                      <a:round/>
-                      <a:headEnd type="none" w="med" len="med"/>
-                      <a:tailEnd type="none" w="med" len="med"/>
-                    </a:lnB>
-                    <a:noFill/>
-                  </a:tcPr>
-                </a:tc>
-                <a:tc>
-                  <a:txBody>
-                    <a:bodyPr/>
-                    <a:lstStyle/>
-                    <a:p>
-                      <a:endParaRPr lang="en-VN"/>
-                    </a:p>
-                  </a:txBody>
-                  <a:tcPr>
-                    <a:lnL w="12700" cap="flat" cmpd="sng" algn="ctr">
-                      <a:solidFill>
-                        <a:schemeClr val="tx1"/>
-                      </a:solidFill>
-                      <a:prstDash val="solid"/>
-                      <a:round/>
-                      <a:headEnd type="none" w="med" len="med"/>
-                      <a:tailEnd type="none" w="med" len="med"/>
-                    </a:lnL>
-                    <a:lnR w="12700" cap="flat" cmpd="sng" algn="ctr">
-                      <a:solidFill>
-                        <a:schemeClr val="tx1"/>
-                      </a:solidFill>
-                      <a:prstDash val="solid"/>
-                      <a:round/>
-                      <a:headEnd type="none" w="med" len="med"/>
-                      <a:tailEnd type="none" w="med" len="med"/>
-                    </a:lnR>
-                    <a:lnT w="12700" cap="flat" cmpd="sng" algn="ctr">
-                      <a:solidFill>
-                        <a:schemeClr val="tx1"/>
-                      </a:solidFill>
-                      <a:prstDash val="solid"/>
-                      <a:round/>
-                      <a:headEnd type="none" w="med" len="med"/>
-                      <a:tailEnd type="none" w="med" len="med"/>
-                    </a:lnT>
-                    <a:lnB w="12700" cap="flat" cmpd="sng" algn="ctr">
-                      <a:solidFill>
-                        <a:schemeClr val="tx1"/>
-                      </a:solidFill>
-                      <a:prstDash val="solid"/>
-                      <a:round/>
-                      <a:headEnd type="none" w="med" len="med"/>
-                      <a:tailEnd type="none" w="med" len="med"/>
-                    </a:lnB>
-                    <a:noFill/>
-                  </a:tcPr>
-                </a:tc>
-                <a:tc>
-                  <a:txBody>
-                    <a:bodyPr/>
-                    <a:lstStyle/>
-                    <a:p>
-                      <a:endParaRPr lang="en-VN"/>
-                    </a:p>
-                  </a:txBody>
-                  <a:tcPr>
-                    <a:lnL w="12700" cap="flat" cmpd="sng" algn="ctr">
-                      <a:solidFill>
-                        <a:schemeClr val="tx1"/>
-                      </a:solidFill>
-                      <a:prstDash val="solid"/>
-                      <a:round/>
-                      <a:headEnd type="none" w="med" len="med"/>
-                      <a:tailEnd type="none" w="med" len="med"/>
-                    </a:lnL>
-                    <a:lnR w="12700" cap="flat" cmpd="sng" algn="ctr">
-                      <a:solidFill>
-                        <a:schemeClr val="tx1"/>
-                      </a:solidFill>
-                      <a:prstDash val="solid"/>
-                      <a:round/>
-                      <a:headEnd type="none" w="med" len="med"/>
-                      <a:tailEnd type="none" w="med" len="med"/>
-                    </a:lnR>
-                    <a:lnT w="12700" cap="flat" cmpd="sng" algn="ctr">
-                      <a:solidFill>
-                        <a:schemeClr val="tx1"/>
-                      </a:solidFill>
-                      <a:prstDash val="solid"/>
-                      <a:round/>
-                      <a:headEnd type="none" w="med" len="med"/>
-                      <a:tailEnd type="none" w="med" len="med"/>
-                    </a:lnT>
-                    <a:lnB w="12700" cap="flat" cmpd="sng" algn="ctr">
-                      <a:solidFill>
-                        <a:schemeClr val="tx1"/>
-                      </a:solidFill>
-                      <a:prstDash val="solid"/>
-                      <a:round/>
-                      <a:headEnd type="none" w="med" len="med"/>
-                      <a:tailEnd type="none" w="med" len="med"/>
-                    </a:lnB>
-                    <a:noFill/>
-                  </a:tcPr>
-                </a:tc>
-                <a:tc>
-                  <a:txBody>
-                    <a:bodyPr/>
-                    <a:lstStyle/>
-                    <a:p>
-                      <a:endParaRPr lang="en-VN"/>
-                    </a:p>
-                  </a:txBody>
-                  <a:tcPr>
-                    <a:lnL w="12700" cap="flat" cmpd="sng" algn="ctr">
-                      <a:solidFill>
-                        <a:schemeClr val="tx1"/>
-                      </a:solidFill>
-                      <a:prstDash val="solid"/>
-                      <a:round/>
-                      <a:headEnd type="none" w="med" len="med"/>
-                      <a:tailEnd type="none" w="med" len="med"/>
-                    </a:lnL>
-                    <a:lnR w="12700" cap="flat" cmpd="sng" algn="ctr">
-                      <a:solidFill>
-                        <a:schemeClr val="tx1"/>
-                      </a:solidFill>
-                      <a:prstDash val="solid"/>
-                      <a:round/>
-                      <a:headEnd type="none" w="med" len="med"/>
-                      <a:tailEnd type="none" w="med" len="med"/>
-                    </a:lnR>
-                    <a:lnT w="12700" cap="flat" cmpd="sng" algn="ctr">
-                      <a:solidFill>
-                        <a:schemeClr val="tx1"/>
-                      </a:solidFill>
-                      <a:prstDash val="solid"/>
-                      <a:round/>
-                      <a:headEnd type="none" w="med" len="med"/>
-                      <a:tailEnd type="none" w="med" len="med"/>
-                    </a:lnT>
-                    <a:lnB w="12700" cap="flat" cmpd="sng" algn="ctr">
-                      <a:solidFill>
-                        <a:schemeClr val="tx1"/>
-                      </a:solidFill>
-                      <a:prstDash val="solid"/>
-                      <a:round/>
-                      <a:headEnd type="none" w="med" len="med"/>
-                      <a:tailEnd type="none" w="med" len="med"/>
-                    </a:lnB>
-                    <a:noFill/>
-                  </a:tcPr>
-                </a:tc>
-                <a:extLst>
-                  <a:ext uri="{0D108BD9-81ED-4DB2-BD59-A6C34878D82A}">
-                    <a16:rowId xmlns:a16="http://schemas.microsoft.com/office/drawing/2014/main" val="3639648579"/>
-                  </a:ext>
-                </a:extLst>
-              </a:tr>
-              <a:tr h="517676">
-                <a:tc>
-                  <a:txBody>
-                    <a:bodyPr/>
-                    <a:lstStyle/>
-                    <a:p>
-                      <a:endParaRPr lang="en-VN"/>
-                    </a:p>
-                  </a:txBody>
-                  <a:tcPr>
-                    <a:lnL w="12700" cap="flat" cmpd="sng" algn="ctr">
-                      <a:solidFill>
-                        <a:schemeClr val="tx1"/>
-                      </a:solidFill>
-                      <a:prstDash val="solid"/>
-                      <a:round/>
-                      <a:headEnd type="none" w="med" len="med"/>
-                      <a:tailEnd type="none" w="med" len="med"/>
-                    </a:lnL>
-                    <a:lnR w="12700" cap="flat" cmpd="sng" algn="ctr">
-                      <a:solidFill>
-                        <a:schemeClr val="tx1"/>
-                      </a:solidFill>
-                      <a:prstDash val="solid"/>
-                      <a:round/>
-                      <a:headEnd type="none" w="med" len="med"/>
-                      <a:tailEnd type="none" w="med" len="med"/>
-                    </a:lnR>
-                    <a:lnT w="12700" cap="flat" cmpd="sng" algn="ctr">
-                      <a:solidFill>
-                        <a:schemeClr val="tx1"/>
-                      </a:solidFill>
-                      <a:prstDash val="solid"/>
-                      <a:round/>
-                      <a:headEnd type="none" w="med" len="med"/>
-                      <a:tailEnd type="none" w="med" len="med"/>
-                    </a:lnT>
-                    <a:lnB w="12700" cap="flat" cmpd="sng" algn="ctr">
-                      <a:solidFill>
-                        <a:schemeClr val="tx1"/>
-                      </a:solidFill>
-                      <a:prstDash val="solid"/>
-                      <a:round/>
-                      <a:headEnd type="none" w="med" len="med"/>
-                      <a:tailEnd type="none" w="med" len="med"/>
-                    </a:lnB>
-                    <a:noFill/>
-                  </a:tcPr>
-                </a:tc>
-                <a:tc>
-                  <a:txBody>
-                    <a:bodyPr/>
-                    <a:lstStyle/>
-                    <a:p>
-                      <a:endParaRPr lang="en-VN"/>
-                    </a:p>
-                  </a:txBody>
-                  <a:tcPr>
-                    <a:lnL w="12700" cap="flat" cmpd="sng" algn="ctr">
-                      <a:solidFill>
-                        <a:schemeClr val="tx1"/>
-                      </a:solidFill>
-                      <a:prstDash val="solid"/>
-                      <a:round/>
-                      <a:headEnd type="none" w="med" len="med"/>
-                      <a:tailEnd type="none" w="med" len="med"/>
-                    </a:lnL>
-                    <a:lnR w="12700" cap="flat" cmpd="sng" algn="ctr">
-                      <a:solidFill>
-                        <a:schemeClr val="tx1"/>
-                      </a:solidFill>
-                      <a:prstDash val="solid"/>
-                      <a:round/>
-                      <a:headEnd type="none" w="med" len="med"/>
-                      <a:tailEnd type="none" w="med" len="med"/>
-                    </a:lnR>
-                    <a:lnT w="12700" cap="flat" cmpd="sng" algn="ctr">
-                      <a:solidFill>
-                        <a:schemeClr val="tx1"/>
-                      </a:solidFill>
-                      <a:prstDash val="solid"/>
-                      <a:round/>
-                      <a:headEnd type="none" w="med" len="med"/>
-                      <a:tailEnd type="none" w="med" len="med"/>
-                    </a:lnT>
-                    <a:lnB w="12700" cap="flat" cmpd="sng" algn="ctr">
-                      <a:solidFill>
-                        <a:schemeClr val="tx1"/>
-                      </a:solidFill>
-                      <a:prstDash val="solid"/>
-                      <a:round/>
-                      <a:headEnd type="none" w="med" len="med"/>
-                      <a:tailEnd type="none" w="med" len="med"/>
-                    </a:lnB>
-                    <a:noFill/>
-                  </a:tcPr>
-                </a:tc>
-                <a:tc>
-                  <a:txBody>
-                    <a:bodyPr/>
-                    <a:lstStyle/>
-                    <a:p>
-                      <a:endParaRPr lang="en-VN"/>
-                    </a:p>
-                  </a:txBody>
-                  <a:tcPr>
-                    <a:lnL w="12700" cap="flat" cmpd="sng" algn="ctr">
-                      <a:solidFill>
-                        <a:schemeClr val="tx1"/>
-                      </a:solidFill>
-                      <a:prstDash val="solid"/>
-                      <a:round/>
-                      <a:headEnd type="none" w="med" len="med"/>
-                      <a:tailEnd type="none" w="med" len="med"/>
-                    </a:lnL>
-                    <a:lnR w="12700" cap="flat" cmpd="sng" algn="ctr">
-                      <a:solidFill>
-                        <a:schemeClr val="tx1"/>
-                      </a:solidFill>
-                      <a:prstDash val="solid"/>
-                      <a:round/>
-                      <a:headEnd type="none" w="med" len="med"/>
-                      <a:tailEnd type="none" w="med" len="med"/>
-                    </a:lnR>
-                    <a:lnT w="12700" cap="flat" cmpd="sng" algn="ctr">
-                      <a:solidFill>
-                        <a:schemeClr val="tx1"/>
-                      </a:solidFill>
-                      <a:prstDash val="solid"/>
-                      <a:round/>
-                      <a:headEnd type="none" w="med" len="med"/>
-                      <a:tailEnd type="none" w="med" len="med"/>
-                    </a:lnT>
-                    <a:lnB w="12700" cap="flat" cmpd="sng" algn="ctr">
-                      <a:solidFill>
-                        <a:schemeClr val="tx1"/>
-                      </a:solidFill>
-                      <a:prstDash val="solid"/>
-                      <a:round/>
-                      <a:headEnd type="none" w="med" len="med"/>
-                      <a:tailEnd type="none" w="med" len="med"/>
-                    </a:lnB>
-                    <a:noFill/>
-                  </a:tcPr>
-                </a:tc>
-                <a:tc>
-                  <a:txBody>
-                    <a:bodyPr/>
-                    <a:lstStyle/>
-                    <a:p>
-                      <a:endParaRPr lang="en-VN"/>
-                    </a:p>
-                  </a:txBody>
-                  <a:tcPr>
-                    <a:lnL w="12700" cap="flat" cmpd="sng" algn="ctr">
-                      <a:solidFill>
-                        <a:schemeClr val="tx1"/>
-                      </a:solidFill>
-                      <a:prstDash val="solid"/>
-                      <a:round/>
-                      <a:headEnd type="none" w="med" len="med"/>
-                      <a:tailEnd type="none" w="med" len="med"/>
-                    </a:lnL>
-                    <a:lnR w="12700" cap="flat" cmpd="sng" algn="ctr">
-                      <a:solidFill>
-                        <a:schemeClr val="tx1"/>
-                      </a:solidFill>
-                      <a:prstDash val="solid"/>
-                      <a:round/>
-                      <a:headEnd type="none" w="med" len="med"/>
-                      <a:tailEnd type="none" w="med" len="med"/>
-                    </a:lnR>
-                    <a:lnT w="12700" cap="flat" cmpd="sng" algn="ctr">
-                      <a:solidFill>
-                        <a:schemeClr val="tx1"/>
-                      </a:solidFill>
-                      <a:prstDash val="solid"/>
-                      <a:round/>
-                      <a:headEnd type="none" w="med" len="med"/>
-                      <a:tailEnd type="none" w="med" len="med"/>
-                    </a:lnT>
-                    <a:lnB w="12700" cap="flat" cmpd="sng" algn="ctr">
-                      <a:solidFill>
-                        <a:schemeClr val="tx1"/>
-                      </a:solidFill>
-                      <a:prstDash val="solid"/>
-                      <a:round/>
-                      <a:headEnd type="none" w="med" len="med"/>
-                      <a:tailEnd type="none" w="med" len="med"/>
-                    </a:lnB>
-                    <a:noFill/>
-                  </a:tcPr>
-                </a:tc>
-                <a:tc>
-                  <a:txBody>
-                    <a:bodyPr/>
-                    <a:lstStyle/>
-                    <a:p>
-                      <a:endParaRPr lang="en-VN"/>
-                    </a:p>
-                  </a:txBody>
-                  <a:tcPr>
-                    <a:lnL w="12700" cap="flat" cmpd="sng" algn="ctr">
-                      <a:solidFill>
-                        <a:schemeClr val="tx1"/>
-                      </a:solidFill>
-                      <a:prstDash val="solid"/>
-                      <a:round/>
-                      <a:headEnd type="none" w="med" len="med"/>
-                      <a:tailEnd type="none" w="med" len="med"/>
-                    </a:lnL>
-                    <a:lnR w="12700" cap="flat" cmpd="sng" algn="ctr">
-                      <a:solidFill>
-                        <a:schemeClr val="tx1"/>
-                      </a:solidFill>
-                      <a:prstDash val="solid"/>
-                      <a:round/>
-                      <a:headEnd type="none" w="med" len="med"/>
-                      <a:tailEnd type="none" w="med" len="med"/>
-                    </a:lnR>
-                    <a:lnT w="12700" cap="flat" cmpd="sng" algn="ctr">
-                      <a:solidFill>
-                        <a:schemeClr val="tx1"/>
-                      </a:solidFill>
-                      <a:prstDash val="solid"/>
-                      <a:round/>
-                      <a:headEnd type="none" w="med" len="med"/>
-                      <a:tailEnd type="none" w="med" len="med"/>
-                    </a:lnT>
-                    <a:lnB w="12700" cap="flat" cmpd="sng" algn="ctr">
-                      <a:solidFill>
-                        <a:schemeClr val="tx1"/>
-                      </a:solidFill>
-                      <a:prstDash val="solid"/>
-                      <a:round/>
-                      <a:headEnd type="none" w="med" len="med"/>
-                      <a:tailEnd type="none" w="med" len="med"/>
-                    </a:lnB>
-                    <a:noFill/>
-                  </a:tcPr>
-                </a:tc>
-                <a:tc>
-                  <a:txBody>
-                    <a:bodyPr/>
-                    <a:lstStyle/>
-                    <a:p>
-                      <a:endParaRPr lang="en-VN"/>
-                    </a:p>
-                  </a:txBody>
-                  <a:tcPr>
-                    <a:lnL w="12700" cap="flat" cmpd="sng" algn="ctr">
-                      <a:solidFill>
-                        <a:schemeClr val="tx1"/>
-                      </a:solidFill>
-                      <a:prstDash val="solid"/>
-                      <a:round/>
-                      <a:headEnd type="none" w="med" len="med"/>
-                      <a:tailEnd type="none" w="med" len="med"/>
-                    </a:lnL>
-                    <a:lnR w="12700" cap="flat" cmpd="sng" algn="ctr">
-                      <a:solidFill>
-                        <a:schemeClr val="tx1"/>
-                      </a:solidFill>
-                      <a:prstDash val="solid"/>
-                      <a:round/>
-                      <a:headEnd type="none" w="med" len="med"/>
-                      <a:tailEnd type="none" w="med" len="med"/>
-                    </a:lnR>
-                    <a:lnT w="12700" cap="flat" cmpd="sng" algn="ctr">
-                      <a:solidFill>
-                        <a:schemeClr val="tx1"/>
-                      </a:solidFill>
-                      <a:prstDash val="solid"/>
-                      <a:round/>
-                      <a:headEnd type="none" w="med" len="med"/>
-                      <a:tailEnd type="none" w="med" len="med"/>
-                    </a:lnT>
-                    <a:lnB w="12700" cap="flat" cmpd="sng" algn="ctr">
-                      <a:solidFill>
-                        <a:schemeClr val="tx1"/>
-                      </a:solidFill>
-                      <a:prstDash val="solid"/>
-                      <a:round/>
-                      <a:headEnd type="none" w="med" len="med"/>
-                      <a:tailEnd type="none" w="med" len="med"/>
-                    </a:lnB>
-                    <a:noFill/>
-                  </a:tcPr>
-                </a:tc>
-                <a:tc>
-                  <a:txBody>
-                    <a:bodyPr/>
-                    <a:lstStyle/>
-                    <a:p>
-                      <a:endParaRPr lang="en-VN"/>
-                    </a:p>
-                  </a:txBody>
-                  <a:tcPr>
-                    <a:lnL w="12700" cap="flat" cmpd="sng" algn="ctr">
-                      <a:solidFill>
-                        <a:schemeClr val="tx1"/>
-                      </a:solidFill>
-                      <a:prstDash val="solid"/>
-                      <a:round/>
-                      <a:headEnd type="none" w="med" len="med"/>
-                      <a:tailEnd type="none" w="med" len="med"/>
-                    </a:lnL>
-                    <a:lnR w="12700" cap="flat" cmpd="sng" algn="ctr">
-                      <a:solidFill>
-                        <a:schemeClr val="tx1"/>
-                      </a:solidFill>
-                      <a:prstDash val="solid"/>
-                      <a:round/>
-                      <a:headEnd type="none" w="med" len="med"/>
-                      <a:tailEnd type="none" w="med" len="med"/>
-                    </a:lnR>
-                    <a:lnT w="12700" cap="flat" cmpd="sng" algn="ctr">
-                      <a:solidFill>
-                        <a:schemeClr val="tx1"/>
-                      </a:solidFill>
-                      <a:prstDash val="solid"/>
-                      <a:round/>
-                      <a:headEnd type="none" w="med" len="med"/>
-                      <a:tailEnd type="none" w="med" len="med"/>
-                    </a:lnT>
-                    <a:lnB w="12700" cap="flat" cmpd="sng" algn="ctr">
-                      <a:solidFill>
-                        <a:schemeClr val="tx1"/>
-                      </a:solidFill>
-                      <a:prstDash val="solid"/>
-                      <a:round/>
-                      <a:headEnd type="none" w="med" len="med"/>
-                      <a:tailEnd type="none" w="med" len="med"/>
-                    </a:lnB>
-                    <a:noFill/>
-                  </a:tcPr>
-                </a:tc>
-                <a:extLst>
-                  <a:ext uri="{0D108BD9-81ED-4DB2-BD59-A6C34878D82A}">
-                    <a16:rowId xmlns:a16="http://schemas.microsoft.com/office/drawing/2014/main" val="1594278401"/>
-                  </a:ext>
-                </a:extLst>
-              </a:tr>
-              <a:tr h="517676">
-                <a:tc>
-                  <a:txBody>
-                    <a:bodyPr/>
-                    <a:lstStyle/>
-                    <a:p>
-                      <a:endParaRPr lang="en-VN"/>
-                    </a:p>
-                  </a:txBody>
-                  <a:tcPr>
-                    <a:lnL w="12700" cap="flat" cmpd="sng" algn="ctr">
-                      <a:solidFill>
-                        <a:schemeClr val="tx1"/>
-                      </a:solidFill>
-                      <a:prstDash val="solid"/>
-                      <a:round/>
-                      <a:headEnd type="none" w="med" len="med"/>
-                      <a:tailEnd type="none" w="med" len="med"/>
-                    </a:lnL>
-                    <a:lnR w="12700" cap="flat" cmpd="sng" algn="ctr">
-                      <a:solidFill>
-                        <a:schemeClr val="tx1"/>
-                      </a:solidFill>
-                      <a:prstDash val="solid"/>
-                      <a:round/>
-                      <a:headEnd type="none" w="med" len="med"/>
-                      <a:tailEnd type="none" w="med" len="med"/>
-                    </a:lnR>
-                    <a:lnT w="12700" cap="flat" cmpd="sng" algn="ctr">
-                      <a:solidFill>
-                        <a:schemeClr val="tx1"/>
-                      </a:solidFill>
-                      <a:prstDash val="solid"/>
-                      <a:round/>
-                      <a:headEnd type="none" w="med" len="med"/>
-                      <a:tailEnd type="none" w="med" len="med"/>
-                    </a:lnT>
-                    <a:lnB w="12700" cap="flat" cmpd="sng" algn="ctr">
-                      <a:solidFill>
-                        <a:schemeClr val="tx1"/>
-                      </a:solidFill>
-                      <a:prstDash val="solid"/>
-                      <a:round/>
-                      <a:headEnd type="none" w="med" len="med"/>
-                      <a:tailEnd type="none" w="med" len="med"/>
-                    </a:lnB>
-                    <a:noFill/>
-                  </a:tcPr>
-                </a:tc>
-                <a:tc>
-                  <a:txBody>
-                    <a:bodyPr/>
-                    <a:lstStyle/>
-                    <a:p>
-                      <a:endParaRPr lang="en-VN"/>
-                    </a:p>
-                  </a:txBody>
-                  <a:tcPr>
-                    <a:lnL w="12700" cap="flat" cmpd="sng" algn="ctr">
-                      <a:solidFill>
-                        <a:schemeClr val="tx1"/>
-                      </a:solidFill>
-                      <a:prstDash val="solid"/>
-                      <a:round/>
-                      <a:headEnd type="none" w="med" len="med"/>
-                      <a:tailEnd type="none" w="med" len="med"/>
-                    </a:lnL>
-                    <a:lnR w="12700" cap="flat" cmpd="sng" algn="ctr">
-                      <a:solidFill>
-                        <a:schemeClr val="tx1"/>
-                      </a:solidFill>
-                      <a:prstDash val="solid"/>
-                      <a:round/>
-                      <a:headEnd type="none" w="med" len="med"/>
-                      <a:tailEnd type="none" w="med" len="med"/>
-                    </a:lnR>
-                    <a:lnT w="12700" cap="flat" cmpd="sng" algn="ctr">
-                      <a:solidFill>
-                        <a:schemeClr val="tx1"/>
-                      </a:solidFill>
-                      <a:prstDash val="solid"/>
-                      <a:round/>
-                      <a:headEnd type="none" w="med" len="med"/>
-                      <a:tailEnd type="none" w="med" len="med"/>
-                    </a:lnT>
-                    <a:lnB w="12700" cap="flat" cmpd="sng" algn="ctr">
-                      <a:solidFill>
-                        <a:schemeClr val="tx1"/>
-                      </a:solidFill>
-                      <a:prstDash val="solid"/>
-                      <a:round/>
-                      <a:headEnd type="none" w="med" len="med"/>
-                      <a:tailEnd type="none" w="med" len="med"/>
-                    </a:lnB>
-                    <a:noFill/>
-                  </a:tcPr>
-                </a:tc>
-                <a:tc>
-                  <a:txBody>
-                    <a:bodyPr/>
-                    <a:lstStyle/>
-                    <a:p>
-                      <a:endParaRPr lang="en-VN"/>
-                    </a:p>
-                  </a:txBody>
-                  <a:tcPr>
-                    <a:lnL w="12700" cap="flat" cmpd="sng" algn="ctr">
-                      <a:solidFill>
-                        <a:schemeClr val="tx1"/>
-                      </a:solidFill>
-                      <a:prstDash val="solid"/>
-                      <a:round/>
-                      <a:headEnd type="none" w="med" len="med"/>
-                      <a:tailEnd type="none" w="med" len="med"/>
-                    </a:lnL>
-                    <a:lnR w="12700" cap="flat" cmpd="sng" algn="ctr">
-                      <a:solidFill>
-                        <a:schemeClr val="tx1"/>
-                      </a:solidFill>
-                      <a:prstDash val="solid"/>
-                      <a:round/>
-                      <a:headEnd type="none" w="med" len="med"/>
-                      <a:tailEnd type="none" w="med" len="med"/>
-                    </a:lnR>
-                    <a:lnT w="12700" cap="flat" cmpd="sng" algn="ctr">
-                      <a:solidFill>
-                        <a:schemeClr val="tx1"/>
-                      </a:solidFill>
-                      <a:prstDash val="solid"/>
-                      <a:round/>
-                      <a:headEnd type="none" w="med" len="med"/>
-                      <a:tailEnd type="none" w="med" len="med"/>
-                    </a:lnT>
-                    <a:lnB w="12700" cap="flat" cmpd="sng" algn="ctr">
-                      <a:solidFill>
-                        <a:schemeClr val="tx1"/>
-                      </a:solidFill>
-                      <a:prstDash val="solid"/>
-                      <a:round/>
-                      <a:headEnd type="none" w="med" len="med"/>
-                      <a:tailEnd type="none" w="med" len="med"/>
-                    </a:lnB>
-                    <a:noFill/>
-                  </a:tcPr>
-                </a:tc>
-                <a:tc>
-                  <a:txBody>
-                    <a:bodyPr/>
-                    <a:lstStyle/>
-                    <a:p>
-                      <a:endParaRPr lang="en-VN"/>
-                    </a:p>
-                  </a:txBody>
-                  <a:tcPr>
-                    <a:lnL w="12700" cap="flat" cmpd="sng" algn="ctr">
-                      <a:solidFill>
-                        <a:schemeClr val="tx1"/>
-                      </a:solidFill>
-                      <a:prstDash val="solid"/>
-                      <a:round/>
-                      <a:headEnd type="none" w="med" len="med"/>
-                      <a:tailEnd type="none" w="med" len="med"/>
-                    </a:lnL>
-                    <a:lnR w="12700" cap="flat" cmpd="sng" algn="ctr">
-                      <a:solidFill>
-                        <a:schemeClr val="tx1"/>
-                      </a:solidFill>
-                      <a:prstDash val="solid"/>
-                      <a:round/>
-                      <a:headEnd type="none" w="med" len="med"/>
-                      <a:tailEnd type="none" w="med" len="med"/>
-                    </a:lnR>
-                    <a:lnT w="12700" cap="flat" cmpd="sng" algn="ctr">
-                      <a:solidFill>
-                        <a:schemeClr val="tx1"/>
-                      </a:solidFill>
-                      <a:prstDash val="solid"/>
-                      <a:round/>
-                      <a:headEnd type="none" w="med" len="med"/>
-                      <a:tailEnd type="none" w="med" len="med"/>
-                    </a:lnT>
-                    <a:lnB w="12700" cap="flat" cmpd="sng" algn="ctr">
-                      <a:solidFill>
-                        <a:schemeClr val="tx1"/>
-                      </a:solidFill>
-                      <a:prstDash val="solid"/>
-                      <a:round/>
-                      <a:headEnd type="none" w="med" len="med"/>
-                      <a:tailEnd type="none" w="med" len="med"/>
-                    </a:lnB>
-                    <a:noFill/>
-                  </a:tcPr>
-                </a:tc>
-                <a:tc>
-                  <a:txBody>
-                    <a:bodyPr/>
-                    <a:lstStyle/>
-                    <a:p>
-                      <a:endParaRPr lang="en-VN"/>
-                    </a:p>
-                  </a:txBody>
-                  <a:tcPr>
-                    <a:lnL w="12700" cap="flat" cmpd="sng" algn="ctr">
-                      <a:solidFill>
-                        <a:schemeClr val="tx1"/>
-                      </a:solidFill>
-                      <a:prstDash val="solid"/>
-                      <a:round/>
-                      <a:headEnd type="none" w="med" len="med"/>
-                      <a:tailEnd type="none" w="med" len="med"/>
-                    </a:lnL>
-                    <a:lnR w="12700" cap="flat" cmpd="sng" algn="ctr">
-                      <a:solidFill>
-                        <a:schemeClr val="tx1"/>
-                      </a:solidFill>
-                      <a:prstDash val="solid"/>
-                      <a:round/>
-                      <a:headEnd type="none" w="med" len="med"/>
-                      <a:tailEnd type="none" w="med" len="med"/>
-                    </a:lnR>
-                    <a:lnT w="12700" cap="flat" cmpd="sng" algn="ctr">
-                      <a:solidFill>
-                        <a:schemeClr val="tx1"/>
-                      </a:solidFill>
-                      <a:prstDash val="solid"/>
-                      <a:round/>
-                      <a:headEnd type="none" w="med" len="med"/>
-                      <a:tailEnd type="none" w="med" len="med"/>
-                    </a:lnT>
-                    <a:lnB w="12700" cap="flat" cmpd="sng" algn="ctr">
-                      <a:solidFill>
-                        <a:schemeClr val="tx1"/>
-                      </a:solidFill>
-                      <a:prstDash val="solid"/>
-                      <a:round/>
-                      <a:headEnd type="none" w="med" len="med"/>
-                      <a:tailEnd type="none" w="med" len="med"/>
-                    </a:lnB>
-                    <a:noFill/>
-                  </a:tcPr>
-                </a:tc>
-                <a:tc>
-                  <a:txBody>
-                    <a:bodyPr/>
-                    <a:lstStyle/>
-                    <a:p>
-                      <a:endParaRPr lang="en-VN"/>
-                    </a:p>
-                  </a:txBody>
-                  <a:tcPr>
-                    <a:lnL w="12700" cap="flat" cmpd="sng" algn="ctr">
-                      <a:solidFill>
-                        <a:schemeClr val="tx1"/>
-                      </a:solidFill>
-                      <a:prstDash val="solid"/>
-                      <a:round/>
-                      <a:headEnd type="none" w="med" len="med"/>
-                      <a:tailEnd type="none" w="med" len="med"/>
-                    </a:lnL>
-                    <a:lnR w="12700" cap="flat" cmpd="sng" algn="ctr">
-                      <a:solidFill>
-                        <a:schemeClr val="tx1"/>
-                      </a:solidFill>
-                      <a:prstDash val="solid"/>
-                      <a:round/>
-                      <a:headEnd type="none" w="med" len="med"/>
-                      <a:tailEnd type="none" w="med" len="med"/>
-                    </a:lnR>
-                    <a:lnT w="12700" cap="flat" cmpd="sng" algn="ctr">
-                      <a:solidFill>
-                        <a:schemeClr val="tx1"/>
-                      </a:solidFill>
-                      <a:prstDash val="solid"/>
-                      <a:round/>
-                      <a:headEnd type="none" w="med" len="med"/>
-                      <a:tailEnd type="none" w="med" len="med"/>
-                    </a:lnT>
-                    <a:lnB w="12700" cap="flat" cmpd="sng" algn="ctr">
-                      <a:solidFill>
-                        <a:schemeClr val="tx1"/>
-                      </a:solidFill>
-                      <a:prstDash val="solid"/>
-                      <a:round/>
-                      <a:headEnd type="none" w="med" len="med"/>
-                      <a:tailEnd type="none" w="med" len="med"/>
-                    </a:lnB>
-                    <a:noFill/>
-                  </a:tcPr>
-                </a:tc>
-                <a:tc>
-                  <a:txBody>
-                    <a:bodyPr/>
-                    <a:lstStyle/>
-                    <a:p>
-                      <a:endParaRPr lang="en-VN"/>
-                    </a:p>
-                  </a:txBody>
-                  <a:tcPr>
-                    <a:lnL w="12700" cap="flat" cmpd="sng" algn="ctr">
-                      <a:solidFill>
-                        <a:schemeClr val="tx1"/>
-                      </a:solidFill>
-                      <a:prstDash val="solid"/>
-                      <a:round/>
-                      <a:headEnd type="none" w="med" len="med"/>
-                      <a:tailEnd type="none" w="med" len="med"/>
-                    </a:lnL>
-                    <a:lnR w="12700" cap="flat" cmpd="sng" algn="ctr">
-                      <a:solidFill>
-                        <a:schemeClr val="tx1"/>
-                      </a:solidFill>
-                      <a:prstDash val="solid"/>
-                      <a:round/>
-                      <a:headEnd type="none" w="med" len="med"/>
-                      <a:tailEnd type="none" w="med" len="med"/>
-                    </a:lnR>
-                    <a:lnT w="12700" cap="flat" cmpd="sng" algn="ctr">
-                      <a:solidFill>
-                        <a:schemeClr val="tx1"/>
-                      </a:solidFill>
-                      <a:prstDash val="solid"/>
-                      <a:round/>
-                      <a:headEnd type="none" w="med" len="med"/>
-                      <a:tailEnd type="none" w="med" len="med"/>
-                    </a:lnT>
-                    <a:lnB w="12700" cap="flat" cmpd="sng" algn="ctr">
-                      <a:solidFill>
-                        <a:schemeClr val="tx1"/>
-                      </a:solidFill>
-                      <a:prstDash val="solid"/>
-                      <a:round/>
-                      <a:headEnd type="none" w="med" len="med"/>
-                      <a:tailEnd type="none" w="med" len="med"/>
-                    </a:lnB>
-                    <a:noFill/>
-                  </a:tcPr>
-                </a:tc>
-                <a:extLst>
-                  <a:ext uri="{0D108BD9-81ED-4DB2-BD59-A6C34878D82A}">
-                    <a16:rowId xmlns:a16="http://schemas.microsoft.com/office/drawing/2014/main" val="844054419"/>
-                  </a:ext>
-                </a:extLst>
-              </a:tr>
-              <a:tr h="517676">
-                <a:tc>
-                  <a:txBody>
-                    <a:bodyPr/>
-                    <a:lstStyle/>
-                    <a:p>
-                      <a:endParaRPr lang="en-VN"/>
-                    </a:p>
-                  </a:txBody>
-                  <a:tcPr>
-                    <a:lnL w="12700" cap="flat" cmpd="sng" algn="ctr">
-                      <a:solidFill>
-                        <a:schemeClr val="tx1"/>
-                      </a:solidFill>
-                      <a:prstDash val="solid"/>
-                      <a:round/>
-                      <a:headEnd type="none" w="med" len="med"/>
-                      <a:tailEnd type="none" w="med" len="med"/>
-                    </a:lnL>
-                    <a:lnR w="12700" cap="flat" cmpd="sng" algn="ctr">
-                      <a:solidFill>
-                        <a:schemeClr val="tx1"/>
-                      </a:solidFill>
-                      <a:prstDash val="solid"/>
-                      <a:round/>
-                      <a:headEnd type="none" w="med" len="med"/>
-                      <a:tailEnd type="none" w="med" len="med"/>
-                    </a:lnR>
-                    <a:lnT w="12700" cap="flat" cmpd="sng" algn="ctr">
-                      <a:solidFill>
-                        <a:schemeClr val="tx1"/>
-                      </a:solidFill>
-                      <a:prstDash val="solid"/>
-                      <a:round/>
-                      <a:headEnd type="none" w="med" len="med"/>
-                      <a:tailEnd type="none" w="med" len="med"/>
-                    </a:lnT>
-                    <a:lnB w="12700" cap="flat" cmpd="sng" algn="ctr">
-                      <a:solidFill>
-                        <a:schemeClr val="tx1"/>
-                      </a:solidFill>
-                      <a:prstDash val="solid"/>
-                      <a:round/>
-                      <a:headEnd type="none" w="med" len="med"/>
-                      <a:tailEnd type="none" w="med" len="med"/>
-                    </a:lnB>
-                    <a:noFill/>
-                  </a:tcPr>
-                </a:tc>
-                <a:tc>
-                  <a:txBody>
-                    <a:bodyPr/>
-                    <a:lstStyle/>
-                    <a:p>
-                      <a:endParaRPr lang="en-VN"/>
-                    </a:p>
-                  </a:txBody>
-                  <a:tcPr>
-                    <a:lnL w="12700" cap="flat" cmpd="sng" algn="ctr">
-                      <a:solidFill>
-                        <a:schemeClr val="tx1"/>
-                      </a:solidFill>
-                      <a:prstDash val="solid"/>
-                      <a:round/>
-                      <a:headEnd type="none" w="med" len="med"/>
-                      <a:tailEnd type="none" w="med" len="med"/>
-                    </a:lnL>
-                    <a:lnR w="12700" cap="flat" cmpd="sng" algn="ctr">
-                      <a:solidFill>
-                        <a:schemeClr val="tx1"/>
-                      </a:solidFill>
-                      <a:prstDash val="solid"/>
-                      <a:round/>
-                      <a:headEnd type="none" w="med" len="med"/>
-                      <a:tailEnd type="none" w="med" len="med"/>
-                    </a:lnR>
-                    <a:lnT w="12700" cap="flat" cmpd="sng" algn="ctr">
-                      <a:solidFill>
-                        <a:schemeClr val="tx1"/>
-                      </a:solidFill>
-                      <a:prstDash val="solid"/>
-                      <a:round/>
-                      <a:headEnd type="none" w="med" len="med"/>
-                      <a:tailEnd type="none" w="med" len="med"/>
-                    </a:lnT>
-                    <a:lnB w="12700" cap="flat" cmpd="sng" algn="ctr">
-                      <a:solidFill>
-                        <a:schemeClr val="tx1"/>
-                      </a:solidFill>
-                      <a:prstDash val="solid"/>
-                      <a:round/>
-                      <a:headEnd type="none" w="med" len="med"/>
-                      <a:tailEnd type="none" w="med" len="med"/>
-                    </a:lnB>
-                    <a:noFill/>
-                  </a:tcPr>
-                </a:tc>
-                <a:tc>
-                  <a:txBody>
-                    <a:bodyPr/>
-                    <a:lstStyle/>
-                    <a:p>
-                      <a:endParaRPr lang="en-VN"/>
-                    </a:p>
-                  </a:txBody>
-                  <a:tcPr>
-                    <a:lnL w="12700" cap="flat" cmpd="sng" algn="ctr">
-                      <a:solidFill>
-                        <a:schemeClr val="tx1"/>
-                      </a:solidFill>
-                      <a:prstDash val="solid"/>
-                      <a:round/>
-                      <a:headEnd type="none" w="med" len="med"/>
-                      <a:tailEnd type="none" w="med" len="med"/>
-                    </a:lnL>
-                    <a:lnR w="12700" cap="flat" cmpd="sng" algn="ctr">
-                      <a:solidFill>
-                        <a:schemeClr val="tx1"/>
-                      </a:solidFill>
-                      <a:prstDash val="solid"/>
-                      <a:round/>
-                      <a:headEnd type="none" w="med" len="med"/>
-                      <a:tailEnd type="none" w="med" len="med"/>
-                    </a:lnR>
-                    <a:lnT w="12700" cap="flat" cmpd="sng" algn="ctr">
-                      <a:solidFill>
-                        <a:schemeClr val="tx1"/>
-                      </a:solidFill>
-                      <a:prstDash val="solid"/>
-                      <a:round/>
-                      <a:headEnd type="none" w="med" len="med"/>
-                      <a:tailEnd type="none" w="med" len="med"/>
-                    </a:lnT>
-                    <a:lnB w="12700" cap="flat" cmpd="sng" algn="ctr">
-                      <a:solidFill>
-                        <a:schemeClr val="tx1"/>
-                      </a:solidFill>
-                      <a:prstDash val="solid"/>
-                      <a:round/>
-                      <a:headEnd type="none" w="med" len="med"/>
-                      <a:tailEnd type="none" w="med" len="med"/>
-                    </a:lnB>
-                    <a:noFill/>
-                  </a:tcPr>
-                </a:tc>
-                <a:tc>
-                  <a:txBody>
-                    <a:bodyPr/>
-                    <a:lstStyle/>
-                    <a:p>
-                      <a:endParaRPr lang="en-VN"/>
-                    </a:p>
-                  </a:txBody>
-                  <a:tcPr>
-                    <a:lnL w="12700" cap="flat" cmpd="sng" algn="ctr">
-                      <a:solidFill>
-                        <a:schemeClr val="tx1"/>
-                      </a:solidFill>
-                      <a:prstDash val="solid"/>
-                      <a:round/>
-                      <a:headEnd type="none" w="med" len="med"/>
-                      <a:tailEnd type="none" w="med" len="med"/>
-                    </a:lnL>
-                    <a:lnR w="12700" cap="flat" cmpd="sng" algn="ctr">
-                      <a:solidFill>
-                        <a:schemeClr val="tx1"/>
-                      </a:solidFill>
-                      <a:prstDash val="solid"/>
-                      <a:round/>
-                      <a:headEnd type="none" w="med" len="med"/>
-                      <a:tailEnd type="none" w="med" len="med"/>
-                    </a:lnR>
-                    <a:lnT w="12700" cap="flat" cmpd="sng" algn="ctr">
-                      <a:solidFill>
-                        <a:schemeClr val="tx1"/>
-                      </a:solidFill>
-                      <a:prstDash val="solid"/>
-                      <a:round/>
-                      <a:headEnd type="none" w="med" len="med"/>
-                      <a:tailEnd type="none" w="med" len="med"/>
-                    </a:lnT>
-                    <a:lnB w="12700" cap="flat" cmpd="sng" algn="ctr">
-                      <a:solidFill>
-                        <a:schemeClr val="tx1"/>
-                      </a:solidFill>
-                      <a:prstDash val="solid"/>
-                      <a:round/>
-                      <a:headEnd type="none" w="med" len="med"/>
-                      <a:tailEnd type="none" w="med" len="med"/>
-                    </a:lnB>
-                    <a:noFill/>
-                  </a:tcPr>
-                </a:tc>
-                <a:tc>
-                  <a:txBody>
-                    <a:bodyPr/>
-                    <a:lstStyle/>
-                    <a:p>
-                      <a:endParaRPr lang="en-VN"/>
-                    </a:p>
-                  </a:txBody>
-                  <a:tcPr>
-                    <a:lnL w="12700" cap="flat" cmpd="sng" algn="ctr">
-                      <a:solidFill>
-                        <a:schemeClr val="tx1"/>
-                      </a:solidFill>
-                      <a:prstDash val="solid"/>
-                      <a:round/>
-                      <a:headEnd type="none" w="med" len="med"/>
-                      <a:tailEnd type="none" w="med" len="med"/>
-                    </a:lnL>
-                    <a:lnR w="12700" cap="flat" cmpd="sng" algn="ctr">
-                      <a:solidFill>
-                        <a:schemeClr val="tx1"/>
-                      </a:solidFill>
-                      <a:prstDash val="solid"/>
-                      <a:round/>
-                      <a:headEnd type="none" w="med" len="med"/>
-                      <a:tailEnd type="none" w="med" len="med"/>
-                    </a:lnR>
-                    <a:lnT w="12700" cap="flat" cmpd="sng" algn="ctr">
-                      <a:solidFill>
-                        <a:schemeClr val="tx1"/>
-                      </a:solidFill>
-                      <a:prstDash val="solid"/>
-                      <a:round/>
-                      <a:headEnd type="none" w="med" len="med"/>
-                      <a:tailEnd type="none" w="med" len="med"/>
-                    </a:lnT>
-                    <a:lnB w="12700" cap="flat" cmpd="sng" algn="ctr">
-                      <a:solidFill>
-                        <a:schemeClr val="tx1"/>
-                      </a:solidFill>
-                      <a:prstDash val="solid"/>
-                      <a:round/>
-                      <a:headEnd type="none" w="med" len="med"/>
-                      <a:tailEnd type="none" w="med" len="med"/>
-                    </a:lnB>
-                    <a:noFill/>
-                  </a:tcPr>
-                </a:tc>
-                <a:tc>
-                  <a:txBody>
-                    <a:bodyPr/>
-                    <a:lstStyle/>
-                    <a:p>
-                      <a:endParaRPr lang="en-VN"/>
-                    </a:p>
-                  </a:txBody>
-                  <a:tcPr>
-                    <a:lnL w="12700" cap="flat" cmpd="sng" algn="ctr">
-                      <a:solidFill>
-                        <a:schemeClr val="tx1"/>
-                      </a:solidFill>
-                      <a:prstDash val="solid"/>
-                      <a:round/>
-                      <a:headEnd type="none" w="med" len="med"/>
-                      <a:tailEnd type="none" w="med" len="med"/>
-                    </a:lnL>
-                    <a:lnR w="12700" cap="flat" cmpd="sng" algn="ctr">
-                      <a:solidFill>
-                        <a:schemeClr val="tx1"/>
-                      </a:solidFill>
-                      <a:prstDash val="solid"/>
-                      <a:round/>
-                      <a:headEnd type="none" w="med" len="med"/>
-                      <a:tailEnd type="none" w="med" len="med"/>
-                    </a:lnR>
-                    <a:lnT w="12700" cap="flat" cmpd="sng" algn="ctr">
-                      <a:solidFill>
-                        <a:schemeClr val="tx1"/>
-                      </a:solidFill>
-                      <a:prstDash val="solid"/>
-                      <a:round/>
-                      <a:headEnd type="none" w="med" len="med"/>
-                      <a:tailEnd type="none" w="med" len="med"/>
-                    </a:lnT>
-                    <a:lnB w="12700" cap="flat" cmpd="sng" algn="ctr">
-                      <a:solidFill>
-                        <a:schemeClr val="tx1"/>
-                      </a:solidFill>
-                      <a:prstDash val="solid"/>
-                      <a:round/>
-                      <a:headEnd type="none" w="med" len="med"/>
-                      <a:tailEnd type="none" w="med" len="med"/>
-                    </a:lnB>
-                    <a:noFill/>
-                  </a:tcPr>
-                </a:tc>
-                <a:tc>
-                  <a:txBody>
-                    <a:bodyPr/>
-                    <a:lstStyle/>
-                    <a:p>
-                      <a:endParaRPr lang="en-VN"/>
-                    </a:p>
-                  </a:txBody>
-                  <a:tcPr>
-                    <a:lnL w="12700" cap="flat" cmpd="sng" algn="ctr">
-                      <a:solidFill>
-                        <a:schemeClr val="tx1"/>
-                      </a:solidFill>
-                      <a:prstDash val="solid"/>
-                      <a:round/>
-                      <a:headEnd type="none" w="med" len="med"/>
-                      <a:tailEnd type="none" w="med" len="med"/>
-                    </a:lnL>
-                    <a:lnR w="12700" cap="flat" cmpd="sng" algn="ctr">
-                      <a:solidFill>
-                        <a:schemeClr val="tx1"/>
-                      </a:solidFill>
-                      <a:prstDash val="solid"/>
-                      <a:round/>
-                      <a:headEnd type="none" w="med" len="med"/>
-                      <a:tailEnd type="none" w="med" len="med"/>
-                    </a:lnR>
-                    <a:lnT w="12700" cap="flat" cmpd="sng" algn="ctr">
-                      <a:solidFill>
-                        <a:schemeClr val="tx1"/>
-                      </a:solidFill>
-                      <a:prstDash val="solid"/>
-                      <a:round/>
-                      <a:headEnd type="none" w="med" len="med"/>
-                      <a:tailEnd type="none" w="med" len="med"/>
-                    </a:lnT>
-                    <a:lnB w="12700" cap="flat" cmpd="sng" algn="ctr">
-                      <a:solidFill>
-                        <a:schemeClr val="tx1"/>
-                      </a:solidFill>
-                      <a:prstDash val="solid"/>
-                      <a:round/>
-                      <a:headEnd type="none" w="med" len="med"/>
-                      <a:tailEnd type="none" w="med" len="med"/>
-                    </a:lnB>
-                    <a:noFill/>
-                  </a:tcPr>
-                </a:tc>
-                <a:extLst>
-                  <a:ext uri="{0D108BD9-81ED-4DB2-BD59-A6C34878D82A}">
-                    <a16:rowId xmlns:a16="http://schemas.microsoft.com/office/drawing/2014/main" val="1847778530"/>
-                  </a:ext>
-                </a:extLst>
-              </a:tr>
-              <a:tr h="517676">
-                <a:tc>
-                  <a:txBody>
-                    <a:bodyPr/>
-                    <a:lstStyle/>
-                    <a:p>
-                      <a:endParaRPr lang="en-VN"/>
-                    </a:p>
-                  </a:txBody>
-                  <a:tcPr>
-                    <a:lnL w="12700" cap="flat" cmpd="sng" algn="ctr">
-                      <a:solidFill>
-                        <a:schemeClr val="tx1"/>
-                      </a:solidFill>
-                      <a:prstDash val="solid"/>
-                      <a:round/>
-                      <a:headEnd type="none" w="med" len="med"/>
-                      <a:tailEnd type="none" w="med" len="med"/>
-                    </a:lnL>
-                    <a:lnR w="12700" cap="flat" cmpd="sng" algn="ctr">
-                      <a:solidFill>
-                        <a:schemeClr val="tx1"/>
-                      </a:solidFill>
-                      <a:prstDash val="solid"/>
-                      <a:round/>
-                      <a:headEnd type="none" w="med" len="med"/>
-                      <a:tailEnd type="none" w="med" len="med"/>
-                    </a:lnR>
-                    <a:lnT w="12700" cap="flat" cmpd="sng" algn="ctr">
-                      <a:solidFill>
-                        <a:schemeClr val="tx1"/>
-                      </a:solidFill>
-                      <a:prstDash val="solid"/>
-                      <a:round/>
-                      <a:headEnd type="none" w="med" len="med"/>
-                      <a:tailEnd type="none" w="med" len="med"/>
-                    </a:lnT>
-                    <a:lnB w="12700" cap="flat" cmpd="sng" algn="ctr">
-                      <a:solidFill>
-                        <a:schemeClr val="tx1"/>
-                      </a:solidFill>
-                      <a:prstDash val="solid"/>
-                      <a:round/>
-                      <a:headEnd type="none" w="med" len="med"/>
-                      <a:tailEnd type="none" w="med" len="med"/>
-                    </a:lnB>
-                    <a:noFill/>
-                  </a:tcPr>
-                </a:tc>
-                <a:tc>
-                  <a:txBody>
-                    <a:bodyPr/>
-                    <a:lstStyle/>
-                    <a:p>
-                      <a:endParaRPr lang="en-VN"/>
-                    </a:p>
-                  </a:txBody>
-                  <a:tcPr>
-                    <a:lnL w="12700" cap="flat" cmpd="sng" algn="ctr">
-                      <a:solidFill>
-                        <a:schemeClr val="tx1"/>
-                      </a:solidFill>
-                      <a:prstDash val="solid"/>
-                      <a:round/>
-                      <a:headEnd type="none" w="med" len="med"/>
-                      <a:tailEnd type="none" w="med" len="med"/>
-                    </a:lnL>
-                    <a:lnR w="12700" cap="flat" cmpd="sng" algn="ctr">
-                      <a:solidFill>
-                        <a:schemeClr val="tx1"/>
-                      </a:solidFill>
-                      <a:prstDash val="solid"/>
-                      <a:round/>
-                      <a:headEnd type="none" w="med" len="med"/>
-                      <a:tailEnd type="none" w="med" len="med"/>
-                    </a:lnR>
-                    <a:lnT w="12700" cap="flat" cmpd="sng" algn="ctr">
-                      <a:solidFill>
-                        <a:schemeClr val="tx1"/>
-                      </a:solidFill>
-                      <a:prstDash val="solid"/>
-                      <a:round/>
-                      <a:headEnd type="none" w="med" len="med"/>
-                      <a:tailEnd type="none" w="med" len="med"/>
-                    </a:lnT>
-                    <a:lnB w="12700" cap="flat" cmpd="sng" algn="ctr">
-                      <a:solidFill>
-                        <a:schemeClr val="tx1"/>
-                      </a:solidFill>
-                      <a:prstDash val="solid"/>
-                      <a:round/>
-                      <a:headEnd type="none" w="med" len="med"/>
-                      <a:tailEnd type="none" w="med" len="med"/>
-                    </a:lnB>
-                    <a:noFill/>
-                  </a:tcPr>
-                </a:tc>
-                <a:tc>
-                  <a:txBody>
-                    <a:bodyPr/>
-                    <a:lstStyle/>
-                    <a:p>
-                      <a:endParaRPr lang="en-VN"/>
-                    </a:p>
-                  </a:txBody>
-                  <a:tcPr>
-                    <a:lnL w="12700" cap="flat" cmpd="sng" algn="ctr">
-                      <a:solidFill>
-                        <a:schemeClr val="tx1"/>
-                      </a:solidFill>
-                      <a:prstDash val="solid"/>
-                      <a:round/>
-                      <a:headEnd type="none" w="med" len="med"/>
-                      <a:tailEnd type="none" w="med" len="med"/>
-                    </a:lnL>
-                    <a:lnR w="12700" cap="flat" cmpd="sng" algn="ctr">
-                      <a:solidFill>
-                        <a:schemeClr val="tx1"/>
-                      </a:solidFill>
-                      <a:prstDash val="solid"/>
-                      <a:round/>
-                      <a:headEnd type="none" w="med" len="med"/>
-                      <a:tailEnd type="none" w="med" len="med"/>
-                    </a:lnR>
-                    <a:lnT w="12700" cap="flat" cmpd="sng" algn="ctr">
-                      <a:solidFill>
-                        <a:schemeClr val="tx1"/>
-                      </a:solidFill>
-                      <a:prstDash val="solid"/>
-                      <a:round/>
-                      <a:headEnd type="none" w="med" len="med"/>
-                      <a:tailEnd type="none" w="med" len="med"/>
-                    </a:lnT>
-                    <a:lnB w="12700" cap="flat" cmpd="sng" algn="ctr">
-                      <a:solidFill>
-                        <a:schemeClr val="tx1"/>
-                      </a:solidFill>
-                      <a:prstDash val="solid"/>
-                      <a:round/>
-                      <a:headEnd type="none" w="med" len="med"/>
-                      <a:tailEnd type="none" w="med" len="med"/>
-                    </a:lnB>
-                    <a:noFill/>
-                  </a:tcPr>
-                </a:tc>
-                <a:tc>
-                  <a:txBody>
-                    <a:bodyPr/>
-                    <a:lstStyle/>
-                    <a:p>
-                      <a:endParaRPr lang="en-VN"/>
-                    </a:p>
-                  </a:txBody>
-                  <a:tcPr>
-                    <a:lnL w="12700" cap="flat" cmpd="sng" algn="ctr">
-                      <a:solidFill>
-                        <a:schemeClr val="tx1"/>
-                      </a:solidFill>
-                      <a:prstDash val="solid"/>
-                      <a:round/>
-                      <a:headEnd type="none" w="med" len="med"/>
-                      <a:tailEnd type="none" w="med" len="med"/>
-                    </a:lnL>
-                    <a:lnR w="12700" cap="flat" cmpd="sng" algn="ctr">
-                      <a:solidFill>
-                        <a:schemeClr val="tx1"/>
-                      </a:solidFill>
-                      <a:prstDash val="solid"/>
-                      <a:round/>
-                      <a:headEnd type="none" w="med" len="med"/>
-                      <a:tailEnd type="none" w="med" len="med"/>
-                    </a:lnR>
-                    <a:lnT w="12700" cap="flat" cmpd="sng" algn="ctr">
-                      <a:solidFill>
-                        <a:schemeClr val="tx1"/>
-                      </a:solidFill>
-                      <a:prstDash val="solid"/>
-                      <a:round/>
-                      <a:headEnd type="none" w="med" len="med"/>
-                      <a:tailEnd type="none" w="med" len="med"/>
-                    </a:lnT>
-                    <a:lnB w="12700" cap="flat" cmpd="sng" algn="ctr">
-                      <a:solidFill>
-                        <a:schemeClr val="tx1"/>
-                      </a:solidFill>
-                      <a:prstDash val="solid"/>
-                      <a:round/>
-                      <a:headEnd type="none" w="med" len="med"/>
-                      <a:tailEnd type="none" w="med" len="med"/>
-                    </a:lnB>
-                    <a:noFill/>
-                  </a:tcPr>
-                </a:tc>
-                <a:tc>
-                  <a:txBody>
-                    <a:bodyPr/>
-                    <a:lstStyle/>
-                    <a:p>
-                      <a:endParaRPr lang="en-VN"/>
-                    </a:p>
-                  </a:txBody>
-                  <a:tcPr>
-                    <a:lnL w="12700" cap="flat" cmpd="sng" algn="ctr">
-                      <a:solidFill>
-                        <a:schemeClr val="tx1"/>
-                      </a:solidFill>
-                      <a:prstDash val="solid"/>
-                      <a:round/>
-                      <a:headEnd type="none" w="med" len="med"/>
-                      <a:tailEnd type="none" w="med" len="med"/>
-                    </a:lnL>
-                    <a:lnR w="12700" cap="flat" cmpd="sng" algn="ctr">
-                      <a:solidFill>
-                        <a:schemeClr val="tx1"/>
-                      </a:solidFill>
-                      <a:prstDash val="solid"/>
-                      <a:round/>
-                      <a:headEnd type="none" w="med" len="med"/>
-                      <a:tailEnd type="none" w="med" len="med"/>
-                    </a:lnR>
-                    <a:lnT w="12700" cap="flat" cmpd="sng" algn="ctr">
-                      <a:solidFill>
-                        <a:schemeClr val="tx1"/>
-                      </a:solidFill>
-                      <a:prstDash val="solid"/>
-                      <a:round/>
-                      <a:headEnd type="none" w="med" len="med"/>
-                      <a:tailEnd type="none" w="med" len="med"/>
-                    </a:lnT>
-                    <a:lnB w="12700" cap="flat" cmpd="sng" algn="ctr">
-                      <a:solidFill>
-                        <a:schemeClr val="tx1"/>
-                      </a:solidFill>
-                      <a:prstDash val="solid"/>
-                      <a:round/>
-                      <a:headEnd type="none" w="med" len="med"/>
-                      <a:tailEnd type="none" w="med" len="med"/>
-                    </a:lnB>
-                    <a:noFill/>
-                  </a:tcPr>
-                </a:tc>
-                <a:tc>
-                  <a:txBody>
-                    <a:bodyPr/>
-                    <a:lstStyle/>
-                    <a:p>
-                      <a:endParaRPr lang="en-VN"/>
-                    </a:p>
-                  </a:txBody>
-                  <a:tcPr>
-                    <a:lnL w="12700" cap="flat" cmpd="sng" algn="ctr">
-                      <a:solidFill>
-                        <a:schemeClr val="tx1"/>
-                      </a:solidFill>
-                      <a:prstDash val="solid"/>
-                      <a:round/>
-                      <a:headEnd type="none" w="med" len="med"/>
-                      <a:tailEnd type="none" w="med" len="med"/>
-                    </a:lnL>
-                    <a:lnR w="12700" cap="flat" cmpd="sng" algn="ctr">
-                      <a:solidFill>
-                        <a:schemeClr val="tx1"/>
-                      </a:solidFill>
-                      <a:prstDash val="solid"/>
-                      <a:round/>
-                      <a:headEnd type="none" w="med" len="med"/>
-                      <a:tailEnd type="none" w="med" len="med"/>
-                    </a:lnR>
-                    <a:lnT w="12700" cap="flat" cmpd="sng" algn="ctr">
-                      <a:solidFill>
-                        <a:schemeClr val="tx1"/>
-                      </a:solidFill>
-                      <a:prstDash val="solid"/>
-                      <a:round/>
-                      <a:headEnd type="none" w="med" len="med"/>
-                      <a:tailEnd type="none" w="med" len="med"/>
-                    </a:lnT>
-                    <a:lnB w="12700" cap="flat" cmpd="sng" algn="ctr">
-                      <a:solidFill>
-                        <a:schemeClr val="tx1"/>
-                      </a:solidFill>
-                      <a:prstDash val="solid"/>
-                      <a:round/>
-                      <a:headEnd type="none" w="med" len="med"/>
-                      <a:tailEnd type="none" w="med" len="med"/>
-                    </a:lnB>
-                    <a:noFill/>
-                  </a:tcPr>
-                </a:tc>
-                <a:tc>
-                  <a:txBody>
-                    <a:bodyPr/>
-                    <a:lstStyle/>
-                    <a:p>
-                      <a:endParaRPr lang="en-VN"/>
-                    </a:p>
-                  </a:txBody>
-                  <a:tcPr>
-                    <a:lnL w="12700" cap="flat" cmpd="sng" algn="ctr">
-                      <a:solidFill>
-                        <a:schemeClr val="tx1"/>
-                      </a:solidFill>
-                      <a:prstDash val="solid"/>
-                      <a:round/>
-                      <a:headEnd type="none" w="med" len="med"/>
-                      <a:tailEnd type="none" w="med" len="med"/>
-                    </a:lnL>
-                    <a:lnR w="12700" cap="flat" cmpd="sng" algn="ctr">
-                      <a:solidFill>
-                        <a:schemeClr val="tx1"/>
-                      </a:solidFill>
-                      <a:prstDash val="solid"/>
-                      <a:round/>
-                      <a:headEnd type="none" w="med" len="med"/>
-                      <a:tailEnd type="none" w="med" len="med"/>
-                    </a:lnR>
-                    <a:lnT w="12700" cap="flat" cmpd="sng" algn="ctr">
-                      <a:solidFill>
-                        <a:schemeClr val="tx1"/>
-                      </a:solidFill>
-                      <a:prstDash val="solid"/>
-                      <a:round/>
-                      <a:headEnd type="none" w="med" len="med"/>
-                      <a:tailEnd type="none" w="med" len="med"/>
-                    </a:lnT>
-                    <a:lnB w="12700" cap="flat" cmpd="sng" algn="ctr">
-                      <a:solidFill>
-                        <a:schemeClr val="tx1"/>
-                      </a:solidFill>
-                      <a:prstDash val="solid"/>
-                      <a:round/>
-                      <a:headEnd type="none" w="med" len="med"/>
-                      <a:tailEnd type="none" w="med" len="med"/>
-                    </a:lnB>
-                    <a:noFill/>
-                  </a:tcPr>
-                </a:tc>
-                <a:extLst>
-                  <a:ext uri="{0D108BD9-81ED-4DB2-BD59-A6C34878D82A}">
-                    <a16:rowId xmlns:a16="http://schemas.microsoft.com/office/drawing/2014/main" val="819781452"/>
-                  </a:ext>
-                </a:extLst>
-              </a:tr>
-              <a:tr h="517676">
-                <a:tc>
-                  <a:txBody>
-                    <a:bodyPr/>
-                    <a:lstStyle/>
-                    <a:p>
-                      <a:endParaRPr lang="en-VN"/>
-                    </a:p>
-                  </a:txBody>
-                  <a:tcPr>
-                    <a:lnL w="12700" cap="flat" cmpd="sng" algn="ctr">
-                      <a:solidFill>
-                        <a:schemeClr val="tx1"/>
-                      </a:solidFill>
-                      <a:prstDash val="solid"/>
-                      <a:round/>
-                      <a:headEnd type="none" w="med" len="med"/>
-                      <a:tailEnd type="none" w="med" len="med"/>
-                    </a:lnL>
-                    <a:lnR w="12700" cap="flat" cmpd="sng" algn="ctr">
-                      <a:solidFill>
-                        <a:schemeClr val="tx1"/>
-                      </a:solidFill>
-                      <a:prstDash val="solid"/>
-                      <a:round/>
-                      <a:headEnd type="none" w="med" len="med"/>
-                      <a:tailEnd type="none" w="med" len="med"/>
-                    </a:lnR>
-                    <a:lnT w="12700" cap="flat" cmpd="sng" algn="ctr">
-                      <a:solidFill>
-                        <a:schemeClr val="tx1"/>
-                      </a:solidFill>
-                      <a:prstDash val="solid"/>
-                      <a:round/>
-                      <a:headEnd type="none" w="med" len="med"/>
-                      <a:tailEnd type="none" w="med" len="med"/>
-                    </a:lnT>
-                    <a:lnB w="12700" cap="flat" cmpd="sng" algn="ctr">
-                      <a:solidFill>
-                        <a:schemeClr val="tx1"/>
-                      </a:solidFill>
-                      <a:prstDash val="solid"/>
-                      <a:round/>
-                      <a:headEnd type="none" w="med" len="med"/>
-                      <a:tailEnd type="none" w="med" len="med"/>
-                    </a:lnB>
-                    <a:noFill/>
-                  </a:tcPr>
-                </a:tc>
-                <a:tc>
-                  <a:txBody>
-                    <a:bodyPr/>
-                    <a:lstStyle/>
-                    <a:p>
-                      <a:endParaRPr lang="en-VN"/>
-                    </a:p>
-                  </a:txBody>
-                  <a:tcPr>
-                    <a:lnL w="12700" cap="flat" cmpd="sng" algn="ctr">
-                      <a:solidFill>
-                        <a:schemeClr val="tx1"/>
-                      </a:solidFill>
-                      <a:prstDash val="solid"/>
-                      <a:round/>
-                      <a:headEnd type="none" w="med" len="med"/>
-                      <a:tailEnd type="none" w="med" len="med"/>
-                    </a:lnL>
-                    <a:lnR w="12700" cap="flat" cmpd="sng" algn="ctr">
-                      <a:solidFill>
-                        <a:schemeClr val="tx1"/>
-                      </a:solidFill>
-                      <a:prstDash val="solid"/>
-                      <a:round/>
-                      <a:headEnd type="none" w="med" len="med"/>
-                      <a:tailEnd type="none" w="med" len="med"/>
-                    </a:lnR>
-                    <a:lnT w="12700" cap="flat" cmpd="sng" algn="ctr">
-                      <a:solidFill>
-                        <a:schemeClr val="tx1"/>
-                      </a:solidFill>
-                      <a:prstDash val="solid"/>
-                      <a:round/>
-                      <a:headEnd type="none" w="med" len="med"/>
-                      <a:tailEnd type="none" w="med" len="med"/>
-                    </a:lnT>
-                    <a:lnB w="12700" cap="flat" cmpd="sng" algn="ctr">
-                      <a:solidFill>
-                        <a:schemeClr val="tx1"/>
-                      </a:solidFill>
-                      <a:prstDash val="solid"/>
-                      <a:round/>
-                      <a:headEnd type="none" w="med" len="med"/>
-                      <a:tailEnd type="none" w="med" len="med"/>
-                    </a:lnB>
-                    <a:noFill/>
-                  </a:tcPr>
-                </a:tc>
-                <a:tc>
-                  <a:txBody>
-                    <a:bodyPr/>
-                    <a:lstStyle/>
-                    <a:p>
-                      <a:endParaRPr lang="en-VN"/>
-                    </a:p>
-                  </a:txBody>
-                  <a:tcPr>
-                    <a:lnL w="12700" cap="flat" cmpd="sng" algn="ctr">
-                      <a:solidFill>
-                        <a:schemeClr val="tx1"/>
-                      </a:solidFill>
-                      <a:prstDash val="solid"/>
-                      <a:round/>
-                      <a:headEnd type="none" w="med" len="med"/>
-                      <a:tailEnd type="none" w="med" len="med"/>
-                    </a:lnL>
-                    <a:lnR w="12700" cap="flat" cmpd="sng" algn="ctr">
-                      <a:solidFill>
-                        <a:schemeClr val="tx1"/>
-                      </a:solidFill>
-                      <a:prstDash val="solid"/>
-                      <a:round/>
-                      <a:headEnd type="none" w="med" len="med"/>
-                      <a:tailEnd type="none" w="med" len="med"/>
-                    </a:lnR>
-                    <a:lnT w="12700" cap="flat" cmpd="sng" algn="ctr">
-                      <a:solidFill>
-                        <a:schemeClr val="tx1"/>
-                      </a:solidFill>
-                      <a:prstDash val="solid"/>
-                      <a:round/>
-                      <a:headEnd type="none" w="med" len="med"/>
-                      <a:tailEnd type="none" w="med" len="med"/>
-                    </a:lnT>
-                    <a:lnB w="12700" cap="flat" cmpd="sng" algn="ctr">
-                      <a:solidFill>
-                        <a:schemeClr val="tx1"/>
-                      </a:solidFill>
-                      <a:prstDash val="solid"/>
-                      <a:round/>
-                      <a:headEnd type="none" w="med" len="med"/>
-                      <a:tailEnd type="none" w="med" len="med"/>
-                    </a:lnB>
-                    <a:noFill/>
-                  </a:tcPr>
-                </a:tc>
-                <a:tc>
-                  <a:txBody>
-                    <a:bodyPr/>
-                    <a:lstStyle/>
-                    <a:p>
-                      <a:endParaRPr lang="en-VN"/>
-                    </a:p>
-                  </a:txBody>
-                  <a:tcPr>
-                    <a:lnL w="12700" cap="flat" cmpd="sng" algn="ctr">
-                      <a:solidFill>
-                        <a:schemeClr val="tx1"/>
-                      </a:solidFill>
-                      <a:prstDash val="solid"/>
-                      <a:round/>
-                      <a:headEnd type="none" w="med" len="med"/>
-                      <a:tailEnd type="none" w="med" len="med"/>
-                    </a:lnL>
-                    <a:lnR w="12700" cap="flat" cmpd="sng" algn="ctr">
-                      <a:solidFill>
-                        <a:schemeClr val="tx1"/>
-                      </a:solidFill>
-                      <a:prstDash val="solid"/>
-                      <a:round/>
-                      <a:headEnd type="none" w="med" len="med"/>
-                      <a:tailEnd type="none" w="med" len="med"/>
-                    </a:lnR>
-                    <a:lnT w="12700" cap="flat" cmpd="sng" algn="ctr">
-                      <a:solidFill>
-                        <a:schemeClr val="tx1"/>
-                      </a:solidFill>
-                      <a:prstDash val="solid"/>
-                      <a:round/>
-                      <a:headEnd type="none" w="med" len="med"/>
-                      <a:tailEnd type="none" w="med" len="med"/>
-                    </a:lnT>
-                    <a:lnB w="12700" cap="flat" cmpd="sng" algn="ctr">
-                      <a:solidFill>
-                        <a:schemeClr val="tx1"/>
-                      </a:solidFill>
-                      <a:prstDash val="solid"/>
-                      <a:round/>
-                      <a:headEnd type="none" w="med" len="med"/>
-                      <a:tailEnd type="none" w="med" len="med"/>
-                    </a:lnB>
-                    <a:noFill/>
-                  </a:tcPr>
-                </a:tc>
-                <a:tc>
-                  <a:txBody>
-                    <a:bodyPr/>
-                    <a:lstStyle/>
-                    <a:p>
-                      <a:endParaRPr lang="en-VN"/>
-                    </a:p>
-                  </a:txBody>
-                  <a:tcPr>
-                    <a:lnL w="12700" cap="flat" cmpd="sng" algn="ctr">
-                      <a:solidFill>
-                        <a:schemeClr val="tx1"/>
-                      </a:solidFill>
-                      <a:prstDash val="solid"/>
-                      <a:round/>
-                      <a:headEnd type="none" w="med" len="med"/>
-                      <a:tailEnd type="none" w="med" len="med"/>
-                    </a:lnL>
-                    <a:lnR w="12700" cap="flat" cmpd="sng" algn="ctr">
-                      <a:solidFill>
-                        <a:schemeClr val="tx1"/>
-                      </a:solidFill>
-                      <a:prstDash val="solid"/>
-                      <a:round/>
-                      <a:headEnd type="none" w="med" len="med"/>
-                      <a:tailEnd type="none" w="med" len="med"/>
-                    </a:lnR>
-                    <a:lnT w="12700" cap="flat" cmpd="sng" algn="ctr">
-                      <a:solidFill>
-                        <a:schemeClr val="tx1"/>
-                      </a:solidFill>
-                      <a:prstDash val="solid"/>
-                      <a:round/>
-                      <a:headEnd type="none" w="med" len="med"/>
-                      <a:tailEnd type="none" w="med" len="med"/>
-                    </a:lnT>
-                    <a:lnB w="12700" cap="flat" cmpd="sng" algn="ctr">
-                      <a:solidFill>
-                        <a:schemeClr val="tx1"/>
-                      </a:solidFill>
-                      <a:prstDash val="solid"/>
-                      <a:round/>
-                      <a:headEnd type="none" w="med" len="med"/>
-                      <a:tailEnd type="none" w="med" len="med"/>
-                    </a:lnB>
-                    <a:noFill/>
-                  </a:tcPr>
-                </a:tc>
-                <a:tc>
-                  <a:txBody>
-                    <a:bodyPr/>
-                    <a:lstStyle/>
-                    <a:p>
-                      <a:endParaRPr lang="en-VN"/>
-                    </a:p>
-                  </a:txBody>
-                  <a:tcPr>
-                    <a:lnL w="12700" cap="flat" cmpd="sng" algn="ctr">
-                      <a:solidFill>
-                        <a:schemeClr val="tx1"/>
-                      </a:solidFill>
-                      <a:prstDash val="solid"/>
-                      <a:round/>
-                      <a:headEnd type="none" w="med" len="med"/>
-                      <a:tailEnd type="none" w="med" len="med"/>
-                    </a:lnL>
-                    <a:lnR w="12700" cap="flat" cmpd="sng" algn="ctr">
-                      <a:solidFill>
-                        <a:schemeClr val="tx1"/>
-                      </a:solidFill>
-                      <a:prstDash val="solid"/>
-                      <a:round/>
-                      <a:headEnd type="none" w="med" len="med"/>
-                      <a:tailEnd type="none" w="med" len="med"/>
-                    </a:lnR>
-                    <a:lnT w="12700" cap="flat" cmpd="sng" algn="ctr">
-                      <a:solidFill>
-                        <a:schemeClr val="tx1"/>
-                      </a:solidFill>
-                      <a:prstDash val="solid"/>
-                      <a:round/>
-                      <a:headEnd type="none" w="med" len="med"/>
-                      <a:tailEnd type="none" w="med" len="med"/>
-                    </a:lnT>
-                    <a:lnB w="12700" cap="flat" cmpd="sng" algn="ctr">
-                      <a:solidFill>
-                        <a:schemeClr val="tx1"/>
-                      </a:solidFill>
-                      <a:prstDash val="solid"/>
-                      <a:round/>
-                      <a:headEnd type="none" w="med" len="med"/>
-                      <a:tailEnd type="none" w="med" len="med"/>
-                    </a:lnB>
-                    <a:noFill/>
-                  </a:tcPr>
-                </a:tc>
-                <a:tc>
-                  <a:txBody>
-                    <a:bodyPr/>
-                    <a:lstStyle/>
-                    <a:p>
-                      <a:endParaRPr lang="en-VN"/>
-                    </a:p>
-                  </a:txBody>
-                  <a:tcPr>
-                    <a:lnL w="12700" cap="flat" cmpd="sng" algn="ctr">
-                      <a:solidFill>
-                        <a:schemeClr val="tx1"/>
-                      </a:solidFill>
-                      <a:prstDash val="solid"/>
-                      <a:round/>
-                      <a:headEnd type="none" w="med" len="med"/>
-                      <a:tailEnd type="none" w="med" len="med"/>
-                    </a:lnL>
-                    <a:lnR w="12700" cap="flat" cmpd="sng" algn="ctr">
-                      <a:solidFill>
-                        <a:schemeClr val="tx1"/>
-                      </a:solidFill>
-                      <a:prstDash val="solid"/>
-                      <a:round/>
-                      <a:headEnd type="none" w="med" len="med"/>
-                      <a:tailEnd type="none" w="med" len="med"/>
-                    </a:lnR>
-                    <a:lnT w="12700" cap="flat" cmpd="sng" algn="ctr">
-                      <a:solidFill>
-                        <a:schemeClr val="tx1"/>
-                      </a:solidFill>
-                      <a:prstDash val="solid"/>
-                      <a:round/>
-                      <a:headEnd type="none" w="med" len="med"/>
-                      <a:tailEnd type="none" w="med" len="med"/>
-                    </a:lnT>
-                    <a:lnB w="12700" cap="flat" cmpd="sng" algn="ctr">
-                      <a:solidFill>
-                        <a:schemeClr val="tx1"/>
-                      </a:solidFill>
-                      <a:prstDash val="solid"/>
-                      <a:round/>
-                      <a:headEnd type="none" w="med" len="med"/>
-                      <a:tailEnd type="none" w="med" len="med"/>
-                    </a:lnB>
-                    <a:noFill/>
-                  </a:tcPr>
-                </a:tc>
-                <a:extLst>
-                  <a:ext uri="{0D108BD9-81ED-4DB2-BD59-A6C34878D82A}">
-                    <a16:rowId xmlns:a16="http://schemas.microsoft.com/office/drawing/2014/main" val="1603668866"/>
-                  </a:ext>
-                </a:extLst>
-              </a:tr>
-            </a:tbl>
-          </a:graphicData>
-        </a:graphic>
-      </p:graphicFrame>
-      <p:sp>
-        <p:nvSpPr>
-          <p:cNvPr id="51" name="Oval 50">
-            <a:extLst>
-              <a:ext uri="{FF2B5EF4-FFF2-40B4-BE49-F238E27FC236}">
-                <a16:creationId xmlns:a16="http://schemas.microsoft.com/office/drawing/2014/main" id="{6A6FA57C-FEE9-B8D2-442C-EF610B2865C1}"/>
-              </a:ext>
-            </a:extLst>
-          </p:cNvPr>
-          <p:cNvSpPr/>
-          <p:nvPr/>
-        </p:nvSpPr>
-        <p:spPr>
-          <a:xfrm>
-            <a:off x="7324489" y="2203744"/>
-            <a:ext cx="239486" cy="236764"/>
-          </a:xfrm>
-          <a:prstGeom prst="ellipse">
-            <a:avLst/>
-          </a:prstGeom>
-          <a:ln>
-            <a:noFill/>
-          </a:ln>
-        </p:spPr>
-        <p:style>
-          <a:lnRef idx="2">
-            <a:schemeClr val="accent1">
-              <a:shade val="50000"/>
-            </a:schemeClr>
-          </a:lnRef>
-          <a:fillRef idx="1">
-            <a:schemeClr val="accent1"/>
-          </a:fillRef>
-          <a:effectRef idx="0">
-            <a:schemeClr val="accent1"/>
-          </a:effectRef>
-          <a:fontRef idx="minor">
-            <a:schemeClr val="lt1"/>
-          </a:fontRef>
-        </p:style>
-        <p:txBody>
-          <a:bodyPr rtlCol="0" anchor="ctr"/>
-          <a:lstStyle/>
-          <a:p>
-            <a:pPr algn="ctr"/>
-            <a:endParaRPr lang="en-VN"/>
-          </a:p>
-        </p:txBody>
-      </p:sp>
-      <p:sp>
-        <p:nvSpPr>
-          <p:cNvPr id="52" name="Rectangle 51">
-            <a:extLst>
-              <a:ext uri="{FF2B5EF4-FFF2-40B4-BE49-F238E27FC236}">
-                <a16:creationId xmlns:a16="http://schemas.microsoft.com/office/drawing/2014/main" id="{2821AD92-1E05-9A56-5822-04DDF1C73C63}"/>
-              </a:ext>
-            </a:extLst>
-          </p:cNvPr>
-          <p:cNvSpPr/>
-          <p:nvPr/>
-        </p:nvSpPr>
-        <p:spPr>
-          <a:xfrm>
-            <a:off x="7955861" y="1173685"/>
-            <a:ext cx="195943" cy="195943"/>
-          </a:xfrm>
-          <a:prstGeom prst="rect">
-            <a:avLst/>
-          </a:prstGeom>
-          <a:ln>
-            <a:noFill/>
-          </a:ln>
-        </p:spPr>
-        <p:style>
-          <a:lnRef idx="2">
-            <a:schemeClr val="accent1">
-              <a:shade val="50000"/>
-            </a:schemeClr>
-          </a:lnRef>
-          <a:fillRef idx="1">
-            <a:schemeClr val="accent1"/>
-          </a:fillRef>
-          <a:effectRef idx="0">
-            <a:schemeClr val="accent1"/>
-          </a:effectRef>
-          <a:fontRef idx="minor">
-            <a:schemeClr val="lt1"/>
-          </a:fontRef>
-        </p:style>
-        <p:txBody>
-          <a:bodyPr rtlCol="0" anchor="ctr"/>
-          <a:lstStyle/>
-          <a:p>
-            <a:pPr algn="ctr"/>
-            <a:endParaRPr lang="en-VN"/>
-          </a:p>
-        </p:txBody>
-      </p:sp>
-      <p:sp>
-        <p:nvSpPr>
-          <p:cNvPr id="53" name="Rectangle 52">
-            <a:extLst>
-              <a:ext uri="{FF2B5EF4-FFF2-40B4-BE49-F238E27FC236}">
-                <a16:creationId xmlns:a16="http://schemas.microsoft.com/office/drawing/2014/main" id="{81889E68-4218-E6E7-9577-63519EC82364}"/>
-              </a:ext>
-            </a:extLst>
-          </p:cNvPr>
-          <p:cNvSpPr/>
-          <p:nvPr/>
-        </p:nvSpPr>
-        <p:spPr>
-          <a:xfrm>
-            <a:off x="7942256" y="1682894"/>
-            <a:ext cx="195943" cy="195943"/>
-          </a:xfrm>
-          <a:prstGeom prst="rect">
-            <a:avLst/>
-          </a:prstGeom>
-          <a:ln>
-            <a:noFill/>
-          </a:ln>
-        </p:spPr>
-        <p:style>
-          <a:lnRef idx="2">
-            <a:schemeClr val="accent1">
-              <a:shade val="50000"/>
-            </a:schemeClr>
-          </a:lnRef>
-          <a:fillRef idx="1">
-            <a:schemeClr val="accent1"/>
-          </a:fillRef>
-          <a:effectRef idx="0">
-            <a:schemeClr val="accent1"/>
-          </a:effectRef>
-          <a:fontRef idx="minor">
-            <a:schemeClr val="lt1"/>
-          </a:fontRef>
-        </p:style>
-        <p:txBody>
-          <a:bodyPr rtlCol="0" anchor="ctr"/>
-          <a:lstStyle/>
-          <a:p>
-            <a:pPr algn="ctr"/>
-            <a:endParaRPr lang="en-VN"/>
-          </a:p>
-        </p:txBody>
-      </p:sp>
-      <p:sp>
-        <p:nvSpPr>
-          <p:cNvPr id="54" name="Oval 53">
-            <a:extLst>
-              <a:ext uri="{FF2B5EF4-FFF2-40B4-BE49-F238E27FC236}">
-                <a16:creationId xmlns:a16="http://schemas.microsoft.com/office/drawing/2014/main" id="{F79BB969-A87F-72C3-91C9-057027EB0F7D}"/>
-              </a:ext>
-            </a:extLst>
-          </p:cNvPr>
-          <p:cNvSpPr/>
-          <p:nvPr/>
-        </p:nvSpPr>
-        <p:spPr>
-          <a:xfrm>
-            <a:off x="8505591" y="1154633"/>
-            <a:ext cx="239486" cy="236764"/>
-          </a:xfrm>
-          <a:prstGeom prst="ellipse">
-            <a:avLst/>
-          </a:prstGeom>
-          <a:solidFill>
-            <a:schemeClr val="accent2"/>
-          </a:solidFill>
-          <a:ln>
-            <a:noFill/>
-          </a:ln>
-        </p:spPr>
-        <p:style>
-          <a:lnRef idx="2">
-            <a:schemeClr val="accent1">
-              <a:shade val="50000"/>
-            </a:schemeClr>
-          </a:lnRef>
-          <a:fillRef idx="1">
-            <a:schemeClr val="accent1"/>
-          </a:fillRef>
-          <a:effectRef idx="0">
-            <a:schemeClr val="accent1"/>
-          </a:effectRef>
-          <a:fontRef idx="minor">
-            <a:schemeClr val="lt1"/>
-          </a:fontRef>
-        </p:style>
-        <p:txBody>
-          <a:bodyPr rtlCol="0" anchor="ctr"/>
-          <a:lstStyle/>
-          <a:p>
-            <a:pPr algn="ctr"/>
-            <a:endParaRPr lang="en-VN"/>
-          </a:p>
-        </p:txBody>
-      </p:sp>
-      <p:sp>
-        <p:nvSpPr>
-          <p:cNvPr id="56" name="Rectangle 55">
-            <a:extLst>
-              <a:ext uri="{FF2B5EF4-FFF2-40B4-BE49-F238E27FC236}">
-                <a16:creationId xmlns:a16="http://schemas.microsoft.com/office/drawing/2014/main" id="{140AF351-A1DF-06C5-E144-E9F34C1C3338}"/>
-              </a:ext>
-            </a:extLst>
-          </p:cNvPr>
-          <p:cNvSpPr/>
-          <p:nvPr/>
-        </p:nvSpPr>
-        <p:spPr>
-          <a:xfrm>
-            <a:off x="9742027" y="156474"/>
-            <a:ext cx="195943" cy="195943"/>
-          </a:xfrm>
-          <a:prstGeom prst="rect">
-            <a:avLst/>
-          </a:prstGeom>
-          <a:solidFill>
-            <a:schemeClr val="accent2"/>
-          </a:solidFill>
-          <a:ln>
-            <a:noFill/>
-          </a:ln>
-        </p:spPr>
-        <p:style>
-          <a:lnRef idx="2">
-            <a:schemeClr val="accent1">
-              <a:shade val="50000"/>
-            </a:schemeClr>
-          </a:lnRef>
-          <a:fillRef idx="1">
-            <a:schemeClr val="accent1"/>
-          </a:fillRef>
-          <a:effectRef idx="0">
-            <a:schemeClr val="accent1"/>
-          </a:effectRef>
-          <a:fontRef idx="minor">
-            <a:schemeClr val="lt1"/>
-          </a:fontRef>
-        </p:style>
-        <p:txBody>
-          <a:bodyPr rtlCol="0" anchor="ctr"/>
-          <a:lstStyle/>
-          <a:p>
-            <a:pPr algn="ctr"/>
-            <a:endParaRPr lang="en-VN"/>
-          </a:p>
-        </p:txBody>
-      </p:sp>
-      <p:sp>
-        <p:nvSpPr>
-          <p:cNvPr id="57" name="Rectangle 56">
-            <a:extLst>
-              <a:ext uri="{FF2B5EF4-FFF2-40B4-BE49-F238E27FC236}">
-                <a16:creationId xmlns:a16="http://schemas.microsoft.com/office/drawing/2014/main" id="{66EAEA34-2DE2-FF9B-7B4A-A569CB21C98E}"/>
-              </a:ext>
-            </a:extLst>
-          </p:cNvPr>
-          <p:cNvSpPr/>
-          <p:nvPr/>
-        </p:nvSpPr>
-        <p:spPr>
-          <a:xfrm>
-            <a:off x="9742027" y="683827"/>
-            <a:ext cx="195943" cy="195943"/>
-          </a:xfrm>
-          <a:prstGeom prst="rect">
-            <a:avLst/>
-          </a:prstGeom>
-          <a:solidFill>
-            <a:schemeClr val="accent2"/>
-          </a:solidFill>
-          <a:ln>
-            <a:noFill/>
-          </a:ln>
-        </p:spPr>
-        <p:style>
-          <a:lnRef idx="2">
-            <a:schemeClr val="accent1">
-              <a:shade val="50000"/>
-            </a:schemeClr>
-          </a:lnRef>
-          <a:fillRef idx="1">
-            <a:schemeClr val="accent1"/>
-          </a:fillRef>
-          <a:effectRef idx="0">
-            <a:schemeClr val="accent1"/>
-          </a:effectRef>
-          <a:fontRef idx="minor">
-            <a:schemeClr val="lt1"/>
-          </a:fontRef>
-        </p:style>
-        <p:txBody>
-          <a:bodyPr rtlCol="0" anchor="ctr"/>
-          <a:lstStyle/>
-          <a:p>
-            <a:pPr algn="ctr"/>
-            <a:endParaRPr lang="en-VN"/>
-          </a:p>
-        </p:txBody>
-      </p:sp>
-      <p:sp>
-        <p:nvSpPr>
-          <p:cNvPr id="58" name="Oval 57">
-            <a:extLst>
-              <a:ext uri="{FF2B5EF4-FFF2-40B4-BE49-F238E27FC236}">
-                <a16:creationId xmlns:a16="http://schemas.microsoft.com/office/drawing/2014/main" id="{FCA2CAA6-72B3-8127-3697-85A961E6AE9A}"/>
-              </a:ext>
-            </a:extLst>
-          </p:cNvPr>
-          <p:cNvSpPr/>
-          <p:nvPr/>
-        </p:nvSpPr>
-        <p:spPr>
-          <a:xfrm>
-            <a:off x="6105294" y="3237886"/>
-            <a:ext cx="239486" cy="236764"/>
-          </a:xfrm>
-          <a:prstGeom prst="ellipse">
-            <a:avLst/>
-          </a:prstGeom>
-          <a:solidFill>
-            <a:schemeClr val="accent6"/>
-          </a:solidFill>
-          <a:ln>
-            <a:noFill/>
-          </a:ln>
-        </p:spPr>
-        <p:style>
-          <a:lnRef idx="2">
-            <a:schemeClr val="accent1">
-              <a:shade val="50000"/>
-            </a:schemeClr>
-          </a:lnRef>
-          <a:fillRef idx="1">
-            <a:schemeClr val="accent1"/>
-          </a:fillRef>
-          <a:effectRef idx="0">
-            <a:schemeClr val="accent1"/>
-          </a:effectRef>
-          <a:fontRef idx="minor">
-            <a:schemeClr val="lt1"/>
-          </a:fontRef>
-        </p:style>
-        <p:txBody>
-          <a:bodyPr rtlCol="0" anchor="ctr"/>
-          <a:lstStyle/>
-          <a:p>
-            <a:pPr algn="ctr"/>
-            <a:endParaRPr lang="en-VN"/>
-          </a:p>
-        </p:txBody>
-      </p:sp>
-      <p:sp>
-        <p:nvSpPr>
-          <p:cNvPr id="59" name="Rectangle 58">
-            <a:extLst>
-              <a:ext uri="{FF2B5EF4-FFF2-40B4-BE49-F238E27FC236}">
-                <a16:creationId xmlns:a16="http://schemas.microsoft.com/office/drawing/2014/main" id="{3FE5B6D7-ACBE-3478-BF63-D9B9D2D65AD5}"/>
-              </a:ext>
-            </a:extLst>
-          </p:cNvPr>
-          <p:cNvSpPr/>
-          <p:nvPr/>
-        </p:nvSpPr>
-        <p:spPr>
-          <a:xfrm>
-            <a:off x="5552843" y="3266049"/>
-            <a:ext cx="195943" cy="195943"/>
-          </a:xfrm>
-          <a:prstGeom prst="rect">
-            <a:avLst/>
-          </a:prstGeom>
-          <a:solidFill>
-            <a:schemeClr val="accent6"/>
-          </a:solidFill>
-          <a:ln>
-            <a:noFill/>
-          </a:ln>
-        </p:spPr>
-        <p:style>
-          <a:lnRef idx="2">
-            <a:schemeClr val="accent1">
-              <a:shade val="50000"/>
-            </a:schemeClr>
-          </a:lnRef>
-          <a:fillRef idx="1">
-            <a:schemeClr val="accent1"/>
-          </a:fillRef>
-          <a:effectRef idx="0">
-            <a:schemeClr val="accent1"/>
-          </a:effectRef>
-          <a:fontRef idx="minor">
-            <a:schemeClr val="lt1"/>
-          </a:fontRef>
-        </p:style>
-        <p:txBody>
-          <a:bodyPr rtlCol="0" anchor="ctr"/>
-          <a:lstStyle/>
-          <a:p>
-            <a:pPr algn="ctr"/>
-            <a:endParaRPr lang="en-VN"/>
-          </a:p>
-        </p:txBody>
-      </p:sp>
-      <p:sp>
-        <p:nvSpPr>
-          <p:cNvPr id="60" name="Rectangle 59">
-            <a:extLst>
-              <a:ext uri="{FF2B5EF4-FFF2-40B4-BE49-F238E27FC236}">
-                <a16:creationId xmlns:a16="http://schemas.microsoft.com/office/drawing/2014/main" id="{E4B14F14-2A82-899D-FA73-5AAC0ECA7C5D}"/>
-              </a:ext>
-            </a:extLst>
-          </p:cNvPr>
-          <p:cNvSpPr/>
-          <p:nvPr/>
-        </p:nvSpPr>
-        <p:spPr>
-          <a:xfrm>
-            <a:off x="5552843" y="3738217"/>
-            <a:ext cx="195943" cy="195943"/>
-          </a:xfrm>
-          <a:prstGeom prst="rect">
-            <a:avLst/>
-          </a:prstGeom>
-          <a:solidFill>
-            <a:schemeClr val="accent6"/>
-          </a:solidFill>
-          <a:ln>
-            <a:noFill/>
-          </a:ln>
-        </p:spPr>
-        <p:style>
-          <a:lnRef idx="2">
-            <a:schemeClr val="accent1">
-              <a:shade val="50000"/>
-            </a:schemeClr>
-          </a:lnRef>
-          <a:fillRef idx="1">
-            <a:schemeClr val="accent1"/>
-          </a:fillRef>
-          <a:effectRef idx="0">
-            <a:schemeClr val="accent1"/>
-          </a:effectRef>
-          <a:fontRef idx="minor">
-            <a:schemeClr val="lt1"/>
-          </a:fontRef>
-        </p:style>
-        <p:txBody>
-          <a:bodyPr rtlCol="0" anchor="ctr"/>
-          <a:lstStyle/>
-          <a:p>
-            <a:pPr algn="ctr"/>
-            <a:endParaRPr lang="en-VN"/>
-          </a:p>
-        </p:txBody>
-      </p:sp>
-      <p:cxnSp>
-        <p:nvCxnSpPr>
-          <p:cNvPr id="62" name="Straight Arrow Connector 61">
-            <a:extLst>
-              <a:ext uri="{FF2B5EF4-FFF2-40B4-BE49-F238E27FC236}">
-                <a16:creationId xmlns:a16="http://schemas.microsoft.com/office/drawing/2014/main" id="{5ABE1053-C029-C943-0107-AD3FB1E6BAE4}"/>
-              </a:ext>
-            </a:extLst>
-          </p:cNvPr>
-          <p:cNvCxnSpPr>
-            <a:cxnSpLocks/>
-          </p:cNvCxnSpPr>
-          <p:nvPr/>
-        </p:nvCxnSpPr>
-        <p:spPr>
-          <a:xfrm flipV="1">
-            <a:off x="66121" y="1777129"/>
-            <a:ext cx="0" cy="4676410"/>
-          </a:xfrm>
-          <a:prstGeom prst="straightConnector1">
-            <a:avLst/>
-          </a:prstGeom>
-          <a:ln>
-            <a:solidFill>
-              <a:schemeClr val="tx1"/>
-            </a:solidFill>
-            <a:tailEnd type="triangle"/>
-          </a:ln>
-        </p:spPr>
-        <p:style>
-          <a:lnRef idx="1">
-            <a:schemeClr val="accent1"/>
-          </a:lnRef>
-          <a:fillRef idx="0">
-            <a:schemeClr val="accent1"/>
-          </a:fillRef>
-          <a:effectRef idx="0">
-            <a:schemeClr val="accent1"/>
-          </a:effectRef>
-          <a:fontRef idx="minor">
-            <a:schemeClr val="tx1"/>
-          </a:fontRef>
-        </p:style>
-      </p:cxnSp>
-      <p:cxnSp>
-        <p:nvCxnSpPr>
-          <p:cNvPr id="65" name="Straight Arrow Connector 64">
-            <a:extLst>
-              <a:ext uri="{FF2B5EF4-FFF2-40B4-BE49-F238E27FC236}">
-                <a16:creationId xmlns:a16="http://schemas.microsoft.com/office/drawing/2014/main" id="{886ABE7E-E857-6A26-4A36-DDB7773F2918}"/>
-              </a:ext>
-            </a:extLst>
-          </p:cNvPr>
-          <p:cNvCxnSpPr>
-            <a:cxnSpLocks/>
-          </p:cNvCxnSpPr>
-          <p:nvPr/>
-        </p:nvCxnSpPr>
-        <p:spPr>
-          <a:xfrm>
-            <a:off x="66121" y="6453539"/>
-            <a:ext cx="6194278" cy="0"/>
-          </a:xfrm>
-          <a:prstGeom prst="straightConnector1">
-            <a:avLst/>
-          </a:prstGeom>
-          <a:ln>
-            <a:solidFill>
-              <a:schemeClr val="tx1"/>
-            </a:solidFill>
-            <a:tailEnd type="triangle"/>
-          </a:ln>
-        </p:spPr>
-        <p:style>
-          <a:lnRef idx="1">
-            <a:schemeClr val="accent1"/>
-          </a:lnRef>
-          <a:fillRef idx="0">
-            <a:schemeClr val="accent1"/>
-          </a:fillRef>
-          <a:effectRef idx="0">
-            <a:schemeClr val="accent1"/>
-          </a:effectRef>
-          <a:fontRef idx="minor">
-            <a:schemeClr val="tx1"/>
-          </a:fontRef>
-        </p:style>
-      </p:cxnSp>
-      <p:sp>
-        <p:nvSpPr>
-          <p:cNvPr id="78" name="TextBox 77">
-            <a:extLst>
-              <a:ext uri="{FF2B5EF4-FFF2-40B4-BE49-F238E27FC236}">
-                <a16:creationId xmlns:a16="http://schemas.microsoft.com/office/drawing/2014/main" id="{416A1791-F14D-EB83-1635-FC4B1819F73B}"/>
-              </a:ext>
-            </a:extLst>
-          </p:cNvPr>
-          <p:cNvSpPr txBox="1"/>
-          <p:nvPr/>
-        </p:nvSpPr>
-        <p:spPr>
-          <a:xfrm>
-            <a:off x="164092" y="1644715"/>
-            <a:ext cx="859972" cy="276999"/>
-          </a:xfrm>
-          <a:prstGeom prst="rect">
-            <a:avLst/>
-          </a:prstGeom>
-          <a:noFill/>
-        </p:spPr>
-        <p:txBody>
-          <a:bodyPr wrap="square" rtlCol="0">
-            <a:spAutoFit/>
-          </a:bodyPr>
-          <a:lstStyle/>
-          <a:p>
-            <a:r>
-              <a:rPr lang="en-VN" sz="1200"/>
-              <a:t>Cấp xử lý</a:t>
-            </a:r>
-          </a:p>
-        </p:txBody>
-      </p:sp>
-      <p:sp>
-        <p:nvSpPr>
-          <p:cNvPr id="79" name="TextBox 78">
-            <a:extLst>
-              <a:ext uri="{FF2B5EF4-FFF2-40B4-BE49-F238E27FC236}">
-                <a16:creationId xmlns:a16="http://schemas.microsoft.com/office/drawing/2014/main" id="{8E4DED2D-5936-25B8-7802-9FC93E549DFB}"/>
-              </a:ext>
-            </a:extLst>
-          </p:cNvPr>
-          <p:cNvSpPr txBox="1"/>
-          <p:nvPr/>
-        </p:nvSpPr>
-        <p:spPr>
-          <a:xfrm>
-            <a:off x="5051629" y="6534150"/>
-            <a:ext cx="1540788" cy="276999"/>
-          </a:xfrm>
-          <a:prstGeom prst="rect">
-            <a:avLst/>
-          </a:prstGeom>
-          <a:noFill/>
-        </p:spPr>
-        <p:txBody>
-          <a:bodyPr wrap="square" rtlCol="0">
-            <a:spAutoFit/>
-          </a:bodyPr>
-          <a:lstStyle/>
-          <a:p>
-            <a:r>
-              <a:rPr lang="en-VN" sz="1200"/>
-              <a:t>Thứ tự ưu tiên xử lý</a:t>
-            </a:r>
-          </a:p>
-        </p:txBody>
-      </p:sp>
-      <p:sp>
-        <p:nvSpPr>
-          <p:cNvPr id="80" name="Rectangle 79">
-            <a:extLst>
-              <a:ext uri="{FF2B5EF4-FFF2-40B4-BE49-F238E27FC236}">
-                <a16:creationId xmlns:a16="http://schemas.microsoft.com/office/drawing/2014/main" id="{9B7DE537-255A-4986-DE23-029004EDF67F}"/>
-              </a:ext>
-            </a:extLst>
-          </p:cNvPr>
-          <p:cNvSpPr/>
-          <p:nvPr/>
-        </p:nvSpPr>
-        <p:spPr>
-          <a:xfrm>
-            <a:off x="7953101" y="2724897"/>
-            <a:ext cx="195943" cy="195943"/>
-          </a:xfrm>
-          <a:prstGeom prst="rect">
-            <a:avLst/>
-          </a:prstGeom>
-          <a:ln>
-            <a:noFill/>
-          </a:ln>
-        </p:spPr>
-        <p:style>
-          <a:lnRef idx="2">
-            <a:schemeClr val="accent1">
-              <a:shade val="50000"/>
-            </a:schemeClr>
-          </a:lnRef>
-          <a:fillRef idx="1">
-            <a:schemeClr val="accent1"/>
-          </a:fillRef>
-          <a:effectRef idx="0">
-            <a:schemeClr val="accent1"/>
-          </a:effectRef>
-          <a:fontRef idx="minor">
-            <a:schemeClr val="lt1"/>
-          </a:fontRef>
-        </p:style>
-        <p:txBody>
-          <a:bodyPr rtlCol="0" anchor="ctr"/>
-          <a:lstStyle/>
-          <a:p>
-            <a:pPr algn="ctr"/>
-            <a:endParaRPr lang="en-VN"/>
-          </a:p>
-        </p:txBody>
-      </p:sp>
-      <mc:AlternateContent xmlns:mc="http://schemas.openxmlformats.org/markup-compatibility/2006" xmlns:a14="http://schemas.microsoft.com/office/drawing/2010/main">
-        <mc:Choice Requires="a14">
-          <p:sp>
-            <p:nvSpPr>
-              <p:cNvPr id="81" name="TextBox 80">
-                <a:extLst>
-                  <a:ext uri="{FF2B5EF4-FFF2-40B4-BE49-F238E27FC236}">
-                    <a16:creationId xmlns:a16="http://schemas.microsoft.com/office/drawing/2014/main" id="{43C2BD1B-4776-CFBB-47AC-3949679CFD49}"/>
-                  </a:ext>
-                </a:extLst>
-              </p:cNvPr>
-              <p:cNvSpPr txBox="1"/>
-              <p:nvPr/>
-            </p:nvSpPr>
-            <p:spPr>
-              <a:xfrm rot="5400000">
-                <a:off x="1720913" y="1393411"/>
-                <a:ext cx="335928" cy="369332"/>
-              </a:xfrm>
-              <a:prstGeom prst="rect">
-                <a:avLst/>
-              </a:prstGeom>
-              <a:noFill/>
-            </p:spPr>
-            <p:txBody>
-              <a:bodyPr wrap="square" rtlCol="0">
-                <a:spAutoFit/>
-              </a:bodyPr>
-              <a:lstStyle/>
-              <a:p>
-                <a:pPr/>
-                <a14:m>
-                  <m:oMathPara xmlns:m="http://schemas.openxmlformats.org/officeDocument/2006/math">
-                    <m:oMathParaPr>
-                      <m:jc m:val="centerGroup"/>
-                    </m:oMathParaPr>
-                    <m:oMath xmlns:m="http://schemas.openxmlformats.org/officeDocument/2006/math">
-                      <m:r>
-                        <a:rPr lang="vi-VN" b="0" i="1">
-                          <a:latin typeface="Cambria Math" panose="02040503050406030204" pitchFamily="18" charset="0"/>
-                        </a:rPr>
-                        <m:t>⇒</m:t>
-                      </m:r>
-                    </m:oMath>
-                  </m:oMathPara>
-                </a14:m>
-                <a:endParaRPr lang="en-VN"/>
-              </a:p>
-            </p:txBody>
-          </p:sp>
-        </mc:Choice>
-        <mc:Fallback xmlns="">
-          <p:sp>
-            <p:nvSpPr>
-              <p:cNvPr id="81" name="TextBox 80">
-                <a:extLst>
-                  <a:ext uri="{FF2B5EF4-FFF2-40B4-BE49-F238E27FC236}">
-                    <a16:creationId xmlns:a16="http://schemas.microsoft.com/office/drawing/2014/main" id="{43C2BD1B-4776-CFBB-47AC-3949679CFD49}"/>
-                  </a:ext>
-                </a:extLst>
-              </p:cNvPr>
-              <p:cNvSpPr txBox="1">
-                <a:spLocks noRot="1" noChangeAspect="1" noMove="1" noResize="1" noEditPoints="1" noAdjustHandles="1" noChangeArrowheads="1" noChangeShapeType="1" noTextEdit="1"/>
-              </p:cNvSpPr>
-              <p:nvPr/>
-            </p:nvSpPr>
-            <p:spPr>
-              <a:xfrm rot="5400000">
-                <a:off x="1720913" y="1393411"/>
-                <a:ext cx="335928" cy="369332"/>
-              </a:xfrm>
-              <a:prstGeom prst="rect">
-                <a:avLst/>
-              </a:prstGeom>
-              <a:blipFill>
-                <a:blip r:embed="rId2"/>
-                <a:stretch>
-                  <a:fillRect b="-7143"/>
-                </a:stretch>
-              </a:blipFill>
-            </p:spPr>
-            <p:txBody>
-              <a:bodyPr/>
-              <a:lstStyle/>
-              <a:p>
-                <a:r>
-                  <a:rPr lang="en-VN">
-                    <a:noFill/>
-                  </a:rPr>
-                  <a:t> </a:t>
-                </a:r>
-              </a:p>
-            </p:txBody>
-          </p:sp>
-        </mc:Fallback>
-      </mc:AlternateContent>
-      <p:sp>
-        <p:nvSpPr>
-          <p:cNvPr id="82" name="TextBox 81">
-            <a:extLst>
-              <a:ext uri="{FF2B5EF4-FFF2-40B4-BE49-F238E27FC236}">
-                <a16:creationId xmlns:a16="http://schemas.microsoft.com/office/drawing/2014/main" id="{C60DCF46-6A7F-DBEB-E846-6E2765431DEA}"/>
-              </a:ext>
-            </a:extLst>
-          </p:cNvPr>
-          <p:cNvSpPr txBox="1"/>
-          <p:nvPr/>
-        </p:nvSpPr>
-        <p:spPr>
-          <a:xfrm>
-            <a:off x="2738459" y="708188"/>
-            <a:ext cx="1041210" cy="461665"/>
-          </a:xfrm>
-          <a:prstGeom prst="rect">
-            <a:avLst/>
-          </a:prstGeom>
-          <a:noFill/>
-        </p:spPr>
-        <p:txBody>
-          <a:bodyPr wrap="square" rtlCol="0">
-            <a:spAutoFit/>
-          </a:bodyPr>
-          <a:lstStyle/>
-          <a:p>
-            <a:r>
-              <a:rPr lang="en-VN" sz="1200"/>
-              <a:t>Request queue</a:t>
-            </a:r>
-          </a:p>
-        </p:txBody>
-      </p:sp>
-      <p:sp>
-        <p:nvSpPr>
-          <p:cNvPr id="83" name="Rectangle 82">
-            <a:extLst>
-              <a:ext uri="{FF2B5EF4-FFF2-40B4-BE49-F238E27FC236}">
-                <a16:creationId xmlns:a16="http://schemas.microsoft.com/office/drawing/2014/main" id="{1E998152-4FBC-53D5-9544-9610E9BC103C}"/>
-              </a:ext>
-            </a:extLst>
-          </p:cNvPr>
-          <p:cNvSpPr/>
-          <p:nvPr/>
-        </p:nvSpPr>
-        <p:spPr>
-          <a:xfrm>
-            <a:off x="190314" y="4026929"/>
-            <a:ext cx="869121" cy="276997"/>
-          </a:xfrm>
-          <a:prstGeom prst="rect">
-            <a:avLst/>
-          </a:prstGeom>
-          <a:noFill/>
-          <a:ln>
-            <a:solidFill>
-              <a:schemeClr val="tx1"/>
-            </a:solidFill>
-          </a:ln>
-        </p:spPr>
-        <p:style>
-          <a:lnRef idx="2">
-            <a:schemeClr val="accent1">
-              <a:shade val="50000"/>
-            </a:schemeClr>
-          </a:lnRef>
-          <a:fillRef idx="1">
-            <a:schemeClr val="accent1"/>
-          </a:fillRef>
-          <a:effectRef idx="0">
-            <a:schemeClr val="accent1"/>
-          </a:effectRef>
-          <a:fontRef idx="minor">
-            <a:schemeClr val="lt1"/>
-          </a:fontRef>
-        </p:style>
-        <p:txBody>
-          <a:bodyPr rtlCol="0" anchor="ctr"/>
-          <a:lstStyle/>
-          <a:p>
-            <a:r>
-              <a:rPr lang="en-VN" sz="1000">
-                <a:solidFill>
-                  <a:schemeClr val="tx1"/>
-                </a:solidFill>
-              </a:rPr>
-              <a:t>ID: 1, W: 5</a:t>
-            </a:r>
-          </a:p>
-        </p:txBody>
-      </p:sp>
-      <p:sp>
-        <p:nvSpPr>
-          <p:cNvPr id="84" name="Rectangle 83">
-            <a:extLst>
-              <a:ext uri="{FF2B5EF4-FFF2-40B4-BE49-F238E27FC236}">
-                <a16:creationId xmlns:a16="http://schemas.microsoft.com/office/drawing/2014/main" id="{33E4064C-118C-7F22-A97A-DFB5F22C07C8}"/>
-              </a:ext>
-            </a:extLst>
-          </p:cNvPr>
-          <p:cNvSpPr/>
-          <p:nvPr/>
-        </p:nvSpPr>
-        <p:spPr>
-          <a:xfrm>
-            <a:off x="1208996" y="4036054"/>
-            <a:ext cx="869121" cy="276997"/>
-          </a:xfrm>
-          <a:prstGeom prst="rect">
-            <a:avLst/>
-          </a:prstGeom>
-          <a:noFill/>
-          <a:ln>
-            <a:solidFill>
-              <a:schemeClr val="tx1"/>
-            </a:solidFill>
-          </a:ln>
-        </p:spPr>
-        <p:style>
-          <a:lnRef idx="2">
-            <a:schemeClr val="accent1">
-              <a:shade val="50000"/>
-            </a:schemeClr>
-          </a:lnRef>
-          <a:fillRef idx="1">
-            <a:schemeClr val="accent1"/>
-          </a:fillRef>
-          <a:effectRef idx="0">
-            <a:schemeClr val="accent1"/>
-          </a:effectRef>
-          <a:fontRef idx="minor">
-            <a:schemeClr val="lt1"/>
-          </a:fontRef>
-        </p:style>
-        <p:txBody>
-          <a:bodyPr rtlCol="0" anchor="ctr"/>
-          <a:lstStyle/>
-          <a:p>
-            <a:r>
-              <a:rPr lang="en-VN" sz="1000">
-                <a:solidFill>
-                  <a:schemeClr val="tx1"/>
-                </a:solidFill>
-              </a:rPr>
-              <a:t>ID: 5, W: 5</a:t>
-            </a:r>
-          </a:p>
-        </p:txBody>
-      </p:sp>
-      <p:sp>
-        <p:nvSpPr>
-          <p:cNvPr id="85" name="Rectangle 84">
-            <a:extLst>
-              <a:ext uri="{FF2B5EF4-FFF2-40B4-BE49-F238E27FC236}">
-                <a16:creationId xmlns:a16="http://schemas.microsoft.com/office/drawing/2014/main" id="{D529F2F5-637E-D797-811C-0201B93B72D6}"/>
-              </a:ext>
-            </a:extLst>
-          </p:cNvPr>
-          <p:cNvSpPr/>
-          <p:nvPr/>
-        </p:nvSpPr>
-        <p:spPr>
-          <a:xfrm>
-            <a:off x="2227678" y="4032308"/>
-            <a:ext cx="869121" cy="276997"/>
-          </a:xfrm>
-          <a:prstGeom prst="rect">
-            <a:avLst/>
-          </a:prstGeom>
-          <a:noFill/>
-          <a:ln>
-            <a:solidFill>
-              <a:schemeClr val="tx1"/>
-            </a:solidFill>
-          </a:ln>
-        </p:spPr>
-        <p:style>
-          <a:lnRef idx="2">
-            <a:schemeClr val="accent1">
-              <a:shade val="50000"/>
-            </a:schemeClr>
-          </a:lnRef>
-          <a:fillRef idx="1">
-            <a:schemeClr val="accent1"/>
-          </a:fillRef>
-          <a:effectRef idx="0">
-            <a:schemeClr val="accent1"/>
-          </a:effectRef>
-          <a:fontRef idx="minor">
-            <a:schemeClr val="lt1"/>
-          </a:fontRef>
-        </p:style>
-        <p:txBody>
-          <a:bodyPr rtlCol="0" anchor="ctr"/>
-          <a:lstStyle/>
-          <a:p>
-            <a:r>
-              <a:rPr lang="en-VN" sz="1000">
-                <a:solidFill>
-                  <a:schemeClr val="tx1"/>
-                </a:solidFill>
-              </a:rPr>
-              <a:t>ID: 6, W: 7</a:t>
-            </a:r>
-          </a:p>
-        </p:txBody>
-      </p:sp>
-      <p:sp>
-        <p:nvSpPr>
-          <p:cNvPr id="86" name="Rectangle 85">
-            <a:extLst>
-              <a:ext uri="{FF2B5EF4-FFF2-40B4-BE49-F238E27FC236}">
-                <a16:creationId xmlns:a16="http://schemas.microsoft.com/office/drawing/2014/main" id="{82F33A1A-C488-0159-32EF-4B1B2F1BB885}"/>
-              </a:ext>
-            </a:extLst>
-          </p:cNvPr>
-          <p:cNvSpPr/>
-          <p:nvPr/>
-        </p:nvSpPr>
-        <p:spPr>
-          <a:xfrm>
-            <a:off x="3620103" y="6092141"/>
-            <a:ext cx="996483" cy="276997"/>
-          </a:xfrm>
-          <a:prstGeom prst="rect">
-            <a:avLst/>
-          </a:prstGeom>
-          <a:noFill/>
-          <a:ln>
-            <a:solidFill>
-              <a:schemeClr val="tx1"/>
-            </a:solidFill>
-          </a:ln>
-        </p:spPr>
-        <p:style>
-          <a:lnRef idx="2">
-            <a:schemeClr val="accent1">
-              <a:shade val="50000"/>
-            </a:schemeClr>
-          </a:lnRef>
-          <a:fillRef idx="1">
-            <a:schemeClr val="accent1"/>
-          </a:fillRef>
-          <a:effectRef idx="0">
-            <a:schemeClr val="accent1"/>
-          </a:effectRef>
-          <a:fontRef idx="minor">
-            <a:schemeClr val="lt1"/>
-          </a:fontRef>
-        </p:style>
-        <p:txBody>
-          <a:bodyPr rtlCol="0" anchor="ctr"/>
-          <a:lstStyle/>
-          <a:p>
-            <a:r>
-              <a:rPr lang="en-VN" sz="1000">
-                <a:solidFill>
-                  <a:schemeClr val="tx1"/>
-                </a:solidFill>
-              </a:rPr>
-              <a:t>ID: 2, x: 1, y: 2</a:t>
-            </a:r>
-          </a:p>
-        </p:txBody>
-      </p:sp>
-      <p:sp>
-        <p:nvSpPr>
-          <p:cNvPr id="87" name="Rectangle 86">
-            <a:extLst>
-              <a:ext uri="{FF2B5EF4-FFF2-40B4-BE49-F238E27FC236}">
-                <a16:creationId xmlns:a16="http://schemas.microsoft.com/office/drawing/2014/main" id="{24C404C6-4522-C70E-C1B2-E4E3F1116F13}"/>
-              </a:ext>
-            </a:extLst>
-          </p:cNvPr>
-          <p:cNvSpPr/>
-          <p:nvPr/>
-        </p:nvSpPr>
-        <p:spPr>
-          <a:xfrm>
-            <a:off x="4653239" y="6085531"/>
-            <a:ext cx="996483" cy="276997"/>
-          </a:xfrm>
-          <a:prstGeom prst="rect">
-            <a:avLst/>
-          </a:prstGeom>
-          <a:noFill/>
-          <a:ln>
-            <a:solidFill>
-              <a:schemeClr val="tx1"/>
-            </a:solidFill>
-          </a:ln>
-        </p:spPr>
-        <p:style>
-          <a:lnRef idx="2">
-            <a:schemeClr val="accent1">
-              <a:shade val="50000"/>
-            </a:schemeClr>
-          </a:lnRef>
-          <a:fillRef idx="1">
-            <a:schemeClr val="accent1"/>
-          </a:fillRef>
-          <a:effectRef idx="0">
-            <a:schemeClr val="accent1"/>
-          </a:effectRef>
-          <a:fontRef idx="minor">
-            <a:schemeClr val="lt1"/>
-          </a:fontRef>
-        </p:style>
-        <p:txBody>
-          <a:bodyPr rtlCol="0" anchor="ctr"/>
-          <a:lstStyle/>
-          <a:p>
-            <a:r>
-              <a:rPr lang="en-VN" sz="1000">
-                <a:solidFill>
-                  <a:schemeClr val="tx1"/>
-                </a:solidFill>
-              </a:rPr>
-              <a:t>ID: 3, x: 3, y: 3</a:t>
-            </a:r>
-          </a:p>
-        </p:txBody>
-      </p:sp>
-      <p:sp>
-        <p:nvSpPr>
-          <p:cNvPr id="88" name="Rectangle 87">
-            <a:extLst>
-              <a:ext uri="{FF2B5EF4-FFF2-40B4-BE49-F238E27FC236}">
-                <a16:creationId xmlns:a16="http://schemas.microsoft.com/office/drawing/2014/main" id="{585738CE-2DF7-2962-2B9B-AE2CFEECFE85}"/>
-              </a:ext>
-            </a:extLst>
-          </p:cNvPr>
-          <p:cNvSpPr/>
-          <p:nvPr/>
-        </p:nvSpPr>
-        <p:spPr>
-          <a:xfrm>
-            <a:off x="5690088" y="6085530"/>
-            <a:ext cx="996483" cy="276997"/>
-          </a:xfrm>
-          <a:prstGeom prst="rect">
-            <a:avLst/>
-          </a:prstGeom>
-          <a:noFill/>
-          <a:ln>
-            <a:solidFill>
-              <a:schemeClr val="tx1"/>
-            </a:solidFill>
-          </a:ln>
-        </p:spPr>
-        <p:style>
-          <a:lnRef idx="2">
-            <a:schemeClr val="accent1">
-              <a:shade val="50000"/>
-            </a:schemeClr>
-          </a:lnRef>
-          <a:fillRef idx="1">
-            <a:schemeClr val="accent1"/>
-          </a:fillRef>
-          <a:effectRef idx="0">
-            <a:schemeClr val="accent1"/>
-          </a:effectRef>
-          <a:fontRef idx="minor">
-            <a:schemeClr val="lt1"/>
-          </a:fontRef>
-        </p:style>
-        <p:txBody>
-          <a:bodyPr rtlCol="0" anchor="ctr"/>
-          <a:lstStyle/>
-          <a:p>
-            <a:r>
-              <a:rPr lang="en-VN" sz="1000">
-                <a:solidFill>
-                  <a:schemeClr val="tx1"/>
-                </a:solidFill>
-              </a:rPr>
-              <a:t>ID: 4, x: -2, y: -2</a:t>
-            </a:r>
-          </a:p>
-        </p:txBody>
-      </p:sp>
-      <p:sp>
-        <p:nvSpPr>
-          <p:cNvPr id="89" name="Content Placeholder 2">
-            <a:extLst>
-              <a:ext uri="{FF2B5EF4-FFF2-40B4-BE49-F238E27FC236}">
-                <a16:creationId xmlns:a16="http://schemas.microsoft.com/office/drawing/2014/main" id="{96CA786A-4883-85BB-627D-D6310083FC70}"/>
-              </a:ext>
-            </a:extLst>
-          </p:cNvPr>
-          <p:cNvSpPr>
-            <a:spLocks noGrp="1"/>
-          </p:cNvSpPr>
-          <p:nvPr>
-            <p:ph idx="1"/>
-          </p:nvPr>
-        </p:nvSpPr>
-        <p:spPr>
-          <a:xfrm>
-            <a:off x="11683177" y="442730"/>
-            <a:ext cx="1168778" cy="5945469"/>
-          </a:xfrm>
-        </p:spPr>
-        <p:txBody>
-          <a:bodyPr>
-            <a:normAutofit fontScale="55000" lnSpcReduction="20000"/>
-          </a:bodyPr>
-          <a:lstStyle/>
-          <a:p>
-            <a:pPr marL="0" indent="0">
-              <a:buNone/>
-            </a:pPr>
-            <a:r>
-              <a:rPr lang="en-VN"/>
-              <a:t>1 2 0 0</a:t>
-            </a:r>
-          </a:p>
-          <a:p>
-            <a:pPr marL="0" indent="0">
-              <a:buNone/>
-            </a:pPr>
-            <a:r>
-              <a:rPr lang="en-VN"/>
-              <a:t>3 2</a:t>
-            </a:r>
-          </a:p>
-          <a:p>
-            <a:pPr marL="0" indent="0">
-              <a:buNone/>
-            </a:pPr>
-            <a:r>
-              <a:rPr lang="en-VN"/>
-              <a:t>1 8 3.2 1 2</a:t>
-            </a:r>
-          </a:p>
-          <a:p>
-            <a:pPr marL="0" indent="0">
-              <a:buNone/>
-            </a:pPr>
-            <a:r>
-              <a:rPr lang="en-VN"/>
-              <a:t>2 4 3.2 1 1</a:t>
-            </a:r>
-          </a:p>
-          <a:p>
-            <a:pPr marL="0" indent="0">
-              <a:buNone/>
-            </a:pPr>
-            <a:r>
-              <a:rPr lang="en-VN"/>
-              <a:t>3 4 2 1 -1</a:t>
-            </a:r>
-          </a:p>
-          <a:p>
-            <a:pPr marL="0" indent="0">
-              <a:buNone/>
-            </a:pPr>
-            <a:r>
-              <a:rPr lang="en-VN"/>
-              <a:t>2 3 2 2</a:t>
-            </a:r>
-          </a:p>
-          <a:p>
-            <a:pPr marL="0" indent="0">
-              <a:buNone/>
-            </a:pPr>
-            <a:r>
-              <a:rPr lang="en-VN"/>
-              <a:t>2 0</a:t>
-            </a:r>
-          </a:p>
-          <a:p>
-            <a:pPr marL="0" indent="0">
-              <a:buNone/>
-            </a:pPr>
-            <a:r>
-              <a:rPr lang="en-VN"/>
-              <a:t>4 4 2 4 4</a:t>
-            </a:r>
-          </a:p>
-          <a:p>
-            <a:pPr marL="0" indent="0">
-              <a:buNone/>
-            </a:pPr>
-            <a:r>
-              <a:rPr lang="en-VN"/>
-              <a:t>5 4 2 4 3</a:t>
-            </a:r>
-          </a:p>
-          <a:p>
-            <a:pPr marL="0" indent="0">
-              <a:buNone/>
-            </a:pPr>
-            <a:r>
-              <a:rPr lang="en-VN"/>
-              <a:t>3 1 -2 -2</a:t>
-            </a:r>
-          </a:p>
-          <a:p>
-            <a:pPr marL="0" indent="0">
-              <a:buNone/>
-            </a:pPr>
-            <a:r>
-              <a:rPr lang="en-VN"/>
-              <a:t>2 0</a:t>
-            </a:r>
-          </a:p>
-          <a:p>
-            <a:pPr marL="0" indent="0">
-              <a:buNone/>
-            </a:pPr>
-            <a:r>
-              <a:rPr lang="en-VN"/>
-              <a:t>6 4 2 -3 -2</a:t>
-            </a:r>
-          </a:p>
-          <a:p>
-            <a:pPr marL="0" indent="0">
-              <a:buNone/>
-            </a:pPr>
-            <a:r>
-              <a:rPr lang="en-VN"/>
-              <a:t>7 4 2 -3 -3</a:t>
-            </a:r>
-          </a:p>
-          <a:p>
-            <a:pPr marL="0" indent="0">
-              <a:buNone/>
-            </a:pPr>
-            <a:r>
-              <a:rPr lang="en-VN"/>
-              <a:t>6</a:t>
-            </a:r>
-          </a:p>
-          <a:p>
-            <a:pPr marL="0" indent="0">
-              <a:buNone/>
-            </a:pPr>
-            <a:r>
-              <a:rPr lang="en-VN"/>
-              <a:t>1 5 2 2</a:t>
-            </a:r>
-          </a:p>
-          <a:p>
-            <a:pPr marL="0" indent="0">
-              <a:buNone/>
-            </a:pPr>
-            <a:r>
-              <a:rPr lang="en-VN"/>
-              <a:t>2 4 1 2</a:t>
-            </a:r>
-          </a:p>
-          <a:p>
-            <a:pPr marL="0" indent="0">
-              <a:buNone/>
-            </a:pPr>
-            <a:r>
-              <a:rPr lang="en-VN"/>
-              <a:t>3 4 3 3</a:t>
-            </a:r>
-          </a:p>
-          <a:p>
-            <a:pPr marL="0" indent="0">
-              <a:buNone/>
-            </a:pPr>
-            <a:r>
-              <a:rPr lang="en-VN"/>
-              <a:t>4 4 -2 -2</a:t>
-            </a:r>
-          </a:p>
-          <a:p>
-            <a:pPr marL="0" indent="0">
-              <a:buNone/>
-            </a:pPr>
-            <a:r>
-              <a:rPr lang="en-VN"/>
-              <a:t>5 5 -2 3</a:t>
-            </a:r>
-          </a:p>
-          <a:p>
-            <a:pPr marL="0" indent="0">
-              <a:buNone/>
-            </a:pPr>
-            <a:r>
-              <a:rPr lang="en-VN"/>
-              <a:t>6 7 2 2</a:t>
-            </a:r>
-          </a:p>
-        </p:txBody>
-      </p:sp>
-      <p:sp>
-        <p:nvSpPr>
-          <p:cNvPr id="90" name="Left Brace 89">
-            <a:extLst>
-              <a:ext uri="{FF2B5EF4-FFF2-40B4-BE49-F238E27FC236}">
-                <a16:creationId xmlns:a16="http://schemas.microsoft.com/office/drawing/2014/main" id="{2782B27A-2D24-C869-48A5-DF2FB450805A}"/>
-              </a:ext>
-            </a:extLst>
-          </p:cNvPr>
-          <p:cNvSpPr/>
-          <p:nvPr/>
-        </p:nvSpPr>
-        <p:spPr>
-          <a:xfrm>
-            <a:off x="11463258" y="553624"/>
-            <a:ext cx="219918" cy="1169044"/>
-          </a:xfrm>
-          <a:prstGeom prst="leftBrace">
-            <a:avLst>
-              <a:gd name="adj1" fmla="val 65532"/>
-              <a:gd name="adj2" fmla="val 50000"/>
-            </a:avLst>
-          </a:prstGeom>
-        </p:spPr>
-        <p:style>
-          <a:lnRef idx="1">
-            <a:schemeClr val="dk1"/>
-          </a:lnRef>
-          <a:fillRef idx="0">
-            <a:schemeClr val="dk1"/>
-          </a:fillRef>
-          <a:effectRef idx="0">
-            <a:schemeClr val="dk1"/>
-          </a:effectRef>
-          <a:fontRef idx="minor">
-            <a:schemeClr val="tx1"/>
-          </a:fontRef>
-        </p:style>
-        <p:txBody>
-          <a:bodyPr rtlCol="0" anchor="ctr"/>
-          <a:lstStyle/>
-          <a:p>
-            <a:pPr algn="ctr"/>
-            <a:endParaRPr lang="en-VN"/>
-          </a:p>
-        </p:txBody>
-      </p:sp>
-      <p:sp>
-        <p:nvSpPr>
-          <p:cNvPr id="91" name="TextBox 90">
-            <a:extLst>
-              <a:ext uri="{FF2B5EF4-FFF2-40B4-BE49-F238E27FC236}">
-                <a16:creationId xmlns:a16="http://schemas.microsoft.com/office/drawing/2014/main" id="{73CE105E-CAD9-FEAA-3404-B85C3547CD39}"/>
-              </a:ext>
-            </a:extLst>
-          </p:cNvPr>
-          <p:cNvSpPr txBox="1"/>
-          <p:nvPr/>
-        </p:nvSpPr>
-        <p:spPr>
-          <a:xfrm>
-            <a:off x="10125768" y="886351"/>
-            <a:ext cx="1233714" cy="646331"/>
-          </a:xfrm>
-          <a:prstGeom prst="rect">
-            <a:avLst/>
-          </a:prstGeom>
-          <a:noFill/>
-        </p:spPr>
-        <p:txBody>
-          <a:bodyPr wrap="square" rtlCol="0">
-            <a:spAutoFit/>
-          </a:bodyPr>
-          <a:lstStyle/>
-          <a:p>
-            <a:r>
-              <a:rPr lang="en-VN">
-                <a:solidFill>
-                  <a:srgbClr val="0070C0"/>
-                </a:solidFill>
-              </a:rPr>
-              <a:t>Input cho LB master</a:t>
-            </a:r>
-          </a:p>
-        </p:txBody>
-      </p:sp>
-      <p:sp>
-        <p:nvSpPr>
-          <p:cNvPr id="92" name="Left Brace 91">
-            <a:extLst>
-              <a:ext uri="{FF2B5EF4-FFF2-40B4-BE49-F238E27FC236}">
-                <a16:creationId xmlns:a16="http://schemas.microsoft.com/office/drawing/2014/main" id="{BA319DD9-69D8-E90C-D843-257398111EFD}"/>
-              </a:ext>
-            </a:extLst>
-          </p:cNvPr>
-          <p:cNvSpPr/>
-          <p:nvPr/>
-        </p:nvSpPr>
-        <p:spPr>
-          <a:xfrm>
-            <a:off x="11463258" y="1939738"/>
-            <a:ext cx="219918" cy="973775"/>
-          </a:xfrm>
-          <a:prstGeom prst="leftBrace">
-            <a:avLst>
-              <a:gd name="adj1" fmla="val 65532"/>
-              <a:gd name="adj2" fmla="val 50000"/>
-            </a:avLst>
-          </a:prstGeom>
-        </p:spPr>
-        <p:style>
-          <a:lnRef idx="1">
-            <a:schemeClr val="dk1"/>
-          </a:lnRef>
-          <a:fillRef idx="0">
-            <a:schemeClr val="dk1"/>
-          </a:fillRef>
-          <a:effectRef idx="0">
-            <a:schemeClr val="dk1"/>
-          </a:effectRef>
-          <a:fontRef idx="minor">
-            <a:schemeClr val="tx1"/>
-          </a:fontRef>
-        </p:style>
-        <p:txBody>
-          <a:bodyPr rtlCol="0" anchor="ctr"/>
-          <a:lstStyle/>
-          <a:p>
-            <a:pPr algn="ctr"/>
-            <a:endParaRPr lang="en-VN"/>
-          </a:p>
-        </p:txBody>
-      </p:sp>
-      <p:sp>
-        <p:nvSpPr>
-          <p:cNvPr id="93" name="TextBox 92">
-            <a:extLst>
-              <a:ext uri="{FF2B5EF4-FFF2-40B4-BE49-F238E27FC236}">
-                <a16:creationId xmlns:a16="http://schemas.microsoft.com/office/drawing/2014/main" id="{6C4272B7-6C6D-23C3-167A-12C2A86A86D1}"/>
-              </a:ext>
-            </a:extLst>
-          </p:cNvPr>
-          <p:cNvSpPr txBox="1"/>
-          <p:nvPr/>
-        </p:nvSpPr>
-        <p:spPr>
-          <a:xfrm>
-            <a:off x="10125768" y="2103459"/>
-            <a:ext cx="1233714" cy="646331"/>
-          </a:xfrm>
-          <a:prstGeom prst="rect">
-            <a:avLst/>
-          </a:prstGeom>
-          <a:noFill/>
-        </p:spPr>
-        <p:txBody>
-          <a:bodyPr wrap="square" rtlCol="0">
-            <a:spAutoFit/>
-          </a:bodyPr>
-          <a:lstStyle/>
-          <a:p>
-            <a:r>
-              <a:rPr lang="en-VN">
-                <a:solidFill>
-                  <a:schemeClr val="accent2"/>
-                </a:solidFill>
-              </a:rPr>
-              <a:t>Input cho LB ID 2</a:t>
-            </a:r>
-          </a:p>
-        </p:txBody>
-      </p:sp>
-      <p:sp>
-        <p:nvSpPr>
-          <p:cNvPr id="94" name="Left Brace 93">
-            <a:extLst>
-              <a:ext uri="{FF2B5EF4-FFF2-40B4-BE49-F238E27FC236}">
-                <a16:creationId xmlns:a16="http://schemas.microsoft.com/office/drawing/2014/main" id="{EAAA95E3-AF09-53F2-AD9D-7BDD3047865D}"/>
-              </a:ext>
-            </a:extLst>
-          </p:cNvPr>
-          <p:cNvSpPr/>
-          <p:nvPr/>
-        </p:nvSpPr>
-        <p:spPr>
-          <a:xfrm>
-            <a:off x="11435270" y="3107366"/>
-            <a:ext cx="219918" cy="973775"/>
-          </a:xfrm>
-          <a:prstGeom prst="leftBrace">
-            <a:avLst>
-              <a:gd name="adj1" fmla="val 65532"/>
-              <a:gd name="adj2" fmla="val 50000"/>
-            </a:avLst>
-          </a:prstGeom>
-        </p:spPr>
-        <p:style>
-          <a:lnRef idx="1">
-            <a:schemeClr val="dk1"/>
-          </a:lnRef>
-          <a:fillRef idx="0">
-            <a:schemeClr val="dk1"/>
-          </a:fillRef>
-          <a:effectRef idx="0">
-            <a:schemeClr val="dk1"/>
-          </a:effectRef>
-          <a:fontRef idx="minor">
-            <a:schemeClr val="tx1"/>
-          </a:fontRef>
-        </p:style>
-        <p:txBody>
-          <a:bodyPr rtlCol="0" anchor="ctr"/>
-          <a:lstStyle/>
-          <a:p>
-            <a:pPr algn="ctr"/>
-            <a:endParaRPr lang="en-VN"/>
-          </a:p>
-        </p:txBody>
-      </p:sp>
-      <p:sp>
-        <p:nvSpPr>
-          <p:cNvPr id="95" name="TextBox 94">
-            <a:extLst>
-              <a:ext uri="{FF2B5EF4-FFF2-40B4-BE49-F238E27FC236}">
-                <a16:creationId xmlns:a16="http://schemas.microsoft.com/office/drawing/2014/main" id="{C4625047-F910-2C1A-2B9E-D579F9809B3E}"/>
-              </a:ext>
-            </a:extLst>
-          </p:cNvPr>
-          <p:cNvSpPr txBox="1"/>
-          <p:nvPr/>
-        </p:nvSpPr>
-        <p:spPr>
-          <a:xfrm>
-            <a:off x="10125768" y="3271087"/>
-            <a:ext cx="1233714" cy="646331"/>
-          </a:xfrm>
-          <a:prstGeom prst="rect">
-            <a:avLst/>
-          </a:prstGeom>
-          <a:noFill/>
-        </p:spPr>
-        <p:txBody>
-          <a:bodyPr wrap="square" rtlCol="0">
-            <a:spAutoFit/>
-          </a:bodyPr>
-          <a:lstStyle/>
-          <a:p>
-            <a:r>
-              <a:rPr lang="en-VN">
-                <a:solidFill>
-                  <a:schemeClr val="accent6"/>
-                </a:solidFill>
-              </a:rPr>
-              <a:t>Input cho LB ID 3</a:t>
-            </a:r>
-          </a:p>
-        </p:txBody>
-      </p:sp>
-      <p:sp>
-        <p:nvSpPr>
-          <p:cNvPr id="96" name="Left Brace 95">
-            <a:extLst>
-              <a:ext uri="{FF2B5EF4-FFF2-40B4-BE49-F238E27FC236}">
-                <a16:creationId xmlns:a16="http://schemas.microsoft.com/office/drawing/2014/main" id="{E10468C0-5886-4A45-C477-769B5170FF55}"/>
-              </a:ext>
-            </a:extLst>
-          </p:cNvPr>
-          <p:cNvSpPr/>
-          <p:nvPr/>
-        </p:nvSpPr>
-        <p:spPr>
-          <a:xfrm>
-            <a:off x="11435270" y="4267093"/>
-            <a:ext cx="219918" cy="1825048"/>
-          </a:xfrm>
-          <a:prstGeom prst="leftBrace">
-            <a:avLst>
-              <a:gd name="adj1" fmla="val 65532"/>
-              <a:gd name="adj2" fmla="val 50000"/>
-            </a:avLst>
-          </a:prstGeom>
-        </p:spPr>
-        <p:style>
-          <a:lnRef idx="1">
-            <a:schemeClr val="dk1"/>
-          </a:lnRef>
-          <a:fillRef idx="0">
-            <a:schemeClr val="dk1"/>
-          </a:fillRef>
-          <a:effectRef idx="0">
-            <a:schemeClr val="dk1"/>
-          </a:effectRef>
-          <a:fontRef idx="minor">
-            <a:schemeClr val="tx1"/>
-          </a:fontRef>
-        </p:style>
-        <p:txBody>
-          <a:bodyPr rtlCol="0" anchor="ctr"/>
-          <a:lstStyle/>
-          <a:p>
-            <a:pPr algn="ctr"/>
-            <a:endParaRPr lang="en-VN"/>
-          </a:p>
-        </p:txBody>
-      </p:sp>
-      <p:sp>
-        <p:nvSpPr>
-          <p:cNvPr id="97" name="TextBox 96">
-            <a:extLst>
-              <a:ext uri="{FF2B5EF4-FFF2-40B4-BE49-F238E27FC236}">
-                <a16:creationId xmlns:a16="http://schemas.microsoft.com/office/drawing/2014/main" id="{F46450C9-0A54-7434-767E-C6032324F9FA}"/>
-              </a:ext>
-            </a:extLst>
-          </p:cNvPr>
-          <p:cNvSpPr txBox="1"/>
-          <p:nvPr/>
-        </p:nvSpPr>
-        <p:spPr>
-          <a:xfrm>
-            <a:off x="10125768" y="4856451"/>
-            <a:ext cx="1233714" cy="646331"/>
-          </a:xfrm>
-          <a:prstGeom prst="rect">
-            <a:avLst/>
-          </a:prstGeom>
-          <a:noFill/>
-        </p:spPr>
-        <p:txBody>
-          <a:bodyPr wrap="square" rtlCol="0">
-            <a:spAutoFit/>
-          </a:bodyPr>
-          <a:lstStyle/>
-          <a:p>
-            <a:r>
-              <a:rPr lang="en-VN"/>
-              <a:t>Input k request</a:t>
-            </a:r>
-          </a:p>
-        </p:txBody>
-      </p:sp>
-    </p:spTree>
-    <p:extLst>
-      <p:ext uri="{BB962C8B-B14F-4D97-AF65-F5344CB8AC3E}">
-        <p14:creationId xmlns:p14="http://schemas.microsoft.com/office/powerpoint/2010/main" val="3668483436"/>
-      </p:ext>
-    </p:extLst>
-  </p:cSld>
-  <p:clrMapOvr>
-    <a:masterClrMapping/>
-  </p:clrMapOvr>
-</p:sld>
-</file>
-
-<file path=ppt/slides/slide5.xml><?xml version="1.0" encoding="utf-8"?>
-<p:sld xmlns:a="http://schemas.openxmlformats.org/drawingml/2006/main" xmlns:r="http://schemas.openxmlformats.org/officeDocument/2006/relationships" xmlns:p="http://schemas.openxmlformats.org/presentationml/2006/main">
-  <p:cSld>
-    <p:spTree>
-      <p:nvGrpSpPr>
-        <p:cNvPr id="1" name=""/>
-        <p:cNvGrpSpPr/>
-        <p:nvPr/>
-      </p:nvGrpSpPr>
-      <p:grpSpPr>
-        <a:xfrm>
-          <a:off x="0" y="0"/>
-          <a:ext cx="0" cy="0"/>
-          <a:chOff x="0" y="0"/>
-          <a:chExt cx="0" cy="0"/>
-        </a:xfrm>
-      </p:grpSpPr>
-      <p:sp>
-        <p:nvSpPr>
-          <p:cNvPr id="3" name="Content Placeholder 2">
-            <a:extLst>
-              <a:ext uri="{FF2B5EF4-FFF2-40B4-BE49-F238E27FC236}">
-                <a16:creationId xmlns:a16="http://schemas.microsoft.com/office/drawing/2014/main" id="{ADD4D502-AF8F-35E7-7B31-546527D73E31}"/>
-              </a:ext>
-            </a:extLst>
-          </p:cNvPr>
-          <p:cNvSpPr>
-            <a:spLocks noGrp="1"/>
-          </p:cNvSpPr>
-          <p:nvPr>
-            <p:ph idx="1"/>
-          </p:nvPr>
-        </p:nvSpPr>
-        <p:spPr>
-          <a:xfrm>
-            <a:off x="2720051" y="456265"/>
-            <a:ext cx="1168778" cy="5945469"/>
-          </a:xfrm>
-        </p:spPr>
-        <p:txBody>
-          <a:bodyPr>
-            <a:normAutofit fontScale="55000" lnSpcReduction="20000"/>
-          </a:bodyPr>
-          <a:lstStyle/>
-          <a:p>
-            <a:pPr marL="0" indent="0">
-              <a:buNone/>
-            </a:pPr>
-            <a:r>
-              <a:rPr lang="en-VN"/>
-              <a:t>1 2 0 0</a:t>
-            </a:r>
-          </a:p>
-          <a:p>
-            <a:pPr marL="0" indent="0">
-              <a:buNone/>
-            </a:pPr>
-            <a:r>
-              <a:rPr lang="en-VN"/>
-              <a:t>3 2</a:t>
-            </a:r>
-          </a:p>
-          <a:p>
-            <a:pPr marL="0" indent="0">
-              <a:buNone/>
-            </a:pPr>
-            <a:r>
-              <a:rPr lang="en-VN"/>
-              <a:t>1 8 3.2 1 2</a:t>
-            </a:r>
-          </a:p>
-          <a:p>
-            <a:pPr marL="0" indent="0">
-              <a:buNone/>
-            </a:pPr>
-            <a:r>
-              <a:rPr lang="en-VN"/>
-              <a:t>2 4 3.2 1 1</a:t>
-            </a:r>
-          </a:p>
-          <a:p>
-            <a:pPr marL="0" indent="0">
-              <a:buNone/>
-            </a:pPr>
-            <a:r>
-              <a:rPr lang="en-VN"/>
-              <a:t>3 4 2 1 -1</a:t>
-            </a:r>
-          </a:p>
-          <a:p>
-            <a:pPr marL="0" indent="0">
-              <a:buNone/>
-            </a:pPr>
-            <a:r>
-              <a:rPr lang="en-VN"/>
-              <a:t>2 3 2 2</a:t>
-            </a:r>
-          </a:p>
-          <a:p>
-            <a:pPr marL="0" indent="0">
-              <a:buNone/>
-            </a:pPr>
-            <a:r>
-              <a:rPr lang="en-VN"/>
-              <a:t>2 0</a:t>
-            </a:r>
-          </a:p>
-          <a:p>
-            <a:pPr marL="0" indent="0">
-              <a:buNone/>
-            </a:pPr>
-            <a:r>
-              <a:rPr lang="en-VN"/>
-              <a:t>4 4 2 4 4</a:t>
-            </a:r>
-          </a:p>
-          <a:p>
-            <a:pPr marL="0" indent="0">
-              <a:buNone/>
-            </a:pPr>
-            <a:r>
-              <a:rPr lang="en-VN"/>
-              <a:t>5 4 2 4 3</a:t>
-            </a:r>
-          </a:p>
-          <a:p>
-            <a:pPr marL="0" indent="0">
-              <a:buNone/>
-            </a:pPr>
-            <a:r>
-              <a:rPr lang="en-VN"/>
-              <a:t>3 1 -2 -2</a:t>
-            </a:r>
-          </a:p>
-          <a:p>
-            <a:pPr marL="0" indent="0">
-              <a:buNone/>
-            </a:pPr>
-            <a:r>
-              <a:rPr lang="en-VN"/>
-              <a:t>2 0</a:t>
-            </a:r>
-          </a:p>
-          <a:p>
-            <a:pPr marL="0" indent="0">
-              <a:buNone/>
-            </a:pPr>
-            <a:r>
-              <a:rPr lang="en-VN"/>
-              <a:t>6 4 2 -3 -2</a:t>
-            </a:r>
-          </a:p>
-          <a:p>
-            <a:pPr marL="0" indent="0">
-              <a:buNone/>
-            </a:pPr>
-            <a:r>
-              <a:rPr lang="en-VN"/>
-              <a:t>7 4 2 -3 -3</a:t>
-            </a:r>
-          </a:p>
-          <a:p>
-            <a:pPr marL="0" indent="0">
-              <a:buNone/>
-            </a:pPr>
-            <a:r>
-              <a:rPr lang="en-VN"/>
-              <a:t>6</a:t>
-            </a:r>
-          </a:p>
-          <a:p>
-            <a:pPr marL="0" indent="0">
-              <a:buNone/>
-            </a:pPr>
-            <a:r>
-              <a:rPr lang="en-VN"/>
-              <a:t>1 5 2 2</a:t>
-            </a:r>
-          </a:p>
-          <a:p>
-            <a:pPr marL="0" indent="0">
-              <a:buNone/>
-            </a:pPr>
-            <a:r>
-              <a:rPr lang="en-VN"/>
-              <a:t>2 4 1 2</a:t>
-            </a:r>
-          </a:p>
-          <a:p>
-            <a:pPr marL="0" indent="0">
-              <a:buNone/>
-            </a:pPr>
-            <a:r>
-              <a:rPr lang="en-VN"/>
-              <a:t>3 4 3 3</a:t>
-            </a:r>
-          </a:p>
-          <a:p>
-            <a:pPr marL="0" indent="0">
-              <a:buNone/>
-            </a:pPr>
-            <a:r>
-              <a:rPr lang="en-VN"/>
-              <a:t>4 4 -2 -2</a:t>
-            </a:r>
-          </a:p>
-          <a:p>
-            <a:pPr marL="0" indent="0">
-              <a:buNone/>
-            </a:pPr>
-            <a:r>
-              <a:rPr lang="en-VN"/>
-              <a:t>5 5 -2 3</a:t>
-            </a:r>
-          </a:p>
-          <a:p>
-            <a:pPr marL="0" indent="0">
-              <a:buNone/>
-            </a:pPr>
-            <a:r>
-              <a:rPr lang="en-VN"/>
-              <a:t>6 7 2 2</a:t>
-            </a:r>
-          </a:p>
-        </p:txBody>
-      </p:sp>
-      <p:sp>
-        <p:nvSpPr>
-          <p:cNvPr id="4" name="Slide Number Placeholder 3">
-            <a:extLst>
-              <a:ext uri="{FF2B5EF4-FFF2-40B4-BE49-F238E27FC236}">
-                <a16:creationId xmlns:a16="http://schemas.microsoft.com/office/drawing/2014/main" id="{2BA89A2E-676F-3F32-2E1D-AE23C15C639A}"/>
-              </a:ext>
-            </a:extLst>
-          </p:cNvPr>
-          <p:cNvSpPr>
-            <a:spLocks noGrp="1"/>
-          </p:cNvSpPr>
-          <p:nvPr>
-            <p:ph type="sldNum" sz="quarter" idx="12"/>
-          </p:nvPr>
-        </p:nvSpPr>
-        <p:spPr/>
-        <p:txBody>
-          <a:bodyPr/>
-          <a:lstStyle/>
-          <a:p>
-            <a:fld id="{9D563E13-6253-4AA0-BAE6-80A963751161}" type="slidenum">
-              <a:rPr lang="en-US" smtClean="0"/>
-              <a:t>5</a:t>
-            </a:fld>
-            <a:endParaRPr lang="en-US"/>
-          </a:p>
-        </p:txBody>
-      </p:sp>
-      <p:sp>
-        <p:nvSpPr>
-          <p:cNvPr id="5" name="Left Brace 4">
-            <a:extLst>
-              <a:ext uri="{FF2B5EF4-FFF2-40B4-BE49-F238E27FC236}">
-                <a16:creationId xmlns:a16="http://schemas.microsoft.com/office/drawing/2014/main" id="{C4FC8864-6EA3-4273-F96F-400D809E7F2C}"/>
-              </a:ext>
-            </a:extLst>
-          </p:cNvPr>
-          <p:cNvSpPr/>
-          <p:nvPr/>
-        </p:nvSpPr>
-        <p:spPr>
-          <a:xfrm>
-            <a:off x="2500132" y="567159"/>
-            <a:ext cx="219918" cy="1169044"/>
-          </a:xfrm>
-          <a:prstGeom prst="leftBrace">
-            <a:avLst>
-              <a:gd name="adj1" fmla="val 65532"/>
-              <a:gd name="adj2" fmla="val 50000"/>
-            </a:avLst>
-          </a:prstGeom>
-        </p:spPr>
-        <p:style>
-          <a:lnRef idx="1">
-            <a:schemeClr val="dk1"/>
-          </a:lnRef>
-          <a:fillRef idx="0">
-            <a:schemeClr val="dk1"/>
-          </a:fillRef>
-          <a:effectRef idx="0">
-            <a:schemeClr val="dk1"/>
-          </a:effectRef>
-          <a:fontRef idx="minor">
-            <a:schemeClr val="tx1"/>
-          </a:fontRef>
-        </p:style>
-        <p:txBody>
-          <a:bodyPr rtlCol="0" anchor="ctr"/>
-          <a:lstStyle/>
-          <a:p>
-            <a:pPr algn="ctr"/>
-            <a:endParaRPr lang="en-VN"/>
-          </a:p>
-        </p:txBody>
-      </p:sp>
-      <p:sp>
-        <p:nvSpPr>
-          <p:cNvPr id="6" name="TextBox 5">
-            <a:extLst>
-              <a:ext uri="{FF2B5EF4-FFF2-40B4-BE49-F238E27FC236}">
-                <a16:creationId xmlns:a16="http://schemas.microsoft.com/office/drawing/2014/main" id="{1B4A4613-7B4E-E050-D062-683D640CF9BF}"/>
-              </a:ext>
-            </a:extLst>
-          </p:cNvPr>
-          <p:cNvSpPr txBox="1"/>
-          <p:nvPr/>
-        </p:nvSpPr>
-        <p:spPr>
-          <a:xfrm>
-            <a:off x="1162642" y="899886"/>
-            <a:ext cx="1233714" cy="646331"/>
-          </a:xfrm>
-          <a:prstGeom prst="rect">
-            <a:avLst/>
-          </a:prstGeom>
-          <a:noFill/>
-        </p:spPr>
-        <p:txBody>
-          <a:bodyPr wrap="square" rtlCol="0">
-            <a:spAutoFit/>
-          </a:bodyPr>
-          <a:lstStyle/>
-          <a:p>
-            <a:r>
-              <a:rPr lang="en-VN">
-                <a:solidFill>
-                  <a:srgbClr val="0070C0"/>
-                </a:solidFill>
-              </a:rPr>
-              <a:t>Input cho LB master</a:t>
-            </a:r>
-          </a:p>
-        </p:txBody>
-      </p:sp>
-      <p:sp>
-        <p:nvSpPr>
-          <p:cNvPr id="7" name="Left Brace 6">
-            <a:extLst>
-              <a:ext uri="{FF2B5EF4-FFF2-40B4-BE49-F238E27FC236}">
-                <a16:creationId xmlns:a16="http://schemas.microsoft.com/office/drawing/2014/main" id="{063BD6B7-EE6A-B4E5-E00B-DE4E4293D9A0}"/>
-              </a:ext>
-            </a:extLst>
-          </p:cNvPr>
-          <p:cNvSpPr/>
-          <p:nvPr/>
-        </p:nvSpPr>
-        <p:spPr>
-          <a:xfrm>
-            <a:off x="2500132" y="1953273"/>
-            <a:ext cx="219918" cy="973775"/>
-          </a:xfrm>
-          <a:prstGeom prst="leftBrace">
-            <a:avLst>
-              <a:gd name="adj1" fmla="val 65532"/>
-              <a:gd name="adj2" fmla="val 50000"/>
-            </a:avLst>
-          </a:prstGeom>
-        </p:spPr>
-        <p:style>
-          <a:lnRef idx="1">
-            <a:schemeClr val="dk1"/>
-          </a:lnRef>
-          <a:fillRef idx="0">
-            <a:schemeClr val="dk1"/>
-          </a:fillRef>
-          <a:effectRef idx="0">
-            <a:schemeClr val="dk1"/>
-          </a:effectRef>
-          <a:fontRef idx="minor">
-            <a:schemeClr val="tx1"/>
-          </a:fontRef>
-        </p:style>
-        <p:txBody>
-          <a:bodyPr rtlCol="0" anchor="ctr"/>
-          <a:lstStyle/>
-          <a:p>
-            <a:pPr algn="ctr"/>
-            <a:endParaRPr lang="en-VN"/>
-          </a:p>
-        </p:txBody>
-      </p:sp>
-      <p:sp>
-        <p:nvSpPr>
-          <p:cNvPr id="8" name="TextBox 7">
-            <a:extLst>
-              <a:ext uri="{FF2B5EF4-FFF2-40B4-BE49-F238E27FC236}">
-                <a16:creationId xmlns:a16="http://schemas.microsoft.com/office/drawing/2014/main" id="{2098A050-88B4-763E-D60A-39B388B3F268}"/>
-              </a:ext>
-            </a:extLst>
-          </p:cNvPr>
-          <p:cNvSpPr txBox="1"/>
-          <p:nvPr/>
-        </p:nvSpPr>
-        <p:spPr>
-          <a:xfrm>
-            <a:off x="1162642" y="2116994"/>
-            <a:ext cx="1233714" cy="646331"/>
-          </a:xfrm>
-          <a:prstGeom prst="rect">
-            <a:avLst/>
-          </a:prstGeom>
-          <a:noFill/>
-        </p:spPr>
-        <p:txBody>
-          <a:bodyPr wrap="square" rtlCol="0">
-            <a:spAutoFit/>
-          </a:bodyPr>
-          <a:lstStyle/>
-          <a:p>
-            <a:r>
-              <a:rPr lang="en-VN">
-                <a:solidFill>
-                  <a:schemeClr val="accent2"/>
-                </a:solidFill>
-              </a:rPr>
-              <a:t>Input cho LB ID 2</a:t>
-            </a:r>
-          </a:p>
-        </p:txBody>
-      </p:sp>
-      <p:sp>
-        <p:nvSpPr>
-          <p:cNvPr id="9" name="Left Brace 8">
-            <a:extLst>
-              <a:ext uri="{FF2B5EF4-FFF2-40B4-BE49-F238E27FC236}">
-                <a16:creationId xmlns:a16="http://schemas.microsoft.com/office/drawing/2014/main" id="{35E7BA3B-ACF0-DB81-5D6A-319A01B85845}"/>
-              </a:ext>
-            </a:extLst>
-          </p:cNvPr>
-          <p:cNvSpPr/>
-          <p:nvPr/>
-        </p:nvSpPr>
-        <p:spPr>
-          <a:xfrm>
-            <a:off x="2472144" y="3120901"/>
-            <a:ext cx="219918" cy="973775"/>
-          </a:xfrm>
-          <a:prstGeom prst="leftBrace">
-            <a:avLst>
-              <a:gd name="adj1" fmla="val 65532"/>
-              <a:gd name="adj2" fmla="val 50000"/>
-            </a:avLst>
-          </a:prstGeom>
-        </p:spPr>
-        <p:style>
-          <a:lnRef idx="1">
-            <a:schemeClr val="dk1"/>
-          </a:lnRef>
-          <a:fillRef idx="0">
-            <a:schemeClr val="dk1"/>
-          </a:fillRef>
-          <a:effectRef idx="0">
-            <a:schemeClr val="dk1"/>
-          </a:effectRef>
-          <a:fontRef idx="minor">
-            <a:schemeClr val="tx1"/>
-          </a:fontRef>
-        </p:style>
-        <p:txBody>
-          <a:bodyPr rtlCol="0" anchor="ctr"/>
-          <a:lstStyle/>
-          <a:p>
-            <a:pPr algn="ctr"/>
-            <a:endParaRPr lang="en-VN"/>
-          </a:p>
-        </p:txBody>
-      </p:sp>
-      <p:sp>
-        <p:nvSpPr>
-          <p:cNvPr id="10" name="TextBox 9">
-            <a:extLst>
-              <a:ext uri="{FF2B5EF4-FFF2-40B4-BE49-F238E27FC236}">
-                <a16:creationId xmlns:a16="http://schemas.microsoft.com/office/drawing/2014/main" id="{DA73E7B1-454B-3F54-7EA6-072E54AF02C9}"/>
-              </a:ext>
-            </a:extLst>
-          </p:cNvPr>
-          <p:cNvSpPr txBox="1"/>
-          <p:nvPr/>
-        </p:nvSpPr>
-        <p:spPr>
-          <a:xfrm>
-            <a:off x="1162642" y="3284622"/>
-            <a:ext cx="1233714" cy="646331"/>
-          </a:xfrm>
-          <a:prstGeom prst="rect">
-            <a:avLst/>
-          </a:prstGeom>
-          <a:noFill/>
-        </p:spPr>
-        <p:txBody>
-          <a:bodyPr wrap="square" rtlCol="0">
-            <a:spAutoFit/>
-          </a:bodyPr>
-          <a:lstStyle/>
-          <a:p>
-            <a:r>
-              <a:rPr lang="en-VN">
-                <a:solidFill>
-                  <a:schemeClr val="accent6"/>
-                </a:solidFill>
-              </a:rPr>
-              <a:t>Input cho LB ID 3</a:t>
-            </a:r>
-          </a:p>
-        </p:txBody>
-      </p:sp>
-      <p:sp>
-        <p:nvSpPr>
-          <p:cNvPr id="11" name="Left Brace 10">
-            <a:extLst>
-              <a:ext uri="{FF2B5EF4-FFF2-40B4-BE49-F238E27FC236}">
-                <a16:creationId xmlns:a16="http://schemas.microsoft.com/office/drawing/2014/main" id="{E388E690-BAA6-827C-F3FC-F305C605014E}"/>
-              </a:ext>
-            </a:extLst>
-          </p:cNvPr>
-          <p:cNvSpPr/>
-          <p:nvPr/>
-        </p:nvSpPr>
-        <p:spPr>
-          <a:xfrm>
-            <a:off x="2472144" y="4280628"/>
-            <a:ext cx="219918" cy="1825048"/>
-          </a:xfrm>
-          <a:prstGeom prst="leftBrace">
-            <a:avLst>
-              <a:gd name="adj1" fmla="val 65532"/>
-              <a:gd name="adj2" fmla="val 50000"/>
-            </a:avLst>
-          </a:prstGeom>
-        </p:spPr>
-        <p:style>
-          <a:lnRef idx="1">
-            <a:schemeClr val="dk1"/>
-          </a:lnRef>
-          <a:fillRef idx="0">
-            <a:schemeClr val="dk1"/>
-          </a:fillRef>
-          <a:effectRef idx="0">
-            <a:schemeClr val="dk1"/>
-          </a:effectRef>
-          <a:fontRef idx="minor">
-            <a:schemeClr val="tx1"/>
-          </a:fontRef>
-        </p:style>
-        <p:txBody>
-          <a:bodyPr rtlCol="0" anchor="ctr"/>
-          <a:lstStyle/>
-          <a:p>
-            <a:pPr algn="ctr"/>
-            <a:endParaRPr lang="en-VN"/>
-          </a:p>
-        </p:txBody>
-      </p:sp>
-      <p:sp>
-        <p:nvSpPr>
-          <p:cNvPr id="12" name="TextBox 11">
-            <a:extLst>
-              <a:ext uri="{FF2B5EF4-FFF2-40B4-BE49-F238E27FC236}">
-                <a16:creationId xmlns:a16="http://schemas.microsoft.com/office/drawing/2014/main" id="{1A2DBC2B-9E54-D053-F22E-46347F1E4DCE}"/>
-              </a:ext>
-            </a:extLst>
-          </p:cNvPr>
-          <p:cNvSpPr txBox="1"/>
-          <p:nvPr/>
-        </p:nvSpPr>
-        <p:spPr>
-          <a:xfrm>
-            <a:off x="1162642" y="4869986"/>
-            <a:ext cx="1233714" cy="646331"/>
-          </a:xfrm>
-          <a:prstGeom prst="rect">
-            <a:avLst/>
-          </a:prstGeom>
-          <a:noFill/>
-        </p:spPr>
-        <p:txBody>
-          <a:bodyPr wrap="square" rtlCol="0">
-            <a:spAutoFit/>
-          </a:bodyPr>
-          <a:lstStyle/>
-          <a:p>
-            <a:r>
-              <a:rPr lang="en-VN"/>
-              <a:t>Input k request</a:t>
-            </a:r>
-          </a:p>
-        </p:txBody>
-      </p:sp>
-    </p:spTree>
-    <p:extLst>
-      <p:ext uri="{BB962C8B-B14F-4D97-AF65-F5344CB8AC3E}">
-        <p14:creationId xmlns:p14="http://schemas.microsoft.com/office/powerpoint/2010/main" val="2312181358"/>
-      </p:ext>
-    </p:extLst>
-  </p:cSld>
-  <p:clrMapOvr>
-    <a:masterClrMapping/>
-  </p:clrMapOvr>
-</p:sld>
-</file>
-
 <file path=ppt/theme/theme1.xml><?xml version="1.0" encoding="utf-8"?>
 <a:theme xmlns:a="http://schemas.openxmlformats.org/drawingml/2006/main" name="Office Theme">
   <a:themeElements>
